--- a/Case NPS - MRV Canva.pptx
+++ b/Case NPS - MRV Canva.pptx
@@ -7,25 +7,28 @@
   <p:sldIdLst>
     <p:sldId id="256" r:id="rId2"/>
     <p:sldId id="257" r:id="rId3"/>
-    <p:sldId id="258" r:id="rId4"/>
-    <p:sldId id="259" r:id="rId5"/>
-    <p:sldId id="260" r:id="rId6"/>
-    <p:sldId id="266" r:id="rId7"/>
-    <p:sldId id="261" r:id="rId8"/>
-    <p:sldId id="262" r:id="rId9"/>
-    <p:sldId id="263" r:id="rId10"/>
-    <p:sldId id="265" r:id="rId11"/>
+    <p:sldId id="267" r:id="rId4"/>
+    <p:sldId id="268" r:id="rId5"/>
+    <p:sldId id="269" r:id="rId6"/>
+    <p:sldId id="270" r:id="rId7"/>
+    <p:sldId id="259" r:id="rId8"/>
+    <p:sldId id="260" r:id="rId9"/>
+    <p:sldId id="266" r:id="rId10"/>
+    <p:sldId id="261" r:id="rId11"/>
+    <p:sldId id="262" r:id="rId12"/>
+    <p:sldId id="263" r:id="rId13"/>
+    <p:sldId id="265" r:id="rId14"/>
   </p:sldIdLst>
   <p:sldSz cx="18288000" cy="10287000"/>
   <p:notesSz cx="6858000" cy="9144000"/>
   <p:embeddedFontLst>
     <p:embeddedFont>
       <p:font typeface="Verdana Pro" panose="020B0604030504040204" pitchFamily="34" charset="0"/>
-      <p:regular r:id="rId12"/>
+      <p:regular r:id="rId15"/>
     </p:embeddedFont>
     <p:embeddedFont>
       <p:font typeface="Verdana Pro Heavy" panose="020B0604020202020204" charset="0"/>
-      <p:regular r:id="rId13"/>
+      <p:regular r:id="rId16"/>
     </p:embeddedFont>
   </p:embeddedFontLst>
   <p:defaultTextStyle>
@@ -145,7 +148,7 @@
 <file path=ppt/revisionInfo.xml><?xml version="1.0" encoding="utf-8"?>
 <p1510:revInfo xmlns:a="http://schemas.openxmlformats.org/drawingml/2006/main" xmlns:r="http://schemas.openxmlformats.org/officeDocument/2006/relationships" xmlns:p1510="http://schemas.microsoft.com/office/powerpoint/2015/10/main">
   <p1510:revLst>
-    <p1510:client id="{5DC752C5-1B78-440F-8FA4-8A6A46AED4AD}" v="7" dt="2025-05-26T16:54:14.221"/>
+    <p1510:client id="{5DC752C5-1B78-440F-8FA4-8A6A46AED4AD}" v="28" dt="2025-05-26T18:12:42.684"/>
   </p1510:revLst>
 </p1510:revInfo>
 </file>
@@ -154,13 +157,52 @@
 <pc:chgInfo xmlns:a="http://schemas.openxmlformats.org/drawingml/2006/main" xmlns:r="http://schemas.openxmlformats.org/officeDocument/2006/relationships" xmlns:ac="http://schemas.microsoft.com/office/drawing/2013/main/command" xmlns:pc="http://schemas.microsoft.com/office/powerpoint/2013/main/command">
   <pc:docChgLst>
     <pc:chgData name="André Luiz Fideles Soares" userId="20df293450591011" providerId="LiveId" clId="{5DC752C5-1B78-440F-8FA4-8A6A46AED4AD}"/>
-    <pc:docChg chg="custSel addSld delSld modSld">
-      <pc:chgData name="André Luiz Fideles Soares" userId="20df293450591011" providerId="LiveId" clId="{5DC752C5-1B78-440F-8FA4-8A6A46AED4AD}" dt="2025-05-26T16:54:20.604" v="115" actId="1076"/>
+    <pc:docChg chg="undo custSel addSld delSld modSld">
+      <pc:chgData name="André Luiz Fideles Soares" userId="20df293450591011" providerId="LiveId" clId="{5DC752C5-1B78-440F-8FA4-8A6A46AED4AD}" dt="2025-05-26T18:13:55.989" v="283" actId="47"/>
       <pc:docMkLst>
         <pc:docMk/>
       </pc:docMkLst>
-      <pc:sldChg chg="modSp mod">
-        <pc:chgData name="André Luiz Fideles Soares" userId="20df293450591011" providerId="LiveId" clId="{5DC752C5-1B78-440F-8FA4-8A6A46AED4AD}" dt="2025-05-26T13:56:31.711" v="12" actId="1076"/>
+      <pc:sldChg chg="delSp modSp mod">
+        <pc:chgData name="André Luiz Fideles Soares" userId="20df293450591011" providerId="LiveId" clId="{5DC752C5-1B78-440F-8FA4-8A6A46AED4AD}" dt="2025-05-26T17:59:50.776" v="119" actId="1076"/>
+        <pc:sldMkLst>
+          <pc:docMk/>
+          <pc:sldMk cId="0" sldId="256"/>
+        </pc:sldMkLst>
+        <pc:spChg chg="del">
+          <ac:chgData name="André Luiz Fideles Soares" userId="20df293450591011" providerId="LiveId" clId="{5DC752C5-1B78-440F-8FA4-8A6A46AED4AD}" dt="2025-05-26T17:59:44.618" v="118" actId="478"/>
+          <ac:spMkLst>
+            <pc:docMk/>
+            <pc:sldMk cId="0" sldId="256"/>
+            <ac:spMk id="8" creationId="{00000000-0000-0000-0000-000000000000}"/>
+          </ac:spMkLst>
+        </pc:spChg>
+        <pc:spChg chg="mod">
+          <ac:chgData name="André Luiz Fideles Soares" userId="20df293450591011" providerId="LiveId" clId="{5DC752C5-1B78-440F-8FA4-8A6A46AED4AD}" dt="2025-05-26T17:59:41.506" v="117" actId="108"/>
+          <ac:spMkLst>
+            <pc:docMk/>
+            <pc:sldMk cId="0" sldId="256"/>
+            <ac:spMk id="9" creationId="{00000000-0000-0000-0000-000000000000}"/>
+          </ac:spMkLst>
+        </pc:spChg>
+        <pc:spChg chg="mod">
+          <ac:chgData name="André Luiz Fideles Soares" userId="20df293450591011" providerId="LiveId" clId="{5DC752C5-1B78-440F-8FA4-8A6A46AED4AD}" dt="2025-05-26T17:59:50.776" v="119" actId="1076"/>
+          <ac:spMkLst>
+            <pc:docMk/>
+            <pc:sldMk cId="0" sldId="256"/>
+            <ac:spMk id="10" creationId="{00000000-0000-0000-0000-000000000000}"/>
+          </ac:spMkLst>
+        </pc:spChg>
+        <pc:grpChg chg="mod">
+          <ac:chgData name="André Luiz Fideles Soares" userId="20df293450591011" providerId="LiveId" clId="{5DC752C5-1B78-440F-8FA4-8A6A46AED4AD}" dt="2025-05-26T17:59:50.776" v="119" actId="1076"/>
+          <ac:grpSpMkLst>
+            <pc:docMk/>
+            <pc:sldMk cId="0" sldId="256"/>
+            <ac:grpSpMk id="2" creationId="{00000000-0000-0000-0000-000000000000}"/>
+          </ac:grpSpMkLst>
+        </pc:grpChg>
+      </pc:sldChg>
+      <pc:sldChg chg="addSp delSp modSp mod">
+        <pc:chgData name="André Luiz Fideles Soares" userId="20df293450591011" providerId="LiveId" clId="{5DC752C5-1B78-440F-8FA4-8A6A46AED4AD}" dt="2025-05-26T18:01:27.119" v="136" actId="1076"/>
         <pc:sldMkLst>
           <pc:docMk/>
           <pc:sldMk cId="0" sldId="257"/>
@@ -174,16 +216,32 @@
           </ac:spMkLst>
         </pc:spChg>
         <pc:spChg chg="mod">
-          <ac:chgData name="André Luiz Fideles Soares" userId="20df293450591011" providerId="LiveId" clId="{5DC752C5-1B78-440F-8FA4-8A6A46AED4AD}" dt="2025-05-26T13:56:22.683" v="11" actId="1076"/>
+          <ac:chgData name="André Luiz Fideles Soares" userId="20df293450591011" providerId="LiveId" clId="{5DC752C5-1B78-440F-8FA4-8A6A46AED4AD}" dt="2025-05-26T18:01:27.119" v="136" actId="1076"/>
           <ac:spMkLst>
             <pc:docMk/>
             <pc:sldMk cId="0" sldId="257"/>
             <ac:spMk id="5" creationId="{00000000-0000-0000-0000-000000000000}"/>
           </ac:spMkLst>
         </pc:spChg>
+        <pc:spChg chg="add del mod">
+          <ac:chgData name="André Luiz Fideles Soares" userId="20df293450591011" providerId="LiveId" clId="{5DC752C5-1B78-440F-8FA4-8A6A46AED4AD}" dt="2025-05-26T18:01:19.877" v="133" actId="478"/>
+          <ac:spMkLst>
+            <pc:docMk/>
+            <pc:sldMk cId="0" sldId="257"/>
+            <ac:spMk id="7" creationId="{A52AEB71-FAE5-FC52-5217-B71C33A7F5B4}"/>
+          </ac:spMkLst>
+        </pc:spChg>
+        <pc:spChg chg="add del mod">
+          <ac:chgData name="André Luiz Fideles Soares" userId="20df293450591011" providerId="LiveId" clId="{5DC752C5-1B78-440F-8FA4-8A6A46AED4AD}" dt="2025-05-26T18:01:12.656" v="131" actId="478"/>
+          <ac:spMkLst>
+            <pc:docMk/>
+            <pc:sldMk cId="0" sldId="257"/>
+            <ac:spMk id="8" creationId="{B58A5648-DFB9-B07D-70CF-2F883D83F2F0}"/>
+          </ac:spMkLst>
+        </pc:spChg>
       </pc:sldChg>
-      <pc:sldChg chg="modSp mod">
-        <pc:chgData name="André Luiz Fideles Soares" userId="20df293450591011" providerId="LiveId" clId="{5DC752C5-1B78-440F-8FA4-8A6A46AED4AD}" dt="2025-05-26T15:43:56.498" v="51" actId="20577"/>
+      <pc:sldChg chg="modSp del mod">
+        <pc:chgData name="André Luiz Fideles Soares" userId="20df293450591011" providerId="LiveId" clId="{5DC752C5-1B78-440F-8FA4-8A6A46AED4AD}" dt="2025-05-26T18:13:55.989" v="283" actId="47"/>
         <pc:sldMkLst>
           <pc:docMk/>
           <pc:sldMk cId="0" sldId="258"/>
@@ -419,6 +477,154 @@
             <pc:docMk/>
             <pc:sldMk cId="3046229598" sldId="266"/>
             <ac:picMk id="8" creationId="{713EC3D3-4A10-A3AC-472A-746F897A8767}"/>
+          </ac:picMkLst>
+        </pc:picChg>
+      </pc:sldChg>
+      <pc:sldChg chg="addSp modSp add mod">
+        <pc:chgData name="André Luiz Fideles Soares" userId="20df293450591011" providerId="LiveId" clId="{5DC752C5-1B78-440F-8FA4-8A6A46AED4AD}" dt="2025-05-26T18:08:03.907" v="234" actId="14100"/>
+        <pc:sldMkLst>
+          <pc:docMk/>
+          <pc:sldMk cId="3749334102" sldId="267"/>
+        </pc:sldMkLst>
+        <pc:spChg chg="mod">
+          <ac:chgData name="André Luiz Fideles Soares" userId="20df293450591011" providerId="LiveId" clId="{5DC752C5-1B78-440F-8FA4-8A6A46AED4AD}" dt="2025-05-26T18:02:37.862" v="149" actId="1076"/>
+          <ac:spMkLst>
+            <pc:docMk/>
+            <pc:sldMk cId="3749334102" sldId="267"/>
+            <ac:spMk id="3" creationId="{7686C9FA-88F4-5C2E-443E-DBF5208368B6}"/>
+          </ac:spMkLst>
+        </pc:spChg>
+        <pc:spChg chg="mod">
+          <ac:chgData name="André Luiz Fideles Soares" userId="20df293450591011" providerId="LiveId" clId="{5DC752C5-1B78-440F-8FA4-8A6A46AED4AD}" dt="2025-05-26T18:07:58.201" v="233" actId="12"/>
+          <ac:spMkLst>
+            <pc:docMk/>
+            <pc:sldMk cId="3749334102" sldId="267"/>
+            <ac:spMk id="5" creationId="{7F226644-693A-78FD-FE27-1E5EE2616CC9}"/>
+          </ac:spMkLst>
+        </pc:spChg>
+        <pc:picChg chg="add mod">
+          <ac:chgData name="André Luiz Fideles Soares" userId="20df293450591011" providerId="LiveId" clId="{5DC752C5-1B78-440F-8FA4-8A6A46AED4AD}" dt="2025-05-26T18:08:03.907" v="234" actId="14100"/>
+          <ac:picMkLst>
+            <pc:docMk/>
+            <pc:sldMk cId="3749334102" sldId="267"/>
+            <ac:picMk id="8" creationId="{B5AB1246-8496-3BC7-7ADE-352795B0C134}"/>
+          </ac:picMkLst>
+        </pc:picChg>
+      </pc:sldChg>
+      <pc:sldChg chg="addSp delSp modSp add mod">
+        <pc:chgData name="André Luiz Fideles Soares" userId="20df293450591011" providerId="LiveId" clId="{5DC752C5-1B78-440F-8FA4-8A6A46AED4AD}" dt="2025-05-26T18:10:21.611" v="257" actId="123"/>
+        <pc:sldMkLst>
+          <pc:docMk/>
+          <pc:sldMk cId="3606013115" sldId="268"/>
+        </pc:sldMkLst>
+        <pc:spChg chg="mod">
+          <ac:chgData name="André Luiz Fideles Soares" userId="20df293450591011" providerId="LiveId" clId="{5DC752C5-1B78-440F-8FA4-8A6A46AED4AD}" dt="2025-05-26T18:06:41.982" v="204" actId="1076"/>
+          <ac:spMkLst>
+            <pc:docMk/>
+            <pc:sldMk cId="3606013115" sldId="268"/>
+            <ac:spMk id="3" creationId="{B6BDDAC6-82F7-0D29-7137-DCC0A8A44BD4}"/>
+          </ac:spMkLst>
+        </pc:spChg>
+        <pc:spChg chg="mod">
+          <ac:chgData name="André Luiz Fideles Soares" userId="20df293450591011" providerId="LiveId" clId="{5DC752C5-1B78-440F-8FA4-8A6A46AED4AD}" dt="2025-05-26T18:10:21.611" v="257" actId="123"/>
+          <ac:spMkLst>
+            <pc:docMk/>
+            <pc:sldMk cId="3606013115" sldId="268"/>
+            <ac:spMk id="5" creationId="{2D793FC8-A467-1F81-F74F-428FF3061C65}"/>
+          </ac:spMkLst>
+        </pc:spChg>
+        <pc:picChg chg="del mod">
+          <ac:chgData name="André Luiz Fideles Soares" userId="20df293450591011" providerId="LiveId" clId="{5DC752C5-1B78-440F-8FA4-8A6A46AED4AD}" dt="2025-05-26T18:08:09.238" v="236" actId="478"/>
+          <ac:picMkLst>
+            <pc:docMk/>
+            <pc:sldMk cId="3606013115" sldId="268"/>
+            <ac:picMk id="8" creationId="{3EB6F1B9-AF91-8652-23BA-5E466D815FE9}"/>
+          </ac:picMkLst>
+        </pc:picChg>
+        <pc:picChg chg="add mod">
+          <ac:chgData name="André Luiz Fideles Soares" userId="20df293450591011" providerId="LiveId" clId="{5DC752C5-1B78-440F-8FA4-8A6A46AED4AD}" dt="2025-05-26T18:08:27.390" v="240" actId="1076"/>
+          <ac:picMkLst>
+            <pc:docMk/>
+            <pc:sldMk cId="3606013115" sldId="268"/>
+            <ac:picMk id="9" creationId="{BACF0129-4DCC-0950-D783-E350825D3387}"/>
+          </ac:picMkLst>
+        </pc:picChg>
+      </pc:sldChg>
+      <pc:sldChg chg="addSp delSp modSp add mod">
+        <pc:chgData name="André Luiz Fideles Soares" userId="20df293450591011" providerId="LiveId" clId="{5DC752C5-1B78-440F-8FA4-8A6A46AED4AD}" dt="2025-05-26T18:11:16.397" v="264" actId="1076"/>
+        <pc:sldMkLst>
+          <pc:docMk/>
+          <pc:sldMk cId="3040441447" sldId="269"/>
+        </pc:sldMkLst>
+        <pc:spChg chg="mod">
+          <ac:chgData name="André Luiz Fideles Soares" userId="20df293450591011" providerId="LiveId" clId="{5DC752C5-1B78-440F-8FA4-8A6A46AED4AD}" dt="2025-05-26T18:10:35.380" v="258" actId="20577"/>
+          <ac:spMkLst>
+            <pc:docMk/>
+            <pc:sldMk cId="3040441447" sldId="269"/>
+            <ac:spMk id="3" creationId="{9A99D0B4-4717-C629-F24F-CB616517AD0B}"/>
+          </ac:spMkLst>
+        </pc:spChg>
+        <pc:spChg chg="mod">
+          <ac:chgData name="André Luiz Fideles Soares" userId="20df293450591011" providerId="LiveId" clId="{5DC752C5-1B78-440F-8FA4-8A6A46AED4AD}" dt="2025-05-26T18:10:13.542" v="256" actId="122"/>
+          <ac:spMkLst>
+            <pc:docMk/>
+            <pc:sldMk cId="3040441447" sldId="269"/>
+            <ac:spMk id="5" creationId="{0FC82C29-200D-59D4-D8F3-53720390F537}"/>
+          </ac:spMkLst>
+        </pc:spChg>
+        <pc:picChg chg="add mod">
+          <ac:chgData name="André Luiz Fideles Soares" userId="20df293450591011" providerId="LiveId" clId="{5DC752C5-1B78-440F-8FA4-8A6A46AED4AD}" dt="2025-05-26T18:11:16.397" v="264" actId="1076"/>
+          <ac:picMkLst>
+            <pc:docMk/>
+            <pc:sldMk cId="3040441447" sldId="269"/>
+            <ac:picMk id="8" creationId="{65208B34-5915-D66C-CB2A-DB0087FE7C32}"/>
+          </ac:picMkLst>
+        </pc:picChg>
+        <pc:picChg chg="del">
+          <ac:chgData name="André Luiz Fideles Soares" userId="20df293450591011" providerId="LiveId" clId="{5DC752C5-1B78-440F-8FA4-8A6A46AED4AD}" dt="2025-05-26T18:10:43.334" v="259" actId="478"/>
+          <ac:picMkLst>
+            <pc:docMk/>
+            <pc:sldMk cId="3040441447" sldId="269"/>
+            <ac:picMk id="9" creationId="{9CEF61C8-91EE-2946-32F1-46D6C736126D}"/>
+          </ac:picMkLst>
+        </pc:picChg>
+      </pc:sldChg>
+      <pc:sldChg chg="addSp delSp modSp add mod">
+        <pc:chgData name="André Luiz Fideles Soares" userId="20df293450591011" providerId="LiveId" clId="{5DC752C5-1B78-440F-8FA4-8A6A46AED4AD}" dt="2025-05-26T18:12:48.438" v="282" actId="1076"/>
+        <pc:sldMkLst>
+          <pc:docMk/>
+          <pc:sldMk cId="281709735" sldId="270"/>
+        </pc:sldMkLst>
+        <pc:spChg chg="mod">
+          <ac:chgData name="André Luiz Fideles Soares" userId="20df293450591011" providerId="LiveId" clId="{5DC752C5-1B78-440F-8FA4-8A6A46AED4AD}" dt="2025-05-26T18:12:30.503" v="276" actId="1076"/>
+          <ac:spMkLst>
+            <pc:docMk/>
+            <pc:sldMk cId="281709735" sldId="270"/>
+            <ac:spMk id="3" creationId="{6CA4D0AF-8713-6CB3-2F3C-FCD20C4C2E7F}"/>
+          </ac:spMkLst>
+        </pc:spChg>
+        <pc:spChg chg="mod">
+          <ac:chgData name="André Luiz Fideles Soares" userId="20df293450591011" providerId="LiveId" clId="{5DC752C5-1B78-440F-8FA4-8A6A46AED4AD}" dt="2025-05-26T18:11:56.922" v="268"/>
+          <ac:spMkLst>
+            <pc:docMk/>
+            <pc:sldMk cId="281709735" sldId="270"/>
+            <ac:spMk id="5" creationId="{BE33E043-2DC1-458E-79C7-651DFAF91584}"/>
+          </ac:spMkLst>
+        </pc:spChg>
+        <pc:picChg chg="del">
+          <ac:chgData name="André Luiz Fideles Soares" userId="20df293450591011" providerId="LiveId" clId="{5DC752C5-1B78-440F-8FA4-8A6A46AED4AD}" dt="2025-05-26T18:12:35.005" v="277" actId="478"/>
+          <ac:picMkLst>
+            <pc:docMk/>
+            <pc:sldMk cId="281709735" sldId="270"/>
+            <ac:picMk id="8" creationId="{F8D55FC1-8D46-E2D5-8A62-6A39C576DB9A}"/>
+          </ac:picMkLst>
+        </pc:picChg>
+        <pc:picChg chg="add mod">
+          <ac:chgData name="André Luiz Fideles Soares" userId="20df293450591011" providerId="LiveId" clId="{5DC752C5-1B78-440F-8FA4-8A6A46AED4AD}" dt="2025-05-26T18:12:48.438" v="282" actId="1076"/>
+          <ac:picMkLst>
+            <pc:docMk/>
+            <pc:sldMk cId="281709735" sldId="270"/>
+            <ac:picMk id="9" creationId="{7F981F5D-34B8-4013-9173-5B46DE2F5588}"/>
           </ac:picMkLst>
         </pc:picChg>
       </pc:sldChg>
@@ -3374,7 +3580,7 @@
         </p:nvGrpSpPr>
         <p:grpSpPr>
           <a:xfrm>
-            <a:off x="3081235" y="6070463"/>
+            <a:off x="3200400" y="4762500"/>
             <a:ext cx="5061133" cy="1006462"/>
             <a:chOff x="0" y="0"/>
             <a:chExt cx="1276528" cy="253852"/>
@@ -3683,14 +3889,14 @@
       </p:sp>
       <p:sp>
         <p:nvSpPr>
-          <p:cNvPr id="8" name="TextBox 8"/>
+          <p:cNvPr id="9" name="TextBox 9"/>
           <p:cNvSpPr txBox="1"/>
           <p:nvPr/>
         </p:nvSpPr>
         <p:spPr>
           <a:xfrm>
-            <a:off x="3081235" y="4524143"/>
-            <a:ext cx="12125529" cy="3025966"/>
+            <a:off x="3081235" y="2894504"/>
+            <a:ext cx="11151994" cy="1386085"/>
           </a:xfrm>
           <a:prstGeom prst="rect">
             <a:avLst/>
@@ -3708,91 +3914,19 @@
               </a:lnSpc>
             </a:pPr>
             <a:r>
-              <a:rPr lang="en-US" sz="3999" b="1" spc="-191" dirty="0">
+              <a:rPr lang="pt-BR" sz="3999" b="1" spc="-191" dirty="0">
                 <a:solidFill>
                   <a:srgbClr val="FFFFFF"/>
                 </a:solidFill>
                 <a:latin typeface="Verdana Pro Heavy"/>
-                <a:ea typeface="Verdana Pro Heavy"/>
-                <a:cs typeface="Verdana Pro Heavy"/>
-                <a:sym typeface="Verdana Pro Heavy"/>
               </a:rPr>
-              <a:t>APRESENTAÇÃO DE DADOS E INSIGHTS ESTRATÉGICOS</a:t>
-            </a:r>
-          </a:p>
-          <a:p>
-            <a:pPr algn="l">
-              <a:lnSpc>
-                <a:spcPts val="13628"/>
-              </a:lnSpc>
-            </a:pPr>
+              <a:t>Case MRV – Análise de Comentários NPS e Benchmark de Produto</a:t>
+            </a:r>
             <a:endParaRPr lang="en-US" sz="3999" b="1" spc="-191" dirty="0">
               <a:solidFill>
                 <a:srgbClr val="FFFFFF"/>
               </a:solidFill>
               <a:latin typeface="Verdana Pro Heavy"/>
-              <a:ea typeface="Verdana Pro Heavy"/>
-              <a:cs typeface="Verdana Pro Heavy"/>
-              <a:sym typeface="Verdana Pro Heavy"/>
-            </a:endParaRPr>
-          </a:p>
-        </p:txBody>
-      </p:sp>
-      <p:sp>
-        <p:nvSpPr>
-          <p:cNvPr id="9" name="TextBox 9"/>
-          <p:cNvSpPr txBox="1"/>
-          <p:nvPr/>
-        </p:nvSpPr>
-        <p:spPr>
-          <a:xfrm>
-            <a:off x="3081235" y="2894504"/>
-            <a:ext cx="11151994" cy="2946696"/>
-          </a:xfrm>
-          <a:prstGeom prst="rect">
-            <a:avLst/>
-          </a:prstGeom>
-        </p:spPr>
-        <p:txBody>
-          <a:bodyPr lIns="0" tIns="0" rIns="0" bIns="0" rtlCol="0" anchor="t">
-            <a:spAutoFit/>
-          </a:bodyPr>
-          <a:lstStyle/>
-          <a:p>
-            <a:pPr algn="just">
-              <a:lnSpc>
-                <a:spcPts val="5599"/>
-              </a:lnSpc>
-            </a:pPr>
-            <a:r>
-              <a:rPr lang="en-US" sz="3999" spc="-191" dirty="0">
-                <a:solidFill>
-                  <a:srgbClr val="FFFFFF"/>
-                </a:solidFill>
-                <a:latin typeface="Verdana Pro"/>
-                <a:ea typeface="Verdana Pro"/>
-                <a:cs typeface="Verdana Pro"/>
-                <a:sym typeface="Verdana Pro"/>
-              </a:rPr>
-              <a:t>CASE NPS E ANÁLISE DE PRODUTO: MRV, DIRECIONAL E CURY</a:t>
-            </a:r>
-          </a:p>
-          <a:p>
-            <a:pPr marL="0" lvl="0" indent="0" algn="l">
-              <a:lnSpc>
-                <a:spcPts val="12917"/>
-              </a:lnSpc>
-              <a:spcBef>
-                <a:spcPct val="0"/>
-              </a:spcBef>
-            </a:pPr>
-            <a:endParaRPr lang="en-US" sz="3999" spc="-191" dirty="0">
-              <a:solidFill>
-                <a:srgbClr val="FFFFFF"/>
-              </a:solidFill>
-              <a:latin typeface="Verdana Pro"/>
-              <a:ea typeface="Verdana Pro"/>
-              <a:cs typeface="Verdana Pro"/>
               <a:sym typeface="Verdana Pro"/>
             </a:endParaRPr>
           </a:p>
@@ -3806,7 +3940,7 @@
         </p:nvSpPr>
         <p:spPr>
           <a:xfrm>
-            <a:off x="3483474" y="6334301"/>
+            <a:off x="3602639" y="5026338"/>
             <a:ext cx="4256655" cy="484643"/>
           </a:xfrm>
           <a:prstGeom prst="rect">
@@ -3848,2386 +3982,6 @@
 </file>
 
 <file path=ppt/slides/slide10.xml><?xml version="1.0" encoding="utf-8"?>
-<p:sld xmlns:a="http://schemas.openxmlformats.org/drawingml/2006/main" xmlns:r="http://schemas.openxmlformats.org/officeDocument/2006/relationships" xmlns:p="http://schemas.openxmlformats.org/presentationml/2006/main">
-  <p:cSld>
-    <p:bg>
-      <p:bgPr>
-        <a:solidFill>
-          <a:srgbClr val="006B3F"/>
-        </a:solidFill>
-        <a:effectLst/>
-      </p:bgPr>
-    </p:bg>
-    <p:spTree>
-      <p:nvGrpSpPr>
-        <p:cNvPr id="1" name="">
-          <a:extLst>
-            <a:ext uri="{FF2B5EF4-FFF2-40B4-BE49-F238E27FC236}">
-              <a16:creationId xmlns:a16="http://schemas.microsoft.com/office/drawing/2014/main" id="{B712F0F6-49FA-01AA-D2BC-BEB518B7DB99}"/>
-            </a:ext>
-          </a:extLst>
-        </p:cNvPr>
-        <p:cNvGrpSpPr/>
-        <p:nvPr/>
-      </p:nvGrpSpPr>
-      <p:grpSpPr>
-        <a:xfrm>
-          <a:off x="0" y="0"/>
-          <a:ext cx="0" cy="0"/>
-          <a:chOff x="0" y="0"/>
-          <a:chExt cx="0" cy="0"/>
-        </a:xfrm>
-      </p:grpSpPr>
-      <p:sp>
-        <p:nvSpPr>
-          <p:cNvPr id="2" name="Freeform 2">
-            <a:extLst>
-              <a:ext uri="{FF2B5EF4-FFF2-40B4-BE49-F238E27FC236}">
-                <a16:creationId xmlns:a16="http://schemas.microsoft.com/office/drawing/2014/main" id="{FF0A8ED2-E39A-0EAA-5728-81C7E7B54CA0}"/>
-              </a:ext>
-            </a:extLst>
-          </p:cNvPr>
-          <p:cNvSpPr/>
-          <p:nvPr/>
-        </p:nvSpPr>
-        <p:spPr>
-          <a:xfrm rot="-2700000">
-            <a:off x="16213252" y="7043585"/>
-            <a:ext cx="3526643" cy="3436874"/>
-          </a:xfrm>
-          <a:custGeom>
-            <a:avLst/>
-            <a:gdLst/>
-            <a:ahLst/>
-            <a:cxnLst/>
-            <a:rect l="l" t="t" r="r" b="b"/>
-            <a:pathLst>
-              <a:path w="3526643" h="3436874">
-                <a:moveTo>
-                  <a:pt x="0" y="0"/>
-                </a:moveTo>
-                <a:lnTo>
-                  <a:pt x="3526643" y="0"/>
-                </a:lnTo>
-                <a:lnTo>
-                  <a:pt x="3526643" y="3436874"/>
-                </a:lnTo>
-                <a:lnTo>
-                  <a:pt x="0" y="3436874"/>
-                </a:lnTo>
-                <a:lnTo>
-                  <a:pt x="0" y="0"/>
-                </a:lnTo>
-                <a:close/>
-              </a:path>
-            </a:pathLst>
-          </a:custGeom>
-          <a:blipFill>
-            <a:blip r:embed="rId2">
-              <a:extLst>
-                <a:ext uri="{96DAC541-7B7A-43D3-8B79-37D633B846F1}">
-                  <asvg:svgBlip xmlns:asvg="http://schemas.microsoft.com/office/drawing/2016/SVG/main" r:embed="rId3"/>
-                </a:ext>
-              </a:extLst>
-            </a:blip>
-            <a:stretch>
-              <a:fillRect/>
-            </a:stretch>
-          </a:blipFill>
-        </p:spPr>
-        <p:txBody>
-          <a:bodyPr/>
-          <a:lstStyle/>
-          <a:p>
-            <a:endParaRPr lang="pt-BR"/>
-          </a:p>
-        </p:txBody>
-      </p:sp>
-      <p:sp>
-        <p:nvSpPr>
-          <p:cNvPr id="3" name="TextBox 3">
-            <a:extLst>
-              <a:ext uri="{FF2B5EF4-FFF2-40B4-BE49-F238E27FC236}">
-                <a16:creationId xmlns:a16="http://schemas.microsoft.com/office/drawing/2014/main" id="{085B07B3-DDB6-50F0-A817-25D03362F872}"/>
-              </a:ext>
-            </a:extLst>
-          </p:cNvPr>
-          <p:cNvSpPr txBox="1"/>
-          <p:nvPr/>
-        </p:nvSpPr>
-        <p:spPr>
-          <a:xfrm>
-            <a:off x="1745337" y="1790700"/>
-            <a:ext cx="14797325" cy="806183"/>
-          </a:xfrm>
-          <a:prstGeom prst="rect">
-            <a:avLst/>
-          </a:prstGeom>
-        </p:spPr>
-        <p:txBody>
-          <a:bodyPr lIns="0" tIns="0" rIns="0" bIns="0" rtlCol="0" anchor="t">
-            <a:spAutoFit/>
-          </a:bodyPr>
-          <a:lstStyle/>
-          <a:p>
-            <a:pPr marL="0" lvl="0" indent="0" algn="ctr">
-              <a:lnSpc>
-                <a:spcPts val="7000"/>
-              </a:lnSpc>
-              <a:spcBef>
-                <a:spcPct val="0"/>
-              </a:spcBef>
-            </a:pPr>
-            <a:r>
-              <a:rPr lang="en-US" sz="5000" spc="-240" dirty="0">
-                <a:solidFill>
-                  <a:srgbClr val="FFFFFF"/>
-                </a:solidFill>
-                <a:latin typeface="Verdana Pro"/>
-                <a:ea typeface="Verdana Pro"/>
-                <a:cs typeface="Verdana Pro"/>
-                <a:sym typeface="Verdana Pro"/>
-              </a:rPr>
-              <a:t>CONCLUSÃO</a:t>
-            </a:r>
-          </a:p>
-        </p:txBody>
-      </p:sp>
-      <p:sp>
-        <p:nvSpPr>
-          <p:cNvPr id="4" name="Freeform 4">
-            <a:extLst>
-              <a:ext uri="{FF2B5EF4-FFF2-40B4-BE49-F238E27FC236}">
-                <a16:creationId xmlns:a16="http://schemas.microsoft.com/office/drawing/2014/main" id="{409D12BC-3581-3043-E6D2-C0180D6A5E42}"/>
-              </a:ext>
-            </a:extLst>
-          </p:cNvPr>
-          <p:cNvSpPr/>
-          <p:nvPr/>
-        </p:nvSpPr>
-        <p:spPr>
-          <a:xfrm rot="-2700000">
-            <a:off x="-1763322" y="-681241"/>
-            <a:ext cx="3526643" cy="3436874"/>
-          </a:xfrm>
-          <a:custGeom>
-            <a:avLst/>
-            <a:gdLst/>
-            <a:ahLst/>
-            <a:cxnLst/>
-            <a:rect l="l" t="t" r="r" b="b"/>
-            <a:pathLst>
-              <a:path w="3526643" h="3436874">
-                <a:moveTo>
-                  <a:pt x="0" y="0"/>
-                </a:moveTo>
-                <a:lnTo>
-                  <a:pt x="3526644" y="0"/>
-                </a:lnTo>
-                <a:lnTo>
-                  <a:pt x="3526644" y="3436874"/>
-                </a:lnTo>
-                <a:lnTo>
-                  <a:pt x="0" y="3436874"/>
-                </a:lnTo>
-                <a:lnTo>
-                  <a:pt x="0" y="0"/>
-                </a:lnTo>
-                <a:close/>
-              </a:path>
-            </a:pathLst>
-          </a:custGeom>
-          <a:blipFill>
-            <a:blip r:embed="rId2">
-              <a:extLst>
-                <a:ext uri="{96DAC541-7B7A-43D3-8B79-37D633B846F1}">
-                  <asvg:svgBlip xmlns:asvg="http://schemas.microsoft.com/office/drawing/2016/SVG/main" r:embed="rId3"/>
-                </a:ext>
-              </a:extLst>
-            </a:blip>
-            <a:stretch>
-              <a:fillRect/>
-            </a:stretch>
-          </a:blipFill>
-        </p:spPr>
-        <p:txBody>
-          <a:bodyPr/>
-          <a:lstStyle/>
-          <a:p>
-            <a:endParaRPr lang="pt-BR"/>
-          </a:p>
-        </p:txBody>
-      </p:sp>
-      <p:sp>
-        <p:nvSpPr>
-          <p:cNvPr id="7" name="Freeform 7">
-            <a:extLst>
-              <a:ext uri="{FF2B5EF4-FFF2-40B4-BE49-F238E27FC236}">
-                <a16:creationId xmlns:a16="http://schemas.microsoft.com/office/drawing/2014/main" id="{0040C794-D78B-EF4C-B04F-20A0295BFD6B}"/>
-              </a:ext>
-            </a:extLst>
-          </p:cNvPr>
-          <p:cNvSpPr/>
-          <p:nvPr/>
-        </p:nvSpPr>
-        <p:spPr>
-          <a:xfrm>
-            <a:off x="14895451" y="282059"/>
-            <a:ext cx="2831428" cy="1068083"/>
-          </a:xfrm>
-          <a:custGeom>
-            <a:avLst/>
-            <a:gdLst/>
-            <a:ahLst/>
-            <a:cxnLst/>
-            <a:rect l="l" t="t" r="r" b="b"/>
-            <a:pathLst>
-              <a:path w="2831428" h="1068083">
-                <a:moveTo>
-                  <a:pt x="0" y="0"/>
-                </a:moveTo>
-                <a:lnTo>
-                  <a:pt x="2831428" y="0"/>
-                </a:lnTo>
-                <a:lnTo>
-                  <a:pt x="2831428" y="1068084"/>
-                </a:lnTo>
-                <a:lnTo>
-                  <a:pt x="0" y="1068084"/>
-                </a:lnTo>
-                <a:lnTo>
-                  <a:pt x="0" y="0"/>
-                </a:lnTo>
-                <a:close/>
-              </a:path>
-            </a:pathLst>
-          </a:custGeom>
-          <a:blipFill>
-            <a:blip r:embed="rId4">
-              <a:alphaModFix amt="81000"/>
-            </a:blip>
-            <a:stretch>
-              <a:fillRect/>
-            </a:stretch>
-          </a:blipFill>
-        </p:spPr>
-        <p:txBody>
-          <a:bodyPr/>
-          <a:lstStyle/>
-          <a:p>
-            <a:endParaRPr lang="pt-BR"/>
-          </a:p>
-        </p:txBody>
-      </p:sp>
-      <p:sp>
-        <p:nvSpPr>
-          <p:cNvPr id="9" name="CaixaDeTexto 8">
-            <a:extLst>
-              <a:ext uri="{FF2B5EF4-FFF2-40B4-BE49-F238E27FC236}">
-                <a16:creationId xmlns:a16="http://schemas.microsoft.com/office/drawing/2014/main" id="{C5FD3EF9-8B8D-272B-8A77-C2551DE3E4F2}"/>
-              </a:ext>
-            </a:extLst>
-          </p:cNvPr>
-          <p:cNvSpPr txBox="1"/>
-          <p:nvPr/>
-        </p:nvSpPr>
-        <p:spPr>
-          <a:xfrm>
-            <a:off x="3416754" y="3419080"/>
-            <a:ext cx="11454492" cy="1745606"/>
-          </a:xfrm>
-          <a:prstGeom prst="rect">
-            <a:avLst/>
-          </a:prstGeom>
-          <a:noFill/>
-        </p:spPr>
-        <p:txBody>
-          <a:bodyPr wrap="square">
-            <a:spAutoFit/>
-          </a:bodyPr>
-          <a:lstStyle/>
-          <a:p>
-            <a:r>
-              <a:rPr lang="pt-BR" sz="2236" spc="-107" dirty="0">
-                <a:solidFill>
-                  <a:srgbClr val="FFFFFF"/>
-                </a:solidFill>
-                <a:latin typeface="Verdana Pro"/>
-              </a:rPr>
-              <a:t>• Direcional se destaca em percepção de valor</a:t>
-            </a:r>
-          </a:p>
-          <a:p>
-            <a:r>
-              <a:rPr lang="pt-BR" sz="2236" spc="-107" dirty="0">
-                <a:solidFill>
-                  <a:srgbClr val="FFFFFF"/>
-                </a:solidFill>
-                <a:latin typeface="Verdana Pro"/>
-              </a:rPr>
-              <a:t>• MRV precisa reforçar experiência do cliente</a:t>
-            </a:r>
-          </a:p>
-          <a:p>
-            <a:r>
-              <a:rPr lang="pt-BR" sz="2236" spc="-107" dirty="0">
-                <a:solidFill>
-                  <a:srgbClr val="FFFFFF"/>
-                </a:solidFill>
-                <a:latin typeface="Verdana Pro"/>
-              </a:rPr>
-              <a:t>• Cury tem boa colocação, mas pouca diferenciação</a:t>
-            </a:r>
-          </a:p>
-          <a:p>
-            <a:endParaRPr lang="pt-BR" dirty="0"/>
-          </a:p>
-          <a:p>
-            <a:r>
-              <a:rPr lang="pt-BR" sz="2236" spc="-107" dirty="0">
-                <a:solidFill>
-                  <a:srgbClr val="FFFFFF"/>
-                </a:solidFill>
-                <a:latin typeface="Verdana Pro"/>
-              </a:rPr>
-              <a:t>Recomenda-se: ouvir feedbacks, reforçar pós-venda e elevar percepção de qualidade</a:t>
-            </a:r>
-          </a:p>
-        </p:txBody>
-      </p:sp>
-    </p:spTree>
-    <p:extLst>
-      <p:ext uri="{BB962C8B-B14F-4D97-AF65-F5344CB8AC3E}">
-        <p14:creationId xmlns:p14="http://schemas.microsoft.com/office/powerpoint/2010/main" val="227259065"/>
-      </p:ext>
-    </p:extLst>
-  </p:cSld>
-  <p:clrMapOvr>
-    <a:masterClrMapping/>
-  </p:clrMapOvr>
-</p:sld>
-</file>
-
-<file path=ppt/slides/slide2.xml><?xml version="1.0" encoding="utf-8"?>
-<p:sld xmlns:a="http://schemas.openxmlformats.org/drawingml/2006/main" xmlns:r="http://schemas.openxmlformats.org/officeDocument/2006/relationships" xmlns:p="http://schemas.openxmlformats.org/presentationml/2006/main">
-  <p:cSld>
-    <p:bg>
-      <p:bgPr>
-        <a:solidFill>
-          <a:srgbClr val="006B3F"/>
-        </a:solidFill>
-        <a:effectLst/>
-      </p:bgPr>
-    </p:bg>
-    <p:spTree>
-      <p:nvGrpSpPr>
-        <p:cNvPr id="1" name=""/>
-        <p:cNvGrpSpPr/>
-        <p:nvPr/>
-      </p:nvGrpSpPr>
-      <p:grpSpPr>
-        <a:xfrm>
-          <a:off x="0" y="0"/>
-          <a:ext cx="0" cy="0"/>
-          <a:chOff x="0" y="0"/>
-          <a:chExt cx="0" cy="0"/>
-        </a:xfrm>
-      </p:grpSpPr>
-      <p:sp>
-        <p:nvSpPr>
-          <p:cNvPr id="2" name="Freeform 2"/>
-          <p:cNvSpPr/>
-          <p:nvPr/>
-        </p:nvSpPr>
-        <p:spPr>
-          <a:xfrm rot="-2700000">
-            <a:off x="16213252" y="7043585"/>
-            <a:ext cx="3526643" cy="3436874"/>
-          </a:xfrm>
-          <a:custGeom>
-            <a:avLst/>
-            <a:gdLst/>
-            <a:ahLst/>
-            <a:cxnLst/>
-            <a:rect l="l" t="t" r="r" b="b"/>
-            <a:pathLst>
-              <a:path w="3526643" h="3436874">
-                <a:moveTo>
-                  <a:pt x="0" y="0"/>
-                </a:moveTo>
-                <a:lnTo>
-                  <a:pt x="3526643" y="0"/>
-                </a:lnTo>
-                <a:lnTo>
-                  <a:pt x="3526643" y="3436874"/>
-                </a:lnTo>
-                <a:lnTo>
-                  <a:pt x="0" y="3436874"/>
-                </a:lnTo>
-                <a:lnTo>
-                  <a:pt x="0" y="0"/>
-                </a:lnTo>
-                <a:close/>
-              </a:path>
-            </a:pathLst>
-          </a:custGeom>
-          <a:blipFill>
-            <a:blip r:embed="rId2">
-              <a:extLst>
-                <a:ext uri="{96DAC541-7B7A-43D3-8B79-37D633B846F1}">
-                  <asvg:svgBlip xmlns:asvg="http://schemas.microsoft.com/office/drawing/2016/SVG/main" r:embed="rId3"/>
-                </a:ext>
-              </a:extLst>
-            </a:blip>
-            <a:stretch>
-              <a:fillRect/>
-            </a:stretch>
-          </a:blipFill>
-        </p:spPr>
-        <p:txBody>
-          <a:bodyPr/>
-          <a:lstStyle/>
-          <a:p>
-            <a:endParaRPr lang="pt-BR"/>
-          </a:p>
-        </p:txBody>
-      </p:sp>
-      <p:sp>
-        <p:nvSpPr>
-          <p:cNvPr id="3" name="TextBox 3"/>
-          <p:cNvSpPr txBox="1"/>
-          <p:nvPr/>
-        </p:nvSpPr>
-        <p:spPr>
-          <a:xfrm>
-            <a:off x="7370819" y="1382593"/>
-            <a:ext cx="3546362" cy="854075"/>
-          </a:xfrm>
-          <a:prstGeom prst="rect">
-            <a:avLst/>
-          </a:prstGeom>
-        </p:spPr>
-        <p:txBody>
-          <a:bodyPr lIns="0" tIns="0" rIns="0" bIns="0" rtlCol="0" anchor="t">
-            <a:spAutoFit/>
-          </a:bodyPr>
-          <a:lstStyle/>
-          <a:p>
-            <a:pPr marL="0" lvl="0" indent="0" algn="l">
-              <a:lnSpc>
-                <a:spcPts val="7000"/>
-              </a:lnSpc>
-              <a:spcBef>
-                <a:spcPct val="0"/>
-              </a:spcBef>
-            </a:pPr>
-            <a:r>
-              <a:rPr lang="en-US" sz="5000" spc="-240" dirty="0">
-                <a:solidFill>
-                  <a:srgbClr val="FFFFFF"/>
-                </a:solidFill>
-                <a:latin typeface="Verdana Pro"/>
-                <a:ea typeface="Verdana Pro"/>
-                <a:cs typeface="Verdana Pro"/>
-                <a:sym typeface="Verdana Pro"/>
-              </a:rPr>
-              <a:t>OBJETIVO</a:t>
-            </a:r>
-          </a:p>
-        </p:txBody>
-      </p:sp>
-      <p:sp>
-        <p:nvSpPr>
-          <p:cNvPr id="4" name="Freeform 4"/>
-          <p:cNvSpPr/>
-          <p:nvPr/>
-        </p:nvSpPr>
-        <p:spPr>
-          <a:xfrm rot="-2700000">
-            <a:off x="-1763322" y="-681241"/>
-            <a:ext cx="3526643" cy="3436874"/>
-          </a:xfrm>
-          <a:custGeom>
-            <a:avLst/>
-            <a:gdLst/>
-            <a:ahLst/>
-            <a:cxnLst/>
-            <a:rect l="l" t="t" r="r" b="b"/>
-            <a:pathLst>
-              <a:path w="3526643" h="3436874">
-                <a:moveTo>
-                  <a:pt x="0" y="0"/>
-                </a:moveTo>
-                <a:lnTo>
-                  <a:pt x="3526644" y="0"/>
-                </a:lnTo>
-                <a:lnTo>
-                  <a:pt x="3526644" y="3436874"/>
-                </a:lnTo>
-                <a:lnTo>
-                  <a:pt x="0" y="3436874"/>
-                </a:lnTo>
-                <a:lnTo>
-                  <a:pt x="0" y="0"/>
-                </a:lnTo>
-                <a:close/>
-              </a:path>
-            </a:pathLst>
-          </a:custGeom>
-          <a:blipFill>
-            <a:blip r:embed="rId2">
-              <a:extLst>
-                <a:ext uri="{96DAC541-7B7A-43D3-8B79-37D633B846F1}">
-                  <asvg:svgBlip xmlns:asvg="http://schemas.microsoft.com/office/drawing/2016/SVG/main" r:embed="rId3"/>
-                </a:ext>
-              </a:extLst>
-            </a:blip>
-            <a:stretch>
-              <a:fillRect/>
-            </a:stretch>
-          </a:blipFill>
-        </p:spPr>
-        <p:txBody>
-          <a:bodyPr/>
-          <a:lstStyle/>
-          <a:p>
-            <a:endParaRPr lang="pt-BR"/>
-          </a:p>
-        </p:txBody>
-      </p:sp>
-      <p:sp>
-        <p:nvSpPr>
-          <p:cNvPr id="5" name="TextBox 5"/>
-          <p:cNvSpPr txBox="1"/>
-          <p:nvPr/>
-        </p:nvSpPr>
-        <p:spPr>
-          <a:xfrm>
-            <a:off x="2152650" y="2989480"/>
-            <a:ext cx="13982700" cy="4308039"/>
-          </a:xfrm>
-          <a:prstGeom prst="rect">
-            <a:avLst/>
-          </a:prstGeom>
-        </p:spPr>
-        <p:txBody>
-          <a:bodyPr wrap="square" lIns="0" tIns="0" rIns="0" bIns="0" rtlCol="0" anchor="t">
-            <a:spAutoFit/>
-          </a:bodyPr>
-          <a:lstStyle/>
-          <a:p>
-            <a:pPr marL="755651" lvl="1" indent="-377825" algn="just">
-              <a:lnSpc>
-                <a:spcPts val="4900"/>
-              </a:lnSpc>
-              <a:buFont typeface="Arial"/>
-              <a:buChar char="•"/>
-            </a:pPr>
-            <a:r>
-              <a:rPr lang="en-US" sz="2500" spc="-168" dirty="0">
-                <a:solidFill>
-                  <a:srgbClr val="FFFFFF"/>
-                </a:solidFill>
-                <a:latin typeface="Verdana Pro"/>
-                <a:ea typeface="Verdana Pro"/>
-                <a:cs typeface="Verdana Pro"/>
-                <a:sym typeface="Verdana Pro"/>
-              </a:rPr>
-              <a:t>REALIZAR UMA ANÁLISE COMPARATIVA ENTRE TRÊS GRANDES INCORPORADORAS BRASILEIRAS COM FOCO EM:</a:t>
-            </a:r>
-          </a:p>
-          <a:p>
-            <a:pPr algn="just">
-              <a:lnSpc>
-                <a:spcPts val="4900"/>
-              </a:lnSpc>
-            </a:pPr>
-            <a:endParaRPr lang="en-US" sz="2500" spc="-168" dirty="0">
-              <a:solidFill>
-                <a:srgbClr val="FFFFFF"/>
-              </a:solidFill>
-              <a:latin typeface="Verdana Pro"/>
-              <a:ea typeface="Verdana Pro"/>
-              <a:cs typeface="Verdana Pro"/>
-              <a:sym typeface="Verdana Pro"/>
-            </a:endParaRPr>
-          </a:p>
-          <a:p>
-            <a:pPr marL="1511301" lvl="2" indent="-503767" algn="just">
-              <a:lnSpc>
-                <a:spcPts val="4900"/>
-              </a:lnSpc>
-              <a:buFont typeface="Arial"/>
-              <a:buChar char="⚬"/>
-            </a:pPr>
-            <a:r>
-              <a:rPr lang="en-US" sz="2500" spc="-168" dirty="0">
-                <a:solidFill>
-                  <a:srgbClr val="FFFFFF"/>
-                </a:solidFill>
-                <a:latin typeface="Verdana Pro"/>
-                <a:ea typeface="Verdana Pro"/>
-                <a:cs typeface="Verdana Pro"/>
-                <a:sym typeface="Verdana Pro"/>
-              </a:rPr>
-              <a:t>PERFIL DOS PRODUTOS OFERTADOS;</a:t>
-            </a:r>
-          </a:p>
-          <a:p>
-            <a:pPr marL="1511301" lvl="2" indent="-503767" algn="just">
-              <a:lnSpc>
-                <a:spcPts val="4900"/>
-              </a:lnSpc>
-              <a:buFont typeface="Arial"/>
-              <a:buChar char="⚬"/>
-            </a:pPr>
-            <a:r>
-              <a:rPr lang="en-US" sz="2500" spc="-168" dirty="0">
-                <a:solidFill>
-                  <a:srgbClr val="FFFFFF"/>
-                </a:solidFill>
-                <a:latin typeface="Verdana Pro"/>
-                <a:ea typeface="Verdana Pro"/>
-                <a:cs typeface="Verdana Pro"/>
-                <a:sym typeface="Verdana Pro"/>
-              </a:rPr>
-              <a:t>TIPOLOGIAS PREDOMINANTES;</a:t>
-            </a:r>
-          </a:p>
-          <a:p>
-            <a:pPr marL="1511301" lvl="2" indent="-503767" algn="just">
-              <a:lnSpc>
-                <a:spcPts val="4900"/>
-              </a:lnSpc>
-              <a:buFont typeface="Arial"/>
-              <a:buChar char="⚬"/>
-            </a:pPr>
-            <a:r>
-              <a:rPr lang="en-US" sz="2500" spc="-168" dirty="0">
-                <a:solidFill>
-                  <a:srgbClr val="FFFFFF"/>
-                </a:solidFill>
-                <a:latin typeface="Verdana Pro"/>
-                <a:ea typeface="Verdana Pro"/>
-                <a:cs typeface="Verdana Pro"/>
-                <a:sym typeface="Verdana Pro"/>
-              </a:rPr>
-              <a:t>LOCALIZAÇÃO GEOGRÁFICA DOS EMPREENDIMENTOS;</a:t>
-            </a:r>
-          </a:p>
-          <a:p>
-            <a:pPr marL="1511301" lvl="2" indent="-503767" algn="just">
-              <a:lnSpc>
-                <a:spcPts val="4900"/>
-              </a:lnSpc>
-              <a:buFont typeface="Arial"/>
-              <a:buChar char="⚬"/>
-            </a:pPr>
-            <a:r>
-              <a:rPr lang="en-US" sz="2500" spc="-168" dirty="0">
-                <a:solidFill>
-                  <a:srgbClr val="FFFFFF"/>
-                </a:solidFill>
-                <a:latin typeface="Verdana Pro"/>
-                <a:ea typeface="Verdana Pro"/>
-                <a:cs typeface="Verdana Pro"/>
-                <a:sym typeface="Verdana Pro"/>
-              </a:rPr>
-              <a:t>FAIXA DE VALOR DA PARCELA INICIAL;</a:t>
-            </a:r>
-          </a:p>
-        </p:txBody>
-      </p:sp>
-      <p:sp>
-        <p:nvSpPr>
-          <p:cNvPr id="6" name="Freeform 6"/>
-          <p:cNvSpPr/>
-          <p:nvPr/>
-        </p:nvSpPr>
-        <p:spPr>
-          <a:xfrm>
-            <a:off x="14653915" y="314510"/>
-            <a:ext cx="2831428" cy="1068083"/>
-          </a:xfrm>
-          <a:custGeom>
-            <a:avLst/>
-            <a:gdLst/>
-            <a:ahLst/>
-            <a:cxnLst/>
-            <a:rect l="l" t="t" r="r" b="b"/>
-            <a:pathLst>
-              <a:path w="2831428" h="1068083">
-                <a:moveTo>
-                  <a:pt x="0" y="0"/>
-                </a:moveTo>
-                <a:lnTo>
-                  <a:pt x="2831429" y="0"/>
-                </a:lnTo>
-                <a:lnTo>
-                  <a:pt x="2831429" y="1068084"/>
-                </a:lnTo>
-                <a:lnTo>
-                  <a:pt x="0" y="1068084"/>
-                </a:lnTo>
-                <a:lnTo>
-                  <a:pt x="0" y="0"/>
-                </a:lnTo>
-                <a:close/>
-              </a:path>
-            </a:pathLst>
-          </a:custGeom>
-          <a:blipFill>
-            <a:blip r:embed="rId4">
-              <a:alphaModFix amt="81000"/>
-            </a:blip>
-            <a:stretch>
-              <a:fillRect/>
-            </a:stretch>
-          </a:blipFill>
-        </p:spPr>
-        <p:txBody>
-          <a:bodyPr/>
-          <a:lstStyle/>
-          <a:p>
-            <a:endParaRPr lang="pt-BR"/>
-          </a:p>
-        </p:txBody>
-      </p:sp>
-    </p:spTree>
-  </p:cSld>
-  <p:clrMapOvr>
-    <a:masterClrMapping/>
-  </p:clrMapOvr>
-</p:sld>
-</file>
-
-<file path=ppt/slides/slide3.xml><?xml version="1.0" encoding="utf-8"?>
-<p:sld xmlns:a="http://schemas.openxmlformats.org/drawingml/2006/main" xmlns:r="http://schemas.openxmlformats.org/officeDocument/2006/relationships" xmlns:p="http://schemas.openxmlformats.org/presentationml/2006/main">
-  <p:cSld>
-    <p:bg>
-      <p:bgPr>
-        <a:solidFill>
-          <a:srgbClr val="006B3F"/>
-        </a:solidFill>
-        <a:effectLst/>
-      </p:bgPr>
-    </p:bg>
-    <p:spTree>
-      <p:nvGrpSpPr>
-        <p:cNvPr id="1" name=""/>
-        <p:cNvGrpSpPr/>
-        <p:nvPr/>
-      </p:nvGrpSpPr>
-      <p:grpSpPr>
-        <a:xfrm>
-          <a:off x="0" y="0"/>
-          <a:ext cx="0" cy="0"/>
-          <a:chOff x="0" y="0"/>
-          <a:chExt cx="0" cy="0"/>
-        </a:xfrm>
-      </p:grpSpPr>
-      <p:sp>
-        <p:nvSpPr>
-          <p:cNvPr id="2" name="Freeform 2"/>
-          <p:cNvSpPr/>
-          <p:nvPr/>
-        </p:nvSpPr>
-        <p:spPr>
-          <a:xfrm rot="-2700000">
-            <a:off x="16213252" y="7043585"/>
-            <a:ext cx="3526643" cy="3436874"/>
-          </a:xfrm>
-          <a:custGeom>
-            <a:avLst/>
-            <a:gdLst/>
-            <a:ahLst/>
-            <a:cxnLst/>
-            <a:rect l="l" t="t" r="r" b="b"/>
-            <a:pathLst>
-              <a:path w="3526643" h="3436874">
-                <a:moveTo>
-                  <a:pt x="0" y="0"/>
-                </a:moveTo>
-                <a:lnTo>
-                  <a:pt x="3526643" y="0"/>
-                </a:lnTo>
-                <a:lnTo>
-                  <a:pt x="3526643" y="3436874"/>
-                </a:lnTo>
-                <a:lnTo>
-                  <a:pt x="0" y="3436874"/>
-                </a:lnTo>
-                <a:lnTo>
-                  <a:pt x="0" y="0"/>
-                </a:lnTo>
-                <a:close/>
-              </a:path>
-            </a:pathLst>
-          </a:custGeom>
-          <a:blipFill>
-            <a:blip r:embed="rId2">
-              <a:extLst>
-                <a:ext uri="{96DAC541-7B7A-43D3-8B79-37D633B846F1}">
-                  <asvg:svgBlip xmlns:asvg="http://schemas.microsoft.com/office/drawing/2016/SVG/main" r:embed="rId3"/>
-                </a:ext>
-              </a:extLst>
-            </a:blip>
-            <a:stretch>
-              <a:fillRect/>
-            </a:stretch>
-          </a:blipFill>
-        </p:spPr>
-        <p:txBody>
-          <a:bodyPr/>
-          <a:lstStyle/>
-          <a:p>
-            <a:endParaRPr lang="pt-BR"/>
-          </a:p>
-        </p:txBody>
-      </p:sp>
-      <p:sp>
-        <p:nvSpPr>
-          <p:cNvPr id="3" name="Freeform 3"/>
-          <p:cNvSpPr/>
-          <p:nvPr/>
-        </p:nvSpPr>
-        <p:spPr>
-          <a:xfrm rot="-2700000">
-            <a:off x="-1763322" y="-681241"/>
-            <a:ext cx="3526643" cy="3436874"/>
-          </a:xfrm>
-          <a:custGeom>
-            <a:avLst/>
-            <a:gdLst/>
-            <a:ahLst/>
-            <a:cxnLst/>
-            <a:rect l="l" t="t" r="r" b="b"/>
-            <a:pathLst>
-              <a:path w="3526643" h="3436874">
-                <a:moveTo>
-                  <a:pt x="0" y="0"/>
-                </a:moveTo>
-                <a:lnTo>
-                  <a:pt x="3526644" y="0"/>
-                </a:lnTo>
-                <a:lnTo>
-                  <a:pt x="3526644" y="3436874"/>
-                </a:lnTo>
-                <a:lnTo>
-                  <a:pt x="0" y="3436874"/>
-                </a:lnTo>
-                <a:lnTo>
-                  <a:pt x="0" y="0"/>
-                </a:lnTo>
-                <a:close/>
-              </a:path>
-            </a:pathLst>
-          </a:custGeom>
-          <a:blipFill>
-            <a:blip r:embed="rId2">
-              <a:extLst>
-                <a:ext uri="{96DAC541-7B7A-43D3-8B79-37D633B846F1}">
-                  <asvg:svgBlip xmlns:asvg="http://schemas.microsoft.com/office/drawing/2016/SVG/main" r:embed="rId3"/>
-                </a:ext>
-              </a:extLst>
-            </a:blip>
-            <a:stretch>
-              <a:fillRect/>
-            </a:stretch>
-          </a:blipFill>
-        </p:spPr>
-        <p:txBody>
-          <a:bodyPr/>
-          <a:lstStyle/>
-          <a:p>
-            <a:endParaRPr lang="pt-BR"/>
-          </a:p>
-        </p:txBody>
-      </p:sp>
-      <p:sp>
-        <p:nvSpPr>
-          <p:cNvPr id="4" name="TextBox 4"/>
-          <p:cNvSpPr txBox="1"/>
-          <p:nvPr/>
-        </p:nvSpPr>
-        <p:spPr>
-          <a:xfrm>
-            <a:off x="3197462" y="3499172"/>
-            <a:ext cx="11893074" cy="2914759"/>
-          </a:xfrm>
-          <a:prstGeom prst="rect">
-            <a:avLst/>
-          </a:prstGeom>
-        </p:spPr>
-        <p:txBody>
-          <a:bodyPr lIns="0" tIns="0" rIns="0" bIns="0" rtlCol="0" anchor="t">
-            <a:spAutoFit/>
-          </a:bodyPr>
-          <a:lstStyle/>
-          <a:p>
-            <a:pPr algn="l">
-              <a:lnSpc>
-                <a:spcPts val="3898"/>
-              </a:lnSpc>
-              <a:spcBef>
-                <a:spcPct val="0"/>
-              </a:spcBef>
-            </a:pPr>
-            <a:r>
-              <a:rPr lang="en-US" sz="2500" spc="-133" dirty="0">
-                <a:solidFill>
-                  <a:srgbClr val="FFFFFF"/>
-                </a:solidFill>
-                <a:latin typeface="Verdana Pro"/>
-                <a:ea typeface="Verdana Pro"/>
-                <a:cs typeface="Verdana Pro"/>
-                <a:sym typeface="Verdana Pro"/>
-              </a:rPr>
-              <a:t>PRINCIPAIS INSIGHTS DAS PERGUNTAS 1.1 A 1.5:</a:t>
-            </a:r>
-          </a:p>
-          <a:p>
-            <a:pPr algn="l">
-              <a:lnSpc>
-                <a:spcPts val="3898"/>
-              </a:lnSpc>
-              <a:spcBef>
-                <a:spcPct val="0"/>
-              </a:spcBef>
-            </a:pPr>
-            <a:endParaRPr lang="en-US" sz="2500" spc="-133" dirty="0">
-              <a:solidFill>
-                <a:srgbClr val="FFFFFF"/>
-              </a:solidFill>
-              <a:latin typeface="Verdana Pro"/>
-              <a:ea typeface="Verdana Pro"/>
-              <a:cs typeface="Verdana Pro"/>
-              <a:sym typeface="Verdana Pro"/>
-            </a:endParaRPr>
-          </a:p>
-          <a:p>
-            <a:pPr algn="l">
-              <a:lnSpc>
-                <a:spcPts val="3898"/>
-              </a:lnSpc>
-              <a:spcBef>
-                <a:spcPct val="0"/>
-              </a:spcBef>
-            </a:pPr>
-            <a:r>
-              <a:rPr lang="en-US" sz="2500" spc="-133" dirty="0">
-                <a:solidFill>
-                  <a:srgbClr val="FFFFFF"/>
-                </a:solidFill>
-                <a:latin typeface="Verdana Pro"/>
-                <a:ea typeface="Verdana Pro"/>
-                <a:cs typeface="Verdana Pro"/>
-                <a:sym typeface="Verdana Pro"/>
-              </a:rPr>
-              <a:t>• ÁREAS DE LAZER COM MUITAS CRÍTICAS;</a:t>
-            </a:r>
-          </a:p>
-          <a:p>
-            <a:pPr algn="l">
-              <a:lnSpc>
-                <a:spcPts val="3898"/>
-              </a:lnSpc>
-              <a:spcBef>
-                <a:spcPct val="0"/>
-              </a:spcBef>
-            </a:pPr>
-            <a:r>
-              <a:rPr lang="en-US" sz="2500" spc="-133" dirty="0">
-                <a:solidFill>
-                  <a:srgbClr val="FFFFFF"/>
-                </a:solidFill>
-                <a:latin typeface="Verdana Pro"/>
-                <a:ea typeface="Verdana Pro"/>
-                <a:cs typeface="Verdana Pro"/>
-                <a:sym typeface="Verdana Pro"/>
-              </a:rPr>
-              <a:t>• ATENDIMENTO E COBRANÇA COMO QUEIXAS RECORRENTES;</a:t>
-            </a:r>
-          </a:p>
-          <a:p>
-            <a:pPr algn="l">
-              <a:lnSpc>
-                <a:spcPts val="3898"/>
-              </a:lnSpc>
-              <a:spcBef>
-                <a:spcPct val="0"/>
-              </a:spcBef>
-            </a:pPr>
-            <a:r>
-              <a:rPr lang="en-US" sz="2500" spc="-133" dirty="0">
-                <a:solidFill>
-                  <a:srgbClr val="FFFFFF"/>
-                </a:solidFill>
-                <a:latin typeface="Verdana Pro"/>
-                <a:ea typeface="Verdana Pro"/>
-                <a:cs typeface="Verdana Pro"/>
-                <a:sym typeface="Verdana Pro"/>
-              </a:rPr>
-              <a:t>• EXPECTATIVAS FRUSTRADAS;</a:t>
-            </a:r>
-          </a:p>
-          <a:p>
-            <a:pPr algn="l">
-              <a:lnSpc>
-                <a:spcPts val="3898"/>
-              </a:lnSpc>
-              <a:spcBef>
-                <a:spcPct val="0"/>
-              </a:spcBef>
-            </a:pPr>
-            <a:r>
-              <a:rPr lang="en-US" sz="2500" spc="-133" dirty="0">
-                <a:solidFill>
-                  <a:srgbClr val="FFFFFF"/>
-                </a:solidFill>
-                <a:latin typeface="Verdana Pro"/>
-                <a:ea typeface="Verdana Pro"/>
-                <a:cs typeface="Verdana Pro"/>
-                <a:sym typeface="Verdana Pro"/>
-              </a:rPr>
-              <a:t>• DESTAQUES POSITIVOS: LOCALIZAÇÃO, ORGANIZAÇÃO E ESTRUTURA</a:t>
-            </a:r>
-          </a:p>
-        </p:txBody>
-      </p:sp>
-      <p:sp>
-        <p:nvSpPr>
-          <p:cNvPr id="5" name="TextBox 5"/>
-          <p:cNvSpPr txBox="1"/>
-          <p:nvPr/>
-        </p:nvSpPr>
-        <p:spPr>
-          <a:xfrm>
-            <a:off x="5883324" y="1382593"/>
-            <a:ext cx="6521351" cy="854075"/>
-          </a:xfrm>
-          <a:prstGeom prst="rect">
-            <a:avLst/>
-          </a:prstGeom>
-        </p:spPr>
-        <p:txBody>
-          <a:bodyPr lIns="0" tIns="0" rIns="0" bIns="0" rtlCol="0" anchor="t">
-            <a:spAutoFit/>
-          </a:bodyPr>
-          <a:lstStyle/>
-          <a:p>
-            <a:pPr algn="ctr">
-              <a:lnSpc>
-                <a:spcPts val="7000"/>
-              </a:lnSpc>
-              <a:spcBef>
-                <a:spcPct val="0"/>
-              </a:spcBef>
-            </a:pPr>
-            <a:r>
-              <a:rPr lang="en-US" sz="5000" spc="-240" dirty="0">
-                <a:solidFill>
-                  <a:srgbClr val="FFFFFF"/>
-                </a:solidFill>
-                <a:latin typeface="Verdana Pro"/>
-                <a:ea typeface="Verdana Pro"/>
-                <a:cs typeface="Verdana Pro"/>
-                <a:sym typeface="Verdana Pro"/>
-              </a:rPr>
-              <a:t>ANÁLISE NPS DA MRV</a:t>
-            </a:r>
-          </a:p>
-        </p:txBody>
-      </p:sp>
-      <p:sp>
-        <p:nvSpPr>
-          <p:cNvPr id="6" name="Freeform 6"/>
-          <p:cNvSpPr/>
-          <p:nvPr/>
-        </p:nvSpPr>
-        <p:spPr>
-          <a:xfrm>
-            <a:off x="14653915" y="314510"/>
-            <a:ext cx="2831428" cy="1068083"/>
-          </a:xfrm>
-          <a:custGeom>
-            <a:avLst/>
-            <a:gdLst/>
-            <a:ahLst/>
-            <a:cxnLst/>
-            <a:rect l="l" t="t" r="r" b="b"/>
-            <a:pathLst>
-              <a:path w="2831428" h="1068083">
-                <a:moveTo>
-                  <a:pt x="0" y="0"/>
-                </a:moveTo>
-                <a:lnTo>
-                  <a:pt x="2831429" y="0"/>
-                </a:lnTo>
-                <a:lnTo>
-                  <a:pt x="2831429" y="1068084"/>
-                </a:lnTo>
-                <a:lnTo>
-                  <a:pt x="0" y="1068084"/>
-                </a:lnTo>
-                <a:lnTo>
-                  <a:pt x="0" y="0"/>
-                </a:lnTo>
-                <a:close/>
-              </a:path>
-            </a:pathLst>
-          </a:custGeom>
-          <a:blipFill>
-            <a:blip r:embed="rId4">
-              <a:alphaModFix amt="81000"/>
-            </a:blip>
-            <a:stretch>
-              <a:fillRect/>
-            </a:stretch>
-          </a:blipFill>
-        </p:spPr>
-        <p:txBody>
-          <a:bodyPr/>
-          <a:lstStyle/>
-          <a:p>
-            <a:endParaRPr lang="pt-BR"/>
-          </a:p>
-        </p:txBody>
-      </p:sp>
-    </p:spTree>
-  </p:cSld>
-  <p:clrMapOvr>
-    <a:masterClrMapping/>
-  </p:clrMapOvr>
-</p:sld>
-</file>
-
-<file path=ppt/slides/slide4.xml><?xml version="1.0" encoding="utf-8"?>
-<p:sld xmlns:a="http://schemas.openxmlformats.org/drawingml/2006/main" xmlns:r="http://schemas.openxmlformats.org/officeDocument/2006/relationships" xmlns:p="http://schemas.openxmlformats.org/presentationml/2006/main">
-  <p:cSld>
-    <p:bg>
-      <p:bgPr>
-        <a:solidFill>
-          <a:srgbClr val="006B3F"/>
-        </a:solidFill>
-        <a:effectLst/>
-      </p:bgPr>
-    </p:bg>
-    <p:spTree>
-      <p:nvGrpSpPr>
-        <p:cNvPr id="1" name=""/>
-        <p:cNvGrpSpPr/>
-        <p:nvPr/>
-      </p:nvGrpSpPr>
-      <p:grpSpPr>
-        <a:xfrm>
-          <a:off x="0" y="0"/>
-          <a:ext cx="0" cy="0"/>
-          <a:chOff x="0" y="0"/>
-          <a:chExt cx="0" cy="0"/>
-        </a:xfrm>
-      </p:grpSpPr>
-      <p:sp>
-        <p:nvSpPr>
-          <p:cNvPr id="2" name="Freeform 2"/>
-          <p:cNvSpPr/>
-          <p:nvPr/>
-        </p:nvSpPr>
-        <p:spPr>
-          <a:xfrm rot="-2700000">
-            <a:off x="16213252" y="7043585"/>
-            <a:ext cx="3526643" cy="3436874"/>
-          </a:xfrm>
-          <a:custGeom>
-            <a:avLst/>
-            <a:gdLst/>
-            <a:ahLst/>
-            <a:cxnLst/>
-            <a:rect l="l" t="t" r="r" b="b"/>
-            <a:pathLst>
-              <a:path w="3526643" h="3436874">
-                <a:moveTo>
-                  <a:pt x="0" y="0"/>
-                </a:moveTo>
-                <a:lnTo>
-                  <a:pt x="3526643" y="0"/>
-                </a:lnTo>
-                <a:lnTo>
-                  <a:pt x="3526643" y="3436874"/>
-                </a:lnTo>
-                <a:lnTo>
-                  <a:pt x="0" y="3436874"/>
-                </a:lnTo>
-                <a:lnTo>
-                  <a:pt x="0" y="0"/>
-                </a:lnTo>
-                <a:close/>
-              </a:path>
-            </a:pathLst>
-          </a:custGeom>
-          <a:blipFill>
-            <a:blip r:embed="rId2">
-              <a:extLst>
-                <a:ext uri="{96DAC541-7B7A-43D3-8B79-37D633B846F1}">
-                  <asvg:svgBlip xmlns:asvg="http://schemas.microsoft.com/office/drawing/2016/SVG/main" r:embed="rId3"/>
-                </a:ext>
-              </a:extLst>
-            </a:blip>
-            <a:stretch>
-              <a:fillRect/>
-            </a:stretch>
-          </a:blipFill>
-        </p:spPr>
-        <p:txBody>
-          <a:bodyPr/>
-          <a:lstStyle/>
-          <a:p>
-            <a:endParaRPr lang="pt-BR"/>
-          </a:p>
-        </p:txBody>
-      </p:sp>
-      <p:sp>
-        <p:nvSpPr>
-          <p:cNvPr id="3" name="Freeform 3"/>
-          <p:cNvSpPr/>
-          <p:nvPr/>
-        </p:nvSpPr>
-        <p:spPr>
-          <a:xfrm rot="-2700000">
-            <a:off x="-1763322" y="-681241"/>
-            <a:ext cx="3526643" cy="3436874"/>
-          </a:xfrm>
-          <a:custGeom>
-            <a:avLst/>
-            <a:gdLst/>
-            <a:ahLst/>
-            <a:cxnLst/>
-            <a:rect l="l" t="t" r="r" b="b"/>
-            <a:pathLst>
-              <a:path w="3526643" h="3436874">
-                <a:moveTo>
-                  <a:pt x="0" y="0"/>
-                </a:moveTo>
-                <a:lnTo>
-                  <a:pt x="3526644" y="0"/>
-                </a:lnTo>
-                <a:lnTo>
-                  <a:pt x="3526644" y="3436874"/>
-                </a:lnTo>
-                <a:lnTo>
-                  <a:pt x="0" y="3436874"/>
-                </a:lnTo>
-                <a:lnTo>
-                  <a:pt x="0" y="0"/>
-                </a:lnTo>
-                <a:close/>
-              </a:path>
-            </a:pathLst>
-          </a:custGeom>
-          <a:blipFill>
-            <a:blip r:embed="rId2">
-              <a:extLst>
-                <a:ext uri="{96DAC541-7B7A-43D3-8B79-37D633B846F1}">
-                  <asvg:svgBlip xmlns:asvg="http://schemas.microsoft.com/office/drawing/2016/SVG/main" r:embed="rId3"/>
-                </a:ext>
-              </a:extLst>
-            </a:blip>
-            <a:stretch>
-              <a:fillRect/>
-            </a:stretch>
-          </a:blipFill>
-        </p:spPr>
-        <p:txBody>
-          <a:bodyPr/>
-          <a:lstStyle/>
-          <a:p>
-            <a:endParaRPr lang="pt-BR"/>
-          </a:p>
-        </p:txBody>
-      </p:sp>
-      <p:sp>
-        <p:nvSpPr>
-          <p:cNvPr id="4" name="Freeform 4"/>
-          <p:cNvSpPr/>
-          <p:nvPr/>
-        </p:nvSpPr>
-        <p:spPr>
-          <a:xfrm>
-            <a:off x="3196377" y="5143500"/>
-            <a:ext cx="11895247" cy="4044384"/>
-          </a:xfrm>
-          <a:custGeom>
-            <a:avLst/>
-            <a:gdLst/>
-            <a:ahLst/>
-            <a:cxnLst/>
-            <a:rect l="l" t="t" r="r" b="b"/>
-            <a:pathLst>
-              <a:path w="11895247" h="4044384">
-                <a:moveTo>
-                  <a:pt x="0" y="0"/>
-                </a:moveTo>
-                <a:lnTo>
-                  <a:pt x="11895246" y="0"/>
-                </a:lnTo>
-                <a:lnTo>
-                  <a:pt x="11895246" y="4044384"/>
-                </a:lnTo>
-                <a:lnTo>
-                  <a:pt x="0" y="4044384"/>
-                </a:lnTo>
-                <a:lnTo>
-                  <a:pt x="0" y="0"/>
-                </a:lnTo>
-                <a:close/>
-              </a:path>
-            </a:pathLst>
-          </a:custGeom>
-          <a:blipFill>
-            <a:blip r:embed="rId4"/>
-            <a:stretch>
-              <a:fillRect/>
-            </a:stretch>
-          </a:blipFill>
-        </p:spPr>
-        <p:txBody>
-          <a:bodyPr/>
-          <a:lstStyle/>
-          <a:p>
-            <a:endParaRPr lang="pt-BR"/>
-          </a:p>
-        </p:txBody>
-      </p:sp>
-      <p:sp>
-        <p:nvSpPr>
-          <p:cNvPr id="5" name="TextBox 5"/>
-          <p:cNvSpPr txBox="1"/>
-          <p:nvPr/>
-        </p:nvSpPr>
-        <p:spPr>
-          <a:xfrm>
-            <a:off x="4721126" y="2705100"/>
-            <a:ext cx="8994874" cy="2198422"/>
-          </a:xfrm>
-          <a:prstGeom prst="rect">
-            <a:avLst/>
-          </a:prstGeom>
-        </p:spPr>
-        <p:txBody>
-          <a:bodyPr wrap="square" lIns="0" tIns="0" rIns="0" bIns="0" rtlCol="0" anchor="t">
-            <a:spAutoFit/>
-          </a:bodyPr>
-          <a:lstStyle/>
-          <a:p>
-            <a:pPr algn="l">
-              <a:lnSpc>
-                <a:spcPts val="3499"/>
-              </a:lnSpc>
-              <a:spcBef>
-                <a:spcPct val="0"/>
-              </a:spcBef>
-            </a:pPr>
-            <a:r>
-              <a:rPr lang="en-US" sz="2499" spc="-119" dirty="0">
-                <a:solidFill>
-                  <a:srgbClr val="FFFFFF"/>
-                </a:solidFill>
-                <a:latin typeface="Verdana Pro"/>
-                <a:ea typeface="Verdana Pro"/>
-                <a:cs typeface="Verdana Pro"/>
-                <a:sym typeface="Verdana Pro"/>
-              </a:rPr>
-              <a:t>• 8 EMPREENDIMENTOS ANALISADOS</a:t>
-            </a:r>
-          </a:p>
-          <a:p>
-            <a:pPr algn="l">
-              <a:lnSpc>
-                <a:spcPts val="3499"/>
-              </a:lnSpc>
-              <a:spcBef>
-                <a:spcPct val="0"/>
-              </a:spcBef>
-            </a:pPr>
-            <a:r>
-              <a:rPr lang="en-US" sz="2499" spc="-119" dirty="0">
-                <a:solidFill>
-                  <a:srgbClr val="FFFFFF"/>
-                </a:solidFill>
-                <a:latin typeface="Verdana Pro"/>
-                <a:ea typeface="Verdana Pro"/>
-                <a:cs typeface="Verdana Pro"/>
-                <a:sym typeface="Verdana Pro"/>
-              </a:rPr>
-              <a:t>• GRÁFICOS:</a:t>
-            </a:r>
-          </a:p>
-          <a:p>
-            <a:pPr algn="l">
-              <a:lnSpc>
-                <a:spcPts val="3499"/>
-              </a:lnSpc>
-              <a:spcBef>
-                <a:spcPct val="0"/>
-              </a:spcBef>
-            </a:pPr>
-            <a:r>
-              <a:rPr lang="en-US" sz="2499" spc="-119" dirty="0">
-                <a:solidFill>
-                  <a:srgbClr val="FFFFFF"/>
-                </a:solidFill>
-                <a:latin typeface="Verdana Pro"/>
-                <a:ea typeface="Verdana Pro"/>
-                <a:cs typeface="Verdana Pro"/>
-                <a:sym typeface="Verdana Pro"/>
-              </a:rPr>
-              <a:t>• DISTRIBUIÇÃO DE QUARTOS (MAIORIA COM 2 QUARTOS)</a:t>
-            </a:r>
-          </a:p>
-          <a:p>
-            <a:pPr algn="l">
-              <a:lnSpc>
-                <a:spcPts val="3499"/>
-              </a:lnSpc>
-              <a:spcBef>
-                <a:spcPct val="0"/>
-              </a:spcBef>
-            </a:pPr>
-            <a:r>
-              <a:rPr lang="en-US" sz="2499" spc="-119" dirty="0">
-                <a:solidFill>
-                  <a:srgbClr val="FFFFFF"/>
-                </a:solidFill>
-                <a:latin typeface="Verdana Pro"/>
-                <a:ea typeface="Verdana Pro"/>
-                <a:cs typeface="Verdana Pro"/>
-                <a:sym typeface="Verdana Pro"/>
-              </a:rPr>
-              <a:t>• DISTRIBUIÇÃO DA ÁREA ÚTIL (MÉDIA DE 53,6 M²)</a:t>
-            </a:r>
-          </a:p>
-          <a:p>
-            <a:pPr algn="l">
-              <a:lnSpc>
-                <a:spcPts val="3499"/>
-              </a:lnSpc>
-              <a:spcBef>
-                <a:spcPct val="0"/>
-              </a:spcBef>
-            </a:pPr>
-            <a:endParaRPr lang="en-US" sz="2499" spc="-119" dirty="0">
-              <a:solidFill>
-                <a:srgbClr val="FFFFFF"/>
-              </a:solidFill>
-              <a:latin typeface="Verdana Pro"/>
-              <a:ea typeface="Verdana Pro"/>
-              <a:cs typeface="Verdana Pro"/>
-              <a:sym typeface="Verdana Pro"/>
-            </a:endParaRPr>
-          </a:p>
-        </p:txBody>
-      </p:sp>
-      <p:sp>
-        <p:nvSpPr>
-          <p:cNvPr id="6" name="TextBox 6"/>
-          <p:cNvSpPr txBox="1"/>
-          <p:nvPr/>
-        </p:nvSpPr>
-        <p:spPr>
-          <a:xfrm>
-            <a:off x="3733800" y="1382593"/>
-            <a:ext cx="10820399" cy="806183"/>
-          </a:xfrm>
-          <a:prstGeom prst="rect">
-            <a:avLst/>
-          </a:prstGeom>
-        </p:spPr>
-        <p:txBody>
-          <a:bodyPr wrap="square" lIns="0" tIns="0" rIns="0" bIns="0" rtlCol="0" anchor="t">
-            <a:spAutoFit/>
-          </a:bodyPr>
-          <a:lstStyle/>
-          <a:p>
-            <a:pPr algn="ctr">
-              <a:lnSpc>
-                <a:spcPts val="7000"/>
-              </a:lnSpc>
-              <a:spcBef>
-                <a:spcPct val="0"/>
-              </a:spcBef>
-            </a:pPr>
-            <a:r>
-              <a:rPr lang="en-US" sz="5000" spc="-240" dirty="0">
-                <a:solidFill>
-                  <a:srgbClr val="FFFFFF"/>
-                </a:solidFill>
-                <a:latin typeface="Verdana Pro"/>
-                <a:ea typeface="Verdana Pro"/>
-                <a:cs typeface="Verdana Pro"/>
-                <a:sym typeface="Verdana Pro"/>
-              </a:rPr>
-              <a:t>ANÁLISE NPS DA MRV</a:t>
-            </a:r>
-          </a:p>
-        </p:txBody>
-      </p:sp>
-      <p:sp>
-        <p:nvSpPr>
-          <p:cNvPr id="7" name="Freeform 7"/>
-          <p:cNvSpPr/>
-          <p:nvPr/>
-        </p:nvSpPr>
-        <p:spPr>
-          <a:xfrm>
-            <a:off x="14653915" y="314510"/>
-            <a:ext cx="2831428" cy="1068083"/>
-          </a:xfrm>
-          <a:custGeom>
-            <a:avLst/>
-            <a:gdLst/>
-            <a:ahLst/>
-            <a:cxnLst/>
-            <a:rect l="l" t="t" r="r" b="b"/>
-            <a:pathLst>
-              <a:path w="2831428" h="1068083">
-                <a:moveTo>
-                  <a:pt x="0" y="0"/>
-                </a:moveTo>
-                <a:lnTo>
-                  <a:pt x="2831429" y="0"/>
-                </a:lnTo>
-                <a:lnTo>
-                  <a:pt x="2831429" y="1068084"/>
-                </a:lnTo>
-                <a:lnTo>
-                  <a:pt x="0" y="1068084"/>
-                </a:lnTo>
-                <a:lnTo>
-                  <a:pt x="0" y="0"/>
-                </a:lnTo>
-                <a:close/>
-              </a:path>
-            </a:pathLst>
-          </a:custGeom>
-          <a:blipFill>
-            <a:blip r:embed="rId5">
-              <a:alphaModFix amt="81000"/>
-            </a:blip>
-            <a:stretch>
-              <a:fillRect/>
-            </a:stretch>
-          </a:blipFill>
-        </p:spPr>
-        <p:txBody>
-          <a:bodyPr/>
-          <a:lstStyle/>
-          <a:p>
-            <a:endParaRPr lang="pt-BR"/>
-          </a:p>
-        </p:txBody>
-      </p:sp>
-    </p:spTree>
-  </p:cSld>
-  <p:clrMapOvr>
-    <a:masterClrMapping/>
-  </p:clrMapOvr>
-</p:sld>
-</file>
-
-<file path=ppt/slides/slide5.xml><?xml version="1.0" encoding="utf-8"?>
-<p:sld xmlns:a="http://schemas.openxmlformats.org/drawingml/2006/main" xmlns:r="http://schemas.openxmlformats.org/officeDocument/2006/relationships" xmlns:p="http://schemas.openxmlformats.org/presentationml/2006/main">
-  <p:cSld>
-    <p:bg>
-      <p:bgPr>
-        <a:solidFill>
-          <a:srgbClr val="006B3F"/>
-        </a:solidFill>
-        <a:effectLst/>
-      </p:bgPr>
-    </p:bg>
-    <p:spTree>
-      <p:nvGrpSpPr>
-        <p:cNvPr id="1" name=""/>
-        <p:cNvGrpSpPr/>
-        <p:nvPr/>
-      </p:nvGrpSpPr>
-      <p:grpSpPr>
-        <a:xfrm>
-          <a:off x="0" y="0"/>
-          <a:ext cx="0" cy="0"/>
-          <a:chOff x="0" y="0"/>
-          <a:chExt cx="0" cy="0"/>
-        </a:xfrm>
-      </p:grpSpPr>
-      <p:sp>
-        <p:nvSpPr>
-          <p:cNvPr id="2" name="Freeform 2"/>
-          <p:cNvSpPr/>
-          <p:nvPr/>
-        </p:nvSpPr>
-        <p:spPr>
-          <a:xfrm rot="-2700000">
-            <a:off x="16213252" y="7043585"/>
-            <a:ext cx="3526643" cy="3436874"/>
-          </a:xfrm>
-          <a:custGeom>
-            <a:avLst/>
-            <a:gdLst/>
-            <a:ahLst/>
-            <a:cxnLst/>
-            <a:rect l="l" t="t" r="r" b="b"/>
-            <a:pathLst>
-              <a:path w="3526643" h="3436874">
-                <a:moveTo>
-                  <a:pt x="0" y="0"/>
-                </a:moveTo>
-                <a:lnTo>
-                  <a:pt x="3526643" y="0"/>
-                </a:lnTo>
-                <a:lnTo>
-                  <a:pt x="3526643" y="3436874"/>
-                </a:lnTo>
-                <a:lnTo>
-                  <a:pt x="0" y="3436874"/>
-                </a:lnTo>
-                <a:lnTo>
-                  <a:pt x="0" y="0"/>
-                </a:lnTo>
-                <a:close/>
-              </a:path>
-            </a:pathLst>
-          </a:custGeom>
-          <a:blipFill>
-            <a:blip r:embed="rId2">
-              <a:extLst>
-                <a:ext uri="{96DAC541-7B7A-43D3-8B79-37D633B846F1}">
-                  <asvg:svgBlip xmlns:asvg="http://schemas.microsoft.com/office/drawing/2016/SVG/main" r:embed="rId3"/>
-                </a:ext>
-              </a:extLst>
-            </a:blip>
-            <a:stretch>
-              <a:fillRect/>
-            </a:stretch>
-          </a:blipFill>
-        </p:spPr>
-        <p:txBody>
-          <a:bodyPr/>
-          <a:lstStyle/>
-          <a:p>
-            <a:endParaRPr lang="pt-BR"/>
-          </a:p>
-        </p:txBody>
-      </p:sp>
-      <p:sp>
-        <p:nvSpPr>
-          <p:cNvPr id="3" name="Freeform 3"/>
-          <p:cNvSpPr/>
-          <p:nvPr/>
-        </p:nvSpPr>
-        <p:spPr>
-          <a:xfrm rot="-2700000">
-            <a:off x="-1763322" y="-681241"/>
-            <a:ext cx="3526643" cy="3436874"/>
-          </a:xfrm>
-          <a:custGeom>
-            <a:avLst/>
-            <a:gdLst/>
-            <a:ahLst/>
-            <a:cxnLst/>
-            <a:rect l="l" t="t" r="r" b="b"/>
-            <a:pathLst>
-              <a:path w="3526643" h="3436874">
-                <a:moveTo>
-                  <a:pt x="0" y="0"/>
-                </a:moveTo>
-                <a:lnTo>
-                  <a:pt x="3526644" y="0"/>
-                </a:lnTo>
-                <a:lnTo>
-                  <a:pt x="3526644" y="3436874"/>
-                </a:lnTo>
-                <a:lnTo>
-                  <a:pt x="0" y="3436874"/>
-                </a:lnTo>
-                <a:lnTo>
-                  <a:pt x="0" y="0"/>
-                </a:lnTo>
-                <a:close/>
-              </a:path>
-            </a:pathLst>
-          </a:custGeom>
-          <a:blipFill>
-            <a:blip r:embed="rId2">
-              <a:extLst>
-                <a:ext uri="{96DAC541-7B7A-43D3-8B79-37D633B846F1}">
-                  <asvg:svgBlip xmlns:asvg="http://schemas.microsoft.com/office/drawing/2016/SVG/main" r:embed="rId3"/>
-                </a:ext>
-              </a:extLst>
-            </a:blip>
-            <a:stretch>
-              <a:fillRect/>
-            </a:stretch>
-          </a:blipFill>
-        </p:spPr>
-        <p:txBody>
-          <a:bodyPr/>
-          <a:lstStyle/>
-          <a:p>
-            <a:endParaRPr lang="pt-BR"/>
-          </a:p>
-        </p:txBody>
-      </p:sp>
-      <p:sp>
-        <p:nvSpPr>
-          <p:cNvPr id="4" name="TextBox 4"/>
-          <p:cNvSpPr txBox="1"/>
-          <p:nvPr/>
-        </p:nvSpPr>
-        <p:spPr>
-          <a:xfrm>
-            <a:off x="1028700" y="1382593"/>
-            <a:ext cx="16230600" cy="806183"/>
-          </a:xfrm>
-          <a:prstGeom prst="rect">
-            <a:avLst/>
-          </a:prstGeom>
-        </p:spPr>
-        <p:txBody>
-          <a:bodyPr wrap="square" lIns="0" tIns="0" rIns="0" bIns="0" rtlCol="0" anchor="t">
-            <a:spAutoFit/>
-          </a:bodyPr>
-          <a:lstStyle/>
-          <a:p>
-            <a:pPr algn="ctr">
-              <a:lnSpc>
-                <a:spcPts val="7000"/>
-              </a:lnSpc>
-              <a:spcBef>
-                <a:spcPct val="0"/>
-              </a:spcBef>
-            </a:pPr>
-            <a:r>
-              <a:rPr lang="en-US" sz="5000" spc="-240" dirty="0">
-                <a:solidFill>
-                  <a:srgbClr val="FFFFFF"/>
-                </a:solidFill>
-                <a:latin typeface="Verdana Pro"/>
-                <a:ea typeface="Verdana Pro"/>
-                <a:cs typeface="Verdana Pro"/>
-                <a:sym typeface="Verdana Pro"/>
-              </a:rPr>
-              <a:t>COMPARATIVO MRV X DIRECIONAL X CURY</a:t>
-            </a:r>
-          </a:p>
-        </p:txBody>
-      </p:sp>
-      <p:sp>
-        <p:nvSpPr>
-          <p:cNvPr id="6" name="Freeform 6"/>
-          <p:cNvSpPr/>
-          <p:nvPr/>
-        </p:nvSpPr>
-        <p:spPr>
-          <a:xfrm>
-            <a:off x="14653915" y="314510"/>
-            <a:ext cx="2831428" cy="1068083"/>
-          </a:xfrm>
-          <a:custGeom>
-            <a:avLst/>
-            <a:gdLst/>
-            <a:ahLst/>
-            <a:cxnLst/>
-            <a:rect l="l" t="t" r="r" b="b"/>
-            <a:pathLst>
-              <a:path w="2831428" h="1068083">
-                <a:moveTo>
-                  <a:pt x="0" y="0"/>
-                </a:moveTo>
-                <a:lnTo>
-                  <a:pt x="2831429" y="0"/>
-                </a:lnTo>
-                <a:lnTo>
-                  <a:pt x="2831429" y="1068084"/>
-                </a:lnTo>
-                <a:lnTo>
-                  <a:pt x="0" y="1068084"/>
-                </a:lnTo>
-                <a:lnTo>
-                  <a:pt x="0" y="0"/>
-                </a:lnTo>
-                <a:close/>
-              </a:path>
-            </a:pathLst>
-          </a:custGeom>
-          <a:blipFill>
-            <a:blip r:embed="rId4">
-              <a:alphaModFix amt="81000"/>
-            </a:blip>
-            <a:stretch>
-              <a:fillRect/>
-            </a:stretch>
-          </a:blipFill>
-        </p:spPr>
-        <p:txBody>
-          <a:bodyPr/>
-          <a:lstStyle/>
-          <a:p>
-            <a:endParaRPr lang="pt-BR"/>
-          </a:p>
-        </p:txBody>
-      </p:sp>
-      <p:pic>
-        <p:nvPicPr>
-          <p:cNvPr id="7" name="Imagem 6" descr="Gráfico, Gráfico de barras&#10;&#10;O conteúdo gerado por IA pode estar incorreto.">
-            <a:extLst>
-              <a:ext uri="{FF2B5EF4-FFF2-40B4-BE49-F238E27FC236}">
-                <a16:creationId xmlns:a16="http://schemas.microsoft.com/office/drawing/2014/main" id="{B41C763A-5D94-F39C-856A-84A630E32750}"/>
-              </a:ext>
-            </a:extLst>
-          </p:cNvPr>
-          <p:cNvPicPr>
-            <a:picLocks noChangeAspect="1"/>
-          </p:cNvPicPr>
-          <p:nvPr/>
-        </p:nvPicPr>
-        <p:blipFill>
-          <a:blip r:embed="rId5">
-            <a:extLst>
-              <a:ext uri="{28A0092B-C50C-407E-A947-70E740481C1C}">
-                <a14:useLocalDpi xmlns:a14="http://schemas.microsoft.com/office/drawing/2010/main" val="0"/>
-              </a:ext>
-            </a:extLst>
-          </a:blip>
-          <a:stretch>
-            <a:fillRect/>
-          </a:stretch>
-        </p:blipFill>
-        <p:spPr>
-          <a:xfrm>
-            <a:off x="4498977" y="4201684"/>
-            <a:ext cx="9290045" cy="5806278"/>
-          </a:xfrm>
-          <a:prstGeom prst="rect">
-            <a:avLst/>
-          </a:prstGeom>
-        </p:spPr>
-      </p:pic>
-      <p:sp>
-        <p:nvSpPr>
-          <p:cNvPr id="9" name="CaixaDeTexto 8">
-            <a:extLst>
-              <a:ext uri="{FF2B5EF4-FFF2-40B4-BE49-F238E27FC236}">
-                <a16:creationId xmlns:a16="http://schemas.microsoft.com/office/drawing/2014/main" id="{903C7B6D-D212-B029-965E-C0F1AB1C510A}"/>
-              </a:ext>
-            </a:extLst>
-          </p:cNvPr>
-          <p:cNvSpPr txBox="1"/>
-          <p:nvPr/>
-        </p:nvSpPr>
-        <p:spPr>
-          <a:xfrm>
-            <a:off x="2743200" y="2230374"/>
-            <a:ext cx="4923951" cy="477054"/>
-          </a:xfrm>
-          <a:prstGeom prst="rect">
-            <a:avLst/>
-          </a:prstGeom>
-          <a:noFill/>
-        </p:spPr>
-        <p:txBody>
-          <a:bodyPr wrap="square">
-            <a:spAutoFit/>
-          </a:bodyPr>
-          <a:lstStyle/>
-          <a:p>
-            <a:r>
-              <a:rPr lang="pt-BR" sz="2500" dirty="0">
-                <a:solidFill>
-                  <a:schemeClr val="bg1"/>
-                </a:solidFill>
-              </a:rPr>
-              <a:t>Área Média dos Empreendimentos</a:t>
-            </a:r>
-          </a:p>
-        </p:txBody>
-      </p:sp>
-      <p:sp>
-        <p:nvSpPr>
-          <p:cNvPr id="11" name="CaixaDeTexto 10">
-            <a:extLst>
-              <a:ext uri="{FF2B5EF4-FFF2-40B4-BE49-F238E27FC236}">
-                <a16:creationId xmlns:a16="http://schemas.microsoft.com/office/drawing/2014/main" id="{2FDA67E3-9314-80D9-DE3E-A2D0E28B345A}"/>
-              </a:ext>
-            </a:extLst>
-          </p:cNvPr>
-          <p:cNvSpPr txBox="1"/>
-          <p:nvPr/>
-        </p:nvSpPr>
-        <p:spPr>
-          <a:xfrm>
-            <a:off x="3416754" y="2930396"/>
-            <a:ext cx="11454492" cy="1015663"/>
-          </a:xfrm>
-          <a:prstGeom prst="rect">
-            <a:avLst/>
-          </a:prstGeom>
-          <a:noFill/>
-        </p:spPr>
-        <p:txBody>
-          <a:bodyPr wrap="square">
-            <a:spAutoFit/>
-          </a:bodyPr>
-          <a:lstStyle/>
-          <a:p>
-            <a:pPr algn="ctr"/>
-            <a:r>
-              <a:rPr lang="pt-BR" sz="2000" dirty="0">
-                <a:solidFill>
-                  <a:schemeClr val="bg1"/>
-                </a:solidFill>
-              </a:rPr>
-              <a:t>Insight: </a:t>
-            </a:r>
-          </a:p>
-          <a:p>
-            <a:pPr marL="285750" indent="-285750" algn="just">
-              <a:buFont typeface="Arial" panose="020B0604020202020204" pitchFamily="34" charset="0"/>
-              <a:buChar char="•"/>
-            </a:pPr>
-            <a:r>
-              <a:rPr lang="pt-BR" sz="2000" dirty="0">
-                <a:solidFill>
-                  <a:schemeClr val="bg1"/>
-                </a:solidFill>
-              </a:rPr>
-              <a:t>Direcional oferece unidades com metragem ligeiramente superior à MRV, enquanto a Cury equilibra espaço e localização em regiões urbanas.</a:t>
-            </a:r>
-          </a:p>
-        </p:txBody>
-      </p:sp>
-    </p:spTree>
-  </p:cSld>
-  <p:clrMapOvr>
-    <a:masterClrMapping/>
-  </p:clrMapOvr>
-</p:sld>
-</file>
-
-<file path=ppt/slides/slide6.xml><?xml version="1.0" encoding="utf-8"?>
-<p:sld xmlns:a="http://schemas.openxmlformats.org/drawingml/2006/main" xmlns:r="http://schemas.openxmlformats.org/officeDocument/2006/relationships" xmlns:p="http://schemas.openxmlformats.org/presentationml/2006/main">
-  <p:cSld>
-    <p:bg>
-      <p:bgPr>
-        <a:solidFill>
-          <a:srgbClr val="006B3F"/>
-        </a:solidFill>
-        <a:effectLst/>
-      </p:bgPr>
-    </p:bg>
-    <p:spTree>
-      <p:nvGrpSpPr>
-        <p:cNvPr id="1" name="">
-          <a:extLst>
-            <a:ext uri="{FF2B5EF4-FFF2-40B4-BE49-F238E27FC236}">
-              <a16:creationId xmlns:a16="http://schemas.microsoft.com/office/drawing/2014/main" id="{F863C940-F94F-0F21-C706-3B9254B23D40}"/>
-            </a:ext>
-          </a:extLst>
-        </p:cNvPr>
-        <p:cNvGrpSpPr/>
-        <p:nvPr/>
-      </p:nvGrpSpPr>
-      <p:grpSpPr>
-        <a:xfrm>
-          <a:off x="0" y="0"/>
-          <a:ext cx="0" cy="0"/>
-          <a:chOff x="0" y="0"/>
-          <a:chExt cx="0" cy="0"/>
-        </a:xfrm>
-      </p:grpSpPr>
-      <p:sp>
-        <p:nvSpPr>
-          <p:cNvPr id="2" name="Freeform 2">
-            <a:extLst>
-              <a:ext uri="{FF2B5EF4-FFF2-40B4-BE49-F238E27FC236}">
-                <a16:creationId xmlns:a16="http://schemas.microsoft.com/office/drawing/2014/main" id="{E20F8399-37C1-787C-15C4-95295B148867}"/>
-              </a:ext>
-            </a:extLst>
-          </p:cNvPr>
-          <p:cNvSpPr/>
-          <p:nvPr/>
-        </p:nvSpPr>
-        <p:spPr>
-          <a:xfrm rot="-2700000">
-            <a:off x="16213252" y="7043585"/>
-            <a:ext cx="3526643" cy="3436874"/>
-          </a:xfrm>
-          <a:custGeom>
-            <a:avLst/>
-            <a:gdLst/>
-            <a:ahLst/>
-            <a:cxnLst/>
-            <a:rect l="l" t="t" r="r" b="b"/>
-            <a:pathLst>
-              <a:path w="3526643" h="3436874">
-                <a:moveTo>
-                  <a:pt x="0" y="0"/>
-                </a:moveTo>
-                <a:lnTo>
-                  <a:pt x="3526643" y="0"/>
-                </a:lnTo>
-                <a:lnTo>
-                  <a:pt x="3526643" y="3436874"/>
-                </a:lnTo>
-                <a:lnTo>
-                  <a:pt x="0" y="3436874"/>
-                </a:lnTo>
-                <a:lnTo>
-                  <a:pt x="0" y="0"/>
-                </a:lnTo>
-                <a:close/>
-              </a:path>
-            </a:pathLst>
-          </a:custGeom>
-          <a:blipFill>
-            <a:blip r:embed="rId2">
-              <a:extLst>
-                <a:ext uri="{96DAC541-7B7A-43D3-8B79-37D633B846F1}">
-                  <asvg:svgBlip xmlns:asvg="http://schemas.microsoft.com/office/drawing/2016/SVG/main" r:embed="rId3"/>
-                </a:ext>
-              </a:extLst>
-            </a:blip>
-            <a:stretch>
-              <a:fillRect/>
-            </a:stretch>
-          </a:blipFill>
-        </p:spPr>
-        <p:txBody>
-          <a:bodyPr/>
-          <a:lstStyle/>
-          <a:p>
-            <a:endParaRPr lang="pt-BR"/>
-          </a:p>
-        </p:txBody>
-      </p:sp>
-      <p:sp>
-        <p:nvSpPr>
-          <p:cNvPr id="3" name="Freeform 3">
-            <a:extLst>
-              <a:ext uri="{FF2B5EF4-FFF2-40B4-BE49-F238E27FC236}">
-                <a16:creationId xmlns:a16="http://schemas.microsoft.com/office/drawing/2014/main" id="{35B19CA6-D25E-43FB-02EC-02F4743A5C75}"/>
-              </a:ext>
-            </a:extLst>
-          </p:cNvPr>
-          <p:cNvSpPr/>
-          <p:nvPr/>
-        </p:nvSpPr>
-        <p:spPr>
-          <a:xfrm rot="-2700000">
-            <a:off x="-1763322" y="-681241"/>
-            <a:ext cx="3526643" cy="3436874"/>
-          </a:xfrm>
-          <a:custGeom>
-            <a:avLst/>
-            <a:gdLst/>
-            <a:ahLst/>
-            <a:cxnLst/>
-            <a:rect l="l" t="t" r="r" b="b"/>
-            <a:pathLst>
-              <a:path w="3526643" h="3436874">
-                <a:moveTo>
-                  <a:pt x="0" y="0"/>
-                </a:moveTo>
-                <a:lnTo>
-                  <a:pt x="3526644" y="0"/>
-                </a:lnTo>
-                <a:lnTo>
-                  <a:pt x="3526644" y="3436874"/>
-                </a:lnTo>
-                <a:lnTo>
-                  <a:pt x="0" y="3436874"/>
-                </a:lnTo>
-                <a:lnTo>
-                  <a:pt x="0" y="0"/>
-                </a:lnTo>
-                <a:close/>
-              </a:path>
-            </a:pathLst>
-          </a:custGeom>
-          <a:blipFill>
-            <a:blip r:embed="rId2">
-              <a:extLst>
-                <a:ext uri="{96DAC541-7B7A-43D3-8B79-37D633B846F1}">
-                  <asvg:svgBlip xmlns:asvg="http://schemas.microsoft.com/office/drawing/2016/SVG/main" r:embed="rId3"/>
-                </a:ext>
-              </a:extLst>
-            </a:blip>
-            <a:stretch>
-              <a:fillRect/>
-            </a:stretch>
-          </a:blipFill>
-        </p:spPr>
-        <p:txBody>
-          <a:bodyPr/>
-          <a:lstStyle/>
-          <a:p>
-            <a:endParaRPr lang="pt-BR"/>
-          </a:p>
-        </p:txBody>
-      </p:sp>
-      <p:sp>
-        <p:nvSpPr>
-          <p:cNvPr id="4" name="TextBox 4">
-            <a:extLst>
-              <a:ext uri="{FF2B5EF4-FFF2-40B4-BE49-F238E27FC236}">
-                <a16:creationId xmlns:a16="http://schemas.microsoft.com/office/drawing/2014/main" id="{A152553C-8A28-D086-DA3E-2ED986F3F840}"/>
-              </a:ext>
-            </a:extLst>
-          </p:cNvPr>
-          <p:cNvSpPr txBox="1"/>
-          <p:nvPr/>
-        </p:nvSpPr>
-        <p:spPr>
-          <a:xfrm>
-            <a:off x="1028700" y="1382593"/>
-            <a:ext cx="16230600" cy="806183"/>
-          </a:xfrm>
-          <a:prstGeom prst="rect">
-            <a:avLst/>
-          </a:prstGeom>
-        </p:spPr>
-        <p:txBody>
-          <a:bodyPr wrap="square" lIns="0" tIns="0" rIns="0" bIns="0" rtlCol="0" anchor="t">
-            <a:spAutoFit/>
-          </a:bodyPr>
-          <a:lstStyle/>
-          <a:p>
-            <a:pPr algn="ctr">
-              <a:lnSpc>
-                <a:spcPts val="7000"/>
-              </a:lnSpc>
-              <a:spcBef>
-                <a:spcPct val="0"/>
-              </a:spcBef>
-            </a:pPr>
-            <a:r>
-              <a:rPr lang="en-US" sz="5000" spc="-240" dirty="0">
-                <a:solidFill>
-                  <a:srgbClr val="FFFFFF"/>
-                </a:solidFill>
-                <a:latin typeface="Verdana Pro"/>
-                <a:ea typeface="Verdana Pro"/>
-                <a:cs typeface="Verdana Pro"/>
-                <a:sym typeface="Verdana Pro"/>
-              </a:rPr>
-              <a:t>COMPARATIVO MRV X DIRECIONAL X CURY</a:t>
-            </a:r>
-          </a:p>
-        </p:txBody>
-      </p:sp>
-      <p:sp>
-        <p:nvSpPr>
-          <p:cNvPr id="6" name="Freeform 6">
-            <a:extLst>
-              <a:ext uri="{FF2B5EF4-FFF2-40B4-BE49-F238E27FC236}">
-                <a16:creationId xmlns:a16="http://schemas.microsoft.com/office/drawing/2014/main" id="{005FD797-BB3B-DA4A-0E36-8345F179E0F6}"/>
-              </a:ext>
-            </a:extLst>
-          </p:cNvPr>
-          <p:cNvSpPr/>
-          <p:nvPr/>
-        </p:nvSpPr>
-        <p:spPr>
-          <a:xfrm>
-            <a:off x="14653915" y="314510"/>
-            <a:ext cx="2831428" cy="1068083"/>
-          </a:xfrm>
-          <a:custGeom>
-            <a:avLst/>
-            <a:gdLst/>
-            <a:ahLst/>
-            <a:cxnLst/>
-            <a:rect l="l" t="t" r="r" b="b"/>
-            <a:pathLst>
-              <a:path w="2831428" h="1068083">
-                <a:moveTo>
-                  <a:pt x="0" y="0"/>
-                </a:moveTo>
-                <a:lnTo>
-                  <a:pt x="2831429" y="0"/>
-                </a:lnTo>
-                <a:lnTo>
-                  <a:pt x="2831429" y="1068084"/>
-                </a:lnTo>
-                <a:lnTo>
-                  <a:pt x="0" y="1068084"/>
-                </a:lnTo>
-                <a:lnTo>
-                  <a:pt x="0" y="0"/>
-                </a:lnTo>
-                <a:close/>
-              </a:path>
-            </a:pathLst>
-          </a:custGeom>
-          <a:blipFill>
-            <a:blip r:embed="rId4">
-              <a:alphaModFix amt="81000"/>
-            </a:blip>
-            <a:stretch>
-              <a:fillRect/>
-            </a:stretch>
-          </a:blipFill>
-        </p:spPr>
-        <p:txBody>
-          <a:bodyPr/>
-          <a:lstStyle/>
-          <a:p>
-            <a:endParaRPr lang="pt-BR"/>
-          </a:p>
-        </p:txBody>
-      </p:sp>
-      <p:sp>
-        <p:nvSpPr>
-          <p:cNvPr id="9" name="CaixaDeTexto 8">
-            <a:extLst>
-              <a:ext uri="{FF2B5EF4-FFF2-40B4-BE49-F238E27FC236}">
-                <a16:creationId xmlns:a16="http://schemas.microsoft.com/office/drawing/2014/main" id="{396055B1-DAC2-0650-AD80-20C9D4AB7244}"/>
-              </a:ext>
-            </a:extLst>
-          </p:cNvPr>
-          <p:cNvSpPr txBox="1"/>
-          <p:nvPr/>
-        </p:nvSpPr>
-        <p:spPr>
-          <a:xfrm>
-            <a:off x="2743200" y="2230374"/>
-            <a:ext cx="4923951" cy="477054"/>
-          </a:xfrm>
-          <a:prstGeom prst="rect">
-            <a:avLst/>
-          </a:prstGeom>
-          <a:noFill/>
-        </p:spPr>
-        <p:txBody>
-          <a:bodyPr wrap="square">
-            <a:spAutoFit/>
-          </a:bodyPr>
-          <a:lstStyle/>
-          <a:p>
-            <a:r>
-              <a:rPr lang="pt-BR" sz="2500" dirty="0">
-                <a:solidFill>
-                  <a:schemeClr val="bg1"/>
-                </a:solidFill>
-              </a:rPr>
-              <a:t>Itens de Lazer por Empresa</a:t>
-            </a:r>
-          </a:p>
-        </p:txBody>
-      </p:sp>
-      <p:sp>
-        <p:nvSpPr>
-          <p:cNvPr id="11" name="CaixaDeTexto 10">
-            <a:extLst>
-              <a:ext uri="{FF2B5EF4-FFF2-40B4-BE49-F238E27FC236}">
-                <a16:creationId xmlns:a16="http://schemas.microsoft.com/office/drawing/2014/main" id="{3533DE87-CA4B-A17F-D5A1-57A3F19CE9EB}"/>
-              </a:ext>
-            </a:extLst>
-          </p:cNvPr>
-          <p:cNvSpPr txBox="1"/>
-          <p:nvPr/>
-        </p:nvSpPr>
-        <p:spPr>
-          <a:xfrm>
-            <a:off x="3416754" y="2930396"/>
-            <a:ext cx="11454492" cy="1015663"/>
-          </a:xfrm>
-          <a:prstGeom prst="rect">
-            <a:avLst/>
-          </a:prstGeom>
-          <a:noFill/>
-        </p:spPr>
-        <p:txBody>
-          <a:bodyPr wrap="square">
-            <a:spAutoFit/>
-          </a:bodyPr>
-          <a:lstStyle/>
-          <a:p>
-            <a:pPr algn="ctr"/>
-            <a:r>
-              <a:rPr lang="pt-BR" sz="2000" dirty="0">
-                <a:solidFill>
-                  <a:schemeClr val="bg1"/>
-                </a:solidFill>
-              </a:rPr>
-              <a:t>Insight: </a:t>
-            </a:r>
-          </a:p>
-          <a:p>
-            <a:pPr marL="342900" indent="-342900" algn="just">
-              <a:buFont typeface="Arial" panose="020B0604020202020204" pitchFamily="34" charset="0"/>
-              <a:buChar char="•"/>
-            </a:pPr>
-            <a:r>
-              <a:rPr lang="pt-BR" sz="2000" dirty="0">
-                <a:solidFill>
-                  <a:schemeClr val="bg1"/>
-                </a:solidFill>
-              </a:rPr>
-              <a:t>Cury e Direcional entregam conjuntos mais completos. MRV foca no essencial, com empreendimentos sem áreas comuns em muitos casos.</a:t>
-            </a:r>
-          </a:p>
-        </p:txBody>
-      </p:sp>
-      <p:pic>
-        <p:nvPicPr>
-          <p:cNvPr id="8" name="Imagem 7" descr="Gráfico&#10;&#10;O conteúdo gerado por IA pode estar incorreto.">
-            <a:extLst>
-              <a:ext uri="{FF2B5EF4-FFF2-40B4-BE49-F238E27FC236}">
-                <a16:creationId xmlns:a16="http://schemas.microsoft.com/office/drawing/2014/main" id="{713EC3D3-4A10-A3AC-472A-746F897A8767}"/>
-              </a:ext>
-            </a:extLst>
-          </p:cNvPr>
-          <p:cNvPicPr>
-            <a:picLocks noChangeAspect="1"/>
-          </p:cNvPicPr>
-          <p:nvPr/>
-        </p:nvPicPr>
-        <p:blipFill>
-          <a:blip r:embed="rId5">
-            <a:extLst>
-              <a:ext uri="{28A0092B-C50C-407E-A947-70E740481C1C}">
-                <a14:useLocalDpi xmlns:a14="http://schemas.microsoft.com/office/drawing/2010/main" val="0"/>
-              </a:ext>
-            </a:extLst>
-          </a:blip>
-          <a:stretch>
-            <a:fillRect/>
-          </a:stretch>
-        </p:blipFill>
-        <p:spPr>
-          <a:xfrm>
-            <a:off x="3657589" y="4185356"/>
-            <a:ext cx="10972822" cy="5486411"/>
-          </a:xfrm>
-          <a:prstGeom prst="rect">
-            <a:avLst/>
-          </a:prstGeom>
-        </p:spPr>
-      </p:pic>
-    </p:spTree>
-    <p:extLst>
-      <p:ext uri="{BB962C8B-B14F-4D97-AF65-F5344CB8AC3E}">
-        <p14:creationId xmlns:p14="http://schemas.microsoft.com/office/powerpoint/2010/main" val="3046229598"/>
-      </p:ext>
-    </p:extLst>
-  </p:cSld>
-  <p:clrMapOvr>
-    <a:masterClrMapping/>
-  </p:clrMapOvr>
-</p:sld>
-</file>
-
-<file path=ppt/slides/slide7.xml><?xml version="1.0" encoding="utf-8"?>
 <p:sld xmlns:a="http://schemas.openxmlformats.org/drawingml/2006/main" xmlns:r="http://schemas.openxmlformats.org/officeDocument/2006/relationships" xmlns:p="http://schemas.openxmlformats.org/presentationml/2006/main">
   <p:cSld>
     <p:bg>
@@ -7389,6 +5143,3997 @@
 </p:sld>
 </file>
 
+<file path=ppt/slides/slide11.xml><?xml version="1.0" encoding="utf-8"?>
+<p:sld xmlns:a="http://schemas.openxmlformats.org/drawingml/2006/main" xmlns:r="http://schemas.openxmlformats.org/officeDocument/2006/relationships" xmlns:p="http://schemas.openxmlformats.org/presentationml/2006/main">
+  <p:cSld>
+    <p:bg>
+      <p:bgPr>
+        <a:solidFill>
+          <a:srgbClr val="006B3F"/>
+        </a:solidFill>
+        <a:effectLst/>
+      </p:bgPr>
+    </p:bg>
+    <p:spTree>
+      <p:nvGrpSpPr>
+        <p:cNvPr id="1" name=""/>
+        <p:cNvGrpSpPr/>
+        <p:nvPr/>
+      </p:nvGrpSpPr>
+      <p:grpSpPr>
+        <a:xfrm>
+          <a:off x="0" y="0"/>
+          <a:ext cx="0" cy="0"/>
+          <a:chOff x="0" y="0"/>
+          <a:chExt cx="0" cy="0"/>
+        </a:xfrm>
+      </p:grpSpPr>
+      <p:sp>
+        <p:nvSpPr>
+          <p:cNvPr id="2" name="Freeform 2"/>
+          <p:cNvSpPr/>
+          <p:nvPr/>
+        </p:nvSpPr>
+        <p:spPr>
+          <a:xfrm rot="-2700000">
+            <a:off x="16213252" y="7043585"/>
+            <a:ext cx="3526643" cy="3436874"/>
+          </a:xfrm>
+          <a:custGeom>
+            <a:avLst/>
+            <a:gdLst/>
+            <a:ahLst/>
+            <a:cxnLst/>
+            <a:rect l="l" t="t" r="r" b="b"/>
+            <a:pathLst>
+              <a:path w="3526643" h="3436874">
+                <a:moveTo>
+                  <a:pt x="0" y="0"/>
+                </a:moveTo>
+                <a:lnTo>
+                  <a:pt x="3526643" y="0"/>
+                </a:lnTo>
+                <a:lnTo>
+                  <a:pt x="3526643" y="3436874"/>
+                </a:lnTo>
+                <a:lnTo>
+                  <a:pt x="0" y="3436874"/>
+                </a:lnTo>
+                <a:lnTo>
+                  <a:pt x="0" y="0"/>
+                </a:lnTo>
+                <a:close/>
+              </a:path>
+            </a:pathLst>
+          </a:custGeom>
+          <a:blipFill>
+            <a:blip r:embed="rId2">
+              <a:extLst>
+                <a:ext uri="{96DAC541-7B7A-43D3-8B79-37D633B846F1}">
+                  <asvg:svgBlip xmlns:asvg="http://schemas.microsoft.com/office/drawing/2016/SVG/main" r:embed="rId3"/>
+                </a:ext>
+              </a:extLst>
+            </a:blip>
+            <a:stretch>
+              <a:fillRect/>
+            </a:stretch>
+          </a:blipFill>
+        </p:spPr>
+        <p:txBody>
+          <a:bodyPr/>
+          <a:lstStyle/>
+          <a:p>
+            <a:endParaRPr lang="pt-BR"/>
+          </a:p>
+        </p:txBody>
+      </p:sp>
+      <p:sp>
+        <p:nvSpPr>
+          <p:cNvPr id="3" name="TextBox 3"/>
+          <p:cNvSpPr txBox="1"/>
+          <p:nvPr/>
+        </p:nvSpPr>
+        <p:spPr>
+          <a:xfrm>
+            <a:off x="1745338" y="1448687"/>
+            <a:ext cx="14797325" cy="854075"/>
+          </a:xfrm>
+          <a:prstGeom prst="rect">
+            <a:avLst/>
+          </a:prstGeom>
+        </p:spPr>
+        <p:txBody>
+          <a:bodyPr lIns="0" tIns="0" rIns="0" bIns="0" rtlCol="0" anchor="t">
+            <a:spAutoFit/>
+          </a:bodyPr>
+          <a:lstStyle/>
+          <a:p>
+            <a:pPr marL="0" lvl="0" indent="0" algn="ctr">
+              <a:lnSpc>
+                <a:spcPts val="7000"/>
+              </a:lnSpc>
+              <a:spcBef>
+                <a:spcPct val="0"/>
+              </a:spcBef>
+            </a:pPr>
+            <a:r>
+              <a:rPr lang="en-US" sz="5000" spc="-240">
+                <a:solidFill>
+                  <a:srgbClr val="FFFFFF"/>
+                </a:solidFill>
+                <a:latin typeface="Verdana Pro"/>
+                <a:ea typeface="Verdana Pro"/>
+                <a:cs typeface="Verdana Pro"/>
+                <a:sym typeface="Verdana Pro"/>
+              </a:rPr>
+              <a:t>DISTRIBUIÇÃO POR Nº DE QUARTOS</a:t>
+            </a:r>
+          </a:p>
+        </p:txBody>
+      </p:sp>
+      <p:sp>
+        <p:nvSpPr>
+          <p:cNvPr id="4" name="Freeform 4"/>
+          <p:cNvSpPr/>
+          <p:nvPr/>
+        </p:nvSpPr>
+        <p:spPr>
+          <a:xfrm rot="-2700000">
+            <a:off x="-1763322" y="-681241"/>
+            <a:ext cx="3526643" cy="3436874"/>
+          </a:xfrm>
+          <a:custGeom>
+            <a:avLst/>
+            <a:gdLst/>
+            <a:ahLst/>
+            <a:cxnLst/>
+            <a:rect l="l" t="t" r="r" b="b"/>
+            <a:pathLst>
+              <a:path w="3526643" h="3436874">
+                <a:moveTo>
+                  <a:pt x="0" y="0"/>
+                </a:moveTo>
+                <a:lnTo>
+                  <a:pt x="3526644" y="0"/>
+                </a:lnTo>
+                <a:lnTo>
+                  <a:pt x="3526644" y="3436874"/>
+                </a:lnTo>
+                <a:lnTo>
+                  <a:pt x="0" y="3436874"/>
+                </a:lnTo>
+                <a:lnTo>
+                  <a:pt x="0" y="0"/>
+                </a:lnTo>
+                <a:close/>
+              </a:path>
+            </a:pathLst>
+          </a:custGeom>
+          <a:blipFill>
+            <a:blip r:embed="rId2">
+              <a:extLst>
+                <a:ext uri="{96DAC541-7B7A-43D3-8B79-37D633B846F1}">
+                  <asvg:svgBlip xmlns:asvg="http://schemas.microsoft.com/office/drawing/2016/SVG/main" r:embed="rId3"/>
+                </a:ext>
+              </a:extLst>
+            </a:blip>
+            <a:stretch>
+              <a:fillRect/>
+            </a:stretch>
+          </a:blipFill>
+        </p:spPr>
+        <p:txBody>
+          <a:bodyPr/>
+          <a:lstStyle/>
+          <a:p>
+            <a:endParaRPr lang="pt-BR"/>
+          </a:p>
+        </p:txBody>
+      </p:sp>
+      <p:sp>
+        <p:nvSpPr>
+          <p:cNvPr id="5" name="Freeform 5"/>
+          <p:cNvSpPr/>
+          <p:nvPr/>
+        </p:nvSpPr>
+        <p:spPr>
+          <a:xfrm>
+            <a:off x="4314542" y="4191206"/>
+            <a:ext cx="9658917" cy="5759129"/>
+          </a:xfrm>
+          <a:custGeom>
+            <a:avLst/>
+            <a:gdLst/>
+            <a:ahLst/>
+            <a:cxnLst/>
+            <a:rect l="l" t="t" r="r" b="b"/>
+            <a:pathLst>
+              <a:path w="9658917" h="5759129">
+                <a:moveTo>
+                  <a:pt x="0" y="0"/>
+                </a:moveTo>
+                <a:lnTo>
+                  <a:pt x="9658916" y="0"/>
+                </a:lnTo>
+                <a:lnTo>
+                  <a:pt x="9658916" y="5759129"/>
+                </a:lnTo>
+                <a:lnTo>
+                  <a:pt x="0" y="5759129"/>
+                </a:lnTo>
+                <a:lnTo>
+                  <a:pt x="0" y="0"/>
+                </a:lnTo>
+                <a:close/>
+              </a:path>
+            </a:pathLst>
+          </a:custGeom>
+          <a:blipFill>
+            <a:blip r:embed="rId4"/>
+            <a:stretch>
+              <a:fillRect/>
+            </a:stretch>
+          </a:blipFill>
+        </p:spPr>
+        <p:txBody>
+          <a:bodyPr/>
+          <a:lstStyle/>
+          <a:p>
+            <a:endParaRPr lang="pt-BR"/>
+          </a:p>
+        </p:txBody>
+      </p:sp>
+      <p:sp>
+        <p:nvSpPr>
+          <p:cNvPr id="6" name="TextBox 6"/>
+          <p:cNvSpPr txBox="1"/>
+          <p:nvPr/>
+        </p:nvSpPr>
+        <p:spPr>
+          <a:xfrm>
+            <a:off x="3392549" y="2416479"/>
+            <a:ext cx="11502902" cy="1567267"/>
+          </a:xfrm>
+          <a:prstGeom prst="rect">
+            <a:avLst/>
+          </a:prstGeom>
+        </p:spPr>
+        <p:txBody>
+          <a:bodyPr lIns="0" tIns="0" rIns="0" bIns="0" rtlCol="0" anchor="t">
+            <a:spAutoFit/>
+          </a:bodyPr>
+          <a:lstStyle/>
+          <a:p>
+            <a:pPr algn="ctr">
+              <a:lnSpc>
+                <a:spcPts val="3131"/>
+              </a:lnSpc>
+            </a:pPr>
+            <a:r>
+              <a:rPr lang="en-US" sz="2236" spc="-107">
+                <a:solidFill>
+                  <a:srgbClr val="FFFFFF"/>
+                </a:solidFill>
+                <a:latin typeface="Verdana Pro"/>
+                <a:ea typeface="Verdana Pro"/>
+                <a:cs typeface="Verdana Pro"/>
+                <a:sym typeface="Verdana Pro"/>
+              </a:rPr>
+              <a:t>INSIGHT:</a:t>
+            </a:r>
+          </a:p>
+          <a:p>
+            <a:pPr marL="482883" lvl="1" indent="-241442" algn="just">
+              <a:lnSpc>
+                <a:spcPts val="3131"/>
+              </a:lnSpc>
+              <a:buFont typeface="Arial"/>
+              <a:buChar char="•"/>
+            </a:pPr>
+            <a:r>
+              <a:rPr lang="en-US" sz="2236" spc="-107">
+                <a:solidFill>
+                  <a:srgbClr val="FFFFFF"/>
+                </a:solidFill>
+                <a:latin typeface="Verdana Pro"/>
+                <a:ea typeface="Verdana Pro"/>
+                <a:cs typeface="Verdana Pro"/>
+                <a:sym typeface="Verdana Pro"/>
+              </a:rPr>
+              <a:t>A tipologiA DE 2 QUARTOS É PREDOMINANTE EM TODAS AS INCORPORADORAS.</a:t>
+            </a:r>
+          </a:p>
+          <a:p>
+            <a:pPr marL="482883" lvl="1" indent="-241442" algn="just">
+              <a:lnSpc>
+                <a:spcPts val="3131"/>
+              </a:lnSpc>
+              <a:buFont typeface="Arial"/>
+              <a:buChar char="•"/>
+            </a:pPr>
+            <a:r>
+              <a:rPr lang="en-US" sz="2236" spc="-107">
+                <a:solidFill>
+                  <a:srgbClr val="FFFFFF"/>
+                </a:solidFill>
+                <a:latin typeface="Verdana Pro"/>
+                <a:ea typeface="Verdana Pro"/>
+                <a:cs typeface="Verdana Pro"/>
+                <a:sym typeface="Verdana Pro"/>
+              </a:rPr>
+              <a:t>A MRV E DIRECIONAL OFERTAM COM FOCO EM 2Q COM 1 VAGA.</a:t>
+            </a:r>
+          </a:p>
+          <a:p>
+            <a:pPr marL="482883" lvl="1" indent="-241442" algn="just">
+              <a:lnSpc>
+                <a:spcPts val="3131"/>
+              </a:lnSpc>
+              <a:buFont typeface="Arial"/>
+              <a:buChar char="•"/>
+            </a:pPr>
+            <a:r>
+              <a:rPr lang="en-US" sz="2236" spc="-107">
+                <a:solidFill>
+                  <a:srgbClr val="FFFFFF"/>
+                </a:solidFill>
+                <a:latin typeface="Verdana Pro"/>
+                <a:ea typeface="Verdana Pro"/>
+                <a:cs typeface="Verdana Pro"/>
+                <a:sym typeface="Verdana Pro"/>
+              </a:rPr>
+              <a:t>A CURY TRAZ OPÇÕES COM E SEM VAGA, ATENDENDO PERFIS URBANOS.</a:t>
+            </a:r>
+          </a:p>
+        </p:txBody>
+      </p:sp>
+      <p:sp>
+        <p:nvSpPr>
+          <p:cNvPr id="7" name="Freeform 7"/>
+          <p:cNvSpPr/>
+          <p:nvPr/>
+        </p:nvSpPr>
+        <p:spPr>
+          <a:xfrm>
+            <a:off x="14895451" y="282059"/>
+            <a:ext cx="2831428" cy="1068083"/>
+          </a:xfrm>
+          <a:custGeom>
+            <a:avLst/>
+            <a:gdLst/>
+            <a:ahLst/>
+            <a:cxnLst/>
+            <a:rect l="l" t="t" r="r" b="b"/>
+            <a:pathLst>
+              <a:path w="2831428" h="1068083">
+                <a:moveTo>
+                  <a:pt x="0" y="0"/>
+                </a:moveTo>
+                <a:lnTo>
+                  <a:pt x="2831428" y="0"/>
+                </a:lnTo>
+                <a:lnTo>
+                  <a:pt x="2831428" y="1068084"/>
+                </a:lnTo>
+                <a:lnTo>
+                  <a:pt x="0" y="1068084"/>
+                </a:lnTo>
+                <a:lnTo>
+                  <a:pt x="0" y="0"/>
+                </a:lnTo>
+                <a:close/>
+              </a:path>
+            </a:pathLst>
+          </a:custGeom>
+          <a:blipFill>
+            <a:blip r:embed="rId5">
+              <a:alphaModFix amt="81000"/>
+            </a:blip>
+            <a:stretch>
+              <a:fillRect/>
+            </a:stretch>
+          </a:blipFill>
+        </p:spPr>
+        <p:txBody>
+          <a:bodyPr/>
+          <a:lstStyle/>
+          <a:p>
+            <a:endParaRPr lang="pt-BR"/>
+          </a:p>
+        </p:txBody>
+      </p:sp>
+    </p:spTree>
+  </p:cSld>
+  <p:clrMapOvr>
+    <a:masterClrMapping/>
+  </p:clrMapOvr>
+</p:sld>
+</file>
+
+<file path=ppt/slides/slide12.xml><?xml version="1.0" encoding="utf-8"?>
+<p:sld xmlns:a="http://schemas.openxmlformats.org/drawingml/2006/main" xmlns:r="http://schemas.openxmlformats.org/officeDocument/2006/relationships" xmlns:p="http://schemas.openxmlformats.org/presentationml/2006/main">
+  <p:cSld>
+    <p:bg>
+      <p:bgPr>
+        <a:solidFill>
+          <a:srgbClr val="006B3F"/>
+        </a:solidFill>
+        <a:effectLst/>
+      </p:bgPr>
+    </p:bg>
+    <p:spTree>
+      <p:nvGrpSpPr>
+        <p:cNvPr id="1" name=""/>
+        <p:cNvGrpSpPr/>
+        <p:nvPr/>
+      </p:nvGrpSpPr>
+      <p:grpSpPr>
+        <a:xfrm>
+          <a:off x="0" y="0"/>
+          <a:ext cx="0" cy="0"/>
+          <a:chOff x="0" y="0"/>
+          <a:chExt cx="0" cy="0"/>
+        </a:xfrm>
+      </p:grpSpPr>
+      <p:sp>
+        <p:nvSpPr>
+          <p:cNvPr id="2" name="Freeform 2"/>
+          <p:cNvSpPr/>
+          <p:nvPr/>
+        </p:nvSpPr>
+        <p:spPr>
+          <a:xfrm rot="-2700000">
+            <a:off x="16213252" y="7043585"/>
+            <a:ext cx="3526643" cy="3436874"/>
+          </a:xfrm>
+          <a:custGeom>
+            <a:avLst/>
+            <a:gdLst/>
+            <a:ahLst/>
+            <a:cxnLst/>
+            <a:rect l="l" t="t" r="r" b="b"/>
+            <a:pathLst>
+              <a:path w="3526643" h="3436874">
+                <a:moveTo>
+                  <a:pt x="0" y="0"/>
+                </a:moveTo>
+                <a:lnTo>
+                  <a:pt x="3526643" y="0"/>
+                </a:lnTo>
+                <a:lnTo>
+                  <a:pt x="3526643" y="3436874"/>
+                </a:lnTo>
+                <a:lnTo>
+                  <a:pt x="0" y="3436874"/>
+                </a:lnTo>
+                <a:lnTo>
+                  <a:pt x="0" y="0"/>
+                </a:lnTo>
+                <a:close/>
+              </a:path>
+            </a:pathLst>
+          </a:custGeom>
+          <a:blipFill>
+            <a:blip r:embed="rId2">
+              <a:extLst>
+                <a:ext uri="{96DAC541-7B7A-43D3-8B79-37D633B846F1}">
+                  <asvg:svgBlip xmlns:asvg="http://schemas.microsoft.com/office/drawing/2016/SVG/main" r:embed="rId3"/>
+                </a:ext>
+              </a:extLst>
+            </a:blip>
+            <a:stretch>
+              <a:fillRect/>
+            </a:stretch>
+          </a:blipFill>
+        </p:spPr>
+        <p:txBody>
+          <a:bodyPr/>
+          <a:lstStyle/>
+          <a:p>
+            <a:endParaRPr lang="pt-BR"/>
+          </a:p>
+        </p:txBody>
+      </p:sp>
+      <p:sp>
+        <p:nvSpPr>
+          <p:cNvPr id="3" name="TextBox 3"/>
+          <p:cNvSpPr txBox="1"/>
+          <p:nvPr/>
+        </p:nvSpPr>
+        <p:spPr>
+          <a:xfrm>
+            <a:off x="1745337" y="1350142"/>
+            <a:ext cx="14797325" cy="854075"/>
+          </a:xfrm>
+          <a:prstGeom prst="rect">
+            <a:avLst/>
+          </a:prstGeom>
+        </p:spPr>
+        <p:txBody>
+          <a:bodyPr lIns="0" tIns="0" rIns="0" bIns="0" rtlCol="0" anchor="t">
+            <a:spAutoFit/>
+          </a:bodyPr>
+          <a:lstStyle/>
+          <a:p>
+            <a:pPr marL="0" lvl="0" indent="0" algn="ctr">
+              <a:lnSpc>
+                <a:spcPts val="7000"/>
+              </a:lnSpc>
+              <a:spcBef>
+                <a:spcPct val="0"/>
+              </a:spcBef>
+            </a:pPr>
+            <a:r>
+              <a:rPr lang="en-US" sz="5000" spc="-240" dirty="0">
+                <a:solidFill>
+                  <a:srgbClr val="FFFFFF"/>
+                </a:solidFill>
+                <a:latin typeface="Verdana Pro"/>
+                <a:ea typeface="Verdana Pro"/>
+                <a:cs typeface="Verdana Pro"/>
+                <a:sym typeface="Verdana Pro"/>
+              </a:rPr>
+              <a:t>PARCELAS INICIAIS MÉDIAS</a:t>
+            </a:r>
+          </a:p>
+        </p:txBody>
+      </p:sp>
+      <p:sp>
+        <p:nvSpPr>
+          <p:cNvPr id="4" name="Freeform 4"/>
+          <p:cNvSpPr/>
+          <p:nvPr/>
+        </p:nvSpPr>
+        <p:spPr>
+          <a:xfrm rot="-2700000">
+            <a:off x="-1763322" y="-681241"/>
+            <a:ext cx="3526643" cy="3436874"/>
+          </a:xfrm>
+          <a:custGeom>
+            <a:avLst/>
+            <a:gdLst/>
+            <a:ahLst/>
+            <a:cxnLst/>
+            <a:rect l="l" t="t" r="r" b="b"/>
+            <a:pathLst>
+              <a:path w="3526643" h="3436874">
+                <a:moveTo>
+                  <a:pt x="0" y="0"/>
+                </a:moveTo>
+                <a:lnTo>
+                  <a:pt x="3526644" y="0"/>
+                </a:lnTo>
+                <a:lnTo>
+                  <a:pt x="3526644" y="3436874"/>
+                </a:lnTo>
+                <a:lnTo>
+                  <a:pt x="0" y="3436874"/>
+                </a:lnTo>
+                <a:lnTo>
+                  <a:pt x="0" y="0"/>
+                </a:lnTo>
+                <a:close/>
+              </a:path>
+            </a:pathLst>
+          </a:custGeom>
+          <a:blipFill>
+            <a:blip r:embed="rId2">
+              <a:extLst>
+                <a:ext uri="{96DAC541-7B7A-43D3-8B79-37D633B846F1}">
+                  <asvg:svgBlip xmlns:asvg="http://schemas.microsoft.com/office/drawing/2016/SVG/main" r:embed="rId3"/>
+                </a:ext>
+              </a:extLst>
+            </a:blip>
+            <a:stretch>
+              <a:fillRect/>
+            </a:stretch>
+          </a:blipFill>
+        </p:spPr>
+        <p:txBody>
+          <a:bodyPr/>
+          <a:lstStyle/>
+          <a:p>
+            <a:endParaRPr lang="pt-BR"/>
+          </a:p>
+        </p:txBody>
+      </p:sp>
+      <p:sp>
+        <p:nvSpPr>
+          <p:cNvPr id="5" name="Freeform 5"/>
+          <p:cNvSpPr/>
+          <p:nvPr/>
+        </p:nvSpPr>
+        <p:spPr>
+          <a:xfrm>
+            <a:off x="4018230" y="3943341"/>
+            <a:ext cx="10251537" cy="6112479"/>
+          </a:xfrm>
+          <a:custGeom>
+            <a:avLst/>
+            <a:gdLst/>
+            <a:ahLst/>
+            <a:cxnLst/>
+            <a:rect l="l" t="t" r="r" b="b"/>
+            <a:pathLst>
+              <a:path w="10251537" h="6112479">
+                <a:moveTo>
+                  <a:pt x="0" y="0"/>
+                </a:moveTo>
+                <a:lnTo>
+                  <a:pt x="10251536" y="0"/>
+                </a:lnTo>
+                <a:lnTo>
+                  <a:pt x="10251536" y="6112478"/>
+                </a:lnTo>
+                <a:lnTo>
+                  <a:pt x="0" y="6112478"/>
+                </a:lnTo>
+                <a:lnTo>
+                  <a:pt x="0" y="0"/>
+                </a:lnTo>
+                <a:close/>
+              </a:path>
+            </a:pathLst>
+          </a:custGeom>
+          <a:blipFill>
+            <a:blip r:embed="rId4"/>
+            <a:stretch>
+              <a:fillRect/>
+            </a:stretch>
+          </a:blipFill>
+        </p:spPr>
+        <p:txBody>
+          <a:bodyPr/>
+          <a:lstStyle/>
+          <a:p>
+            <a:endParaRPr lang="pt-BR"/>
+          </a:p>
+        </p:txBody>
+      </p:sp>
+      <p:sp>
+        <p:nvSpPr>
+          <p:cNvPr id="6" name="TextBox 6"/>
+          <p:cNvSpPr txBox="1"/>
+          <p:nvPr/>
+        </p:nvSpPr>
+        <p:spPr>
+          <a:xfrm>
+            <a:off x="1028698" y="2434039"/>
+            <a:ext cx="16230600" cy="1552915"/>
+          </a:xfrm>
+          <a:prstGeom prst="rect">
+            <a:avLst/>
+          </a:prstGeom>
+        </p:spPr>
+        <p:txBody>
+          <a:bodyPr lIns="0" tIns="0" rIns="0" bIns="0" rtlCol="0" anchor="t">
+            <a:spAutoFit/>
+          </a:bodyPr>
+          <a:lstStyle/>
+          <a:p>
+            <a:pPr algn="ctr">
+              <a:lnSpc>
+                <a:spcPts val="3131"/>
+              </a:lnSpc>
+            </a:pPr>
+            <a:r>
+              <a:rPr lang="en-US" sz="2236" spc="-107" dirty="0">
+                <a:solidFill>
+                  <a:srgbClr val="FFFFFF"/>
+                </a:solidFill>
+                <a:latin typeface="Verdana Pro"/>
+                <a:ea typeface="Verdana Pro"/>
+                <a:cs typeface="Verdana Pro"/>
+                <a:sym typeface="Verdana Pro"/>
+              </a:rPr>
+              <a:t>INSIGHT:</a:t>
+            </a:r>
+          </a:p>
+          <a:p>
+            <a:pPr marL="482883" lvl="1" indent="-241442">
+              <a:lnSpc>
+                <a:spcPts val="3131"/>
+              </a:lnSpc>
+              <a:buFont typeface="Arial"/>
+              <a:buChar char="•"/>
+            </a:pPr>
+            <a:r>
+              <a:rPr lang="en-US" sz="2236" spc="-107" dirty="0">
+                <a:solidFill>
+                  <a:srgbClr val="FFFFFF"/>
+                </a:solidFill>
+                <a:latin typeface="Verdana Pro"/>
+                <a:ea typeface="Verdana Pro"/>
+                <a:cs typeface="Verdana Pro"/>
+                <a:sym typeface="Verdana Pro"/>
+              </a:rPr>
+              <a:t>MRV e </a:t>
+            </a:r>
+            <a:r>
+              <a:rPr lang="en-US" sz="2236" spc="-107" dirty="0" err="1">
+                <a:solidFill>
+                  <a:srgbClr val="FFFFFF"/>
+                </a:solidFill>
+                <a:latin typeface="Verdana Pro"/>
+                <a:ea typeface="Verdana Pro"/>
+                <a:cs typeface="Verdana Pro"/>
+                <a:sym typeface="Verdana Pro"/>
+              </a:rPr>
+              <a:t>Direcional</a:t>
+            </a:r>
+            <a:r>
+              <a:rPr lang="en-US" sz="2236" spc="-107" dirty="0">
+                <a:solidFill>
+                  <a:srgbClr val="FFFFFF"/>
+                </a:solidFill>
+                <a:latin typeface="Verdana Pro"/>
+                <a:ea typeface="Verdana Pro"/>
+                <a:cs typeface="Verdana Pro"/>
+                <a:sym typeface="Verdana Pro"/>
+              </a:rPr>
+              <a:t> </a:t>
+            </a:r>
+            <a:r>
+              <a:rPr lang="en-US" sz="2236" spc="-107" dirty="0" err="1">
+                <a:solidFill>
+                  <a:srgbClr val="FFFFFF"/>
+                </a:solidFill>
+                <a:latin typeface="Verdana Pro"/>
+                <a:ea typeface="Verdana Pro"/>
+                <a:cs typeface="Verdana Pro"/>
+                <a:sym typeface="Verdana Pro"/>
+              </a:rPr>
+              <a:t>têm</a:t>
+            </a:r>
+            <a:r>
+              <a:rPr lang="en-US" sz="2236" spc="-107" dirty="0">
+                <a:solidFill>
+                  <a:srgbClr val="FFFFFF"/>
+                </a:solidFill>
+                <a:latin typeface="Verdana Pro"/>
+                <a:ea typeface="Verdana Pro"/>
+                <a:cs typeface="Verdana Pro"/>
+                <a:sym typeface="Verdana Pro"/>
+              </a:rPr>
+              <a:t> </a:t>
+            </a:r>
+            <a:r>
+              <a:rPr lang="en-US" sz="2236" spc="-107" dirty="0" err="1">
+                <a:solidFill>
+                  <a:srgbClr val="FFFFFF"/>
+                </a:solidFill>
+                <a:latin typeface="Verdana Pro"/>
+                <a:ea typeface="Verdana Pro"/>
+                <a:cs typeface="Verdana Pro"/>
+                <a:sym typeface="Verdana Pro"/>
+              </a:rPr>
+              <a:t>presença</a:t>
+            </a:r>
+            <a:r>
+              <a:rPr lang="en-US" sz="2236" spc="-107" dirty="0">
+                <a:solidFill>
+                  <a:srgbClr val="FFFFFF"/>
+                </a:solidFill>
+                <a:latin typeface="Verdana Pro"/>
+                <a:ea typeface="Verdana Pro"/>
+                <a:cs typeface="Verdana Pro"/>
+                <a:sym typeface="Verdana Pro"/>
+              </a:rPr>
+              <a:t> forte </a:t>
+            </a:r>
+            <a:r>
+              <a:rPr lang="en-US" sz="2236" spc="-107" dirty="0" err="1">
+                <a:solidFill>
+                  <a:srgbClr val="FFFFFF"/>
+                </a:solidFill>
+                <a:latin typeface="Verdana Pro"/>
+                <a:ea typeface="Verdana Pro"/>
+                <a:cs typeface="Verdana Pro"/>
+                <a:sym typeface="Verdana Pro"/>
+              </a:rPr>
+              <a:t>na</a:t>
+            </a:r>
+            <a:r>
+              <a:rPr lang="en-US" sz="2236" spc="-107" dirty="0">
+                <a:solidFill>
+                  <a:srgbClr val="FFFFFF"/>
+                </a:solidFill>
+                <a:latin typeface="Verdana Pro"/>
+                <a:ea typeface="Verdana Pro"/>
+                <a:cs typeface="Verdana Pro"/>
+                <a:sym typeface="Verdana Pro"/>
+              </a:rPr>
+              <a:t> Grande BH</a:t>
+            </a:r>
+          </a:p>
+          <a:p>
+            <a:pPr marL="482883" lvl="1" indent="-241442">
+              <a:lnSpc>
+                <a:spcPts val="3131"/>
+              </a:lnSpc>
+              <a:buFont typeface="Arial"/>
+              <a:buChar char="•"/>
+            </a:pPr>
+            <a:r>
+              <a:rPr lang="en-US" sz="2236" spc="-107" dirty="0">
+                <a:solidFill>
+                  <a:srgbClr val="FFFFFF"/>
+                </a:solidFill>
+                <a:latin typeface="Verdana Pro"/>
+                <a:ea typeface="Verdana Pro"/>
+                <a:cs typeface="Verdana Pro"/>
+                <a:sym typeface="Verdana Pro"/>
+              </a:rPr>
+              <a:t>Cury </a:t>
+            </a:r>
+            <a:r>
+              <a:rPr lang="en-US" sz="2236" spc="-107" dirty="0" err="1">
+                <a:solidFill>
+                  <a:srgbClr val="FFFFFF"/>
+                </a:solidFill>
+                <a:latin typeface="Verdana Pro"/>
+                <a:ea typeface="Verdana Pro"/>
+                <a:cs typeface="Verdana Pro"/>
+                <a:sym typeface="Verdana Pro"/>
+              </a:rPr>
+              <a:t>concentra</a:t>
+            </a:r>
+            <a:r>
+              <a:rPr lang="en-US" sz="2236" spc="-107" dirty="0">
+                <a:solidFill>
+                  <a:srgbClr val="FFFFFF"/>
+                </a:solidFill>
+                <a:latin typeface="Verdana Pro"/>
+                <a:ea typeface="Verdana Pro"/>
+                <a:cs typeface="Verdana Pro"/>
+                <a:sym typeface="Verdana Pro"/>
+              </a:rPr>
+              <a:t> </a:t>
+            </a:r>
+            <a:r>
+              <a:rPr lang="en-US" sz="2236" spc="-107" dirty="0" err="1">
+                <a:solidFill>
+                  <a:srgbClr val="FFFFFF"/>
+                </a:solidFill>
+                <a:latin typeface="Verdana Pro"/>
+                <a:ea typeface="Verdana Pro"/>
+                <a:cs typeface="Verdana Pro"/>
+                <a:sym typeface="Verdana Pro"/>
+              </a:rPr>
+              <a:t>atuação</a:t>
+            </a:r>
+            <a:r>
+              <a:rPr lang="en-US" sz="2236" spc="-107" dirty="0">
+                <a:solidFill>
+                  <a:srgbClr val="FFFFFF"/>
+                </a:solidFill>
+                <a:latin typeface="Verdana Pro"/>
+                <a:ea typeface="Verdana Pro"/>
+                <a:cs typeface="Verdana Pro"/>
+                <a:sym typeface="Verdana Pro"/>
+              </a:rPr>
+              <a:t> </a:t>
+            </a:r>
+            <a:r>
+              <a:rPr lang="en-US" sz="2236" spc="-107" dirty="0" err="1">
+                <a:solidFill>
+                  <a:srgbClr val="FFFFFF"/>
+                </a:solidFill>
+                <a:latin typeface="Verdana Pro"/>
+                <a:ea typeface="Verdana Pro"/>
+                <a:cs typeface="Verdana Pro"/>
+                <a:sym typeface="Verdana Pro"/>
+              </a:rPr>
+              <a:t>em</a:t>
+            </a:r>
+            <a:r>
+              <a:rPr lang="en-US" sz="2236" spc="-107" dirty="0">
+                <a:solidFill>
+                  <a:srgbClr val="FFFFFF"/>
+                </a:solidFill>
+                <a:latin typeface="Verdana Pro"/>
+                <a:ea typeface="Verdana Pro"/>
+                <a:cs typeface="Verdana Pro"/>
+                <a:sym typeface="Verdana Pro"/>
+              </a:rPr>
+              <a:t> SP, com </a:t>
+            </a:r>
+            <a:r>
+              <a:rPr lang="en-US" sz="2236" spc="-107" dirty="0" err="1">
+                <a:solidFill>
+                  <a:srgbClr val="FFFFFF"/>
+                </a:solidFill>
+                <a:latin typeface="Verdana Pro"/>
+                <a:ea typeface="Verdana Pro"/>
+                <a:cs typeface="Verdana Pro"/>
+                <a:sym typeface="Verdana Pro"/>
+              </a:rPr>
+              <a:t>alguns</a:t>
+            </a:r>
+            <a:r>
+              <a:rPr lang="en-US" sz="2236" spc="-107" dirty="0">
+                <a:solidFill>
+                  <a:srgbClr val="FFFFFF"/>
+                </a:solidFill>
+                <a:latin typeface="Verdana Pro"/>
+                <a:ea typeface="Verdana Pro"/>
+                <a:cs typeface="Verdana Pro"/>
+                <a:sym typeface="Verdana Pro"/>
+              </a:rPr>
+              <a:t> </a:t>
+            </a:r>
+            <a:r>
+              <a:rPr lang="en-US" sz="2236" spc="-107" dirty="0" err="1">
+                <a:solidFill>
+                  <a:srgbClr val="FFFFFF"/>
+                </a:solidFill>
+                <a:latin typeface="Verdana Pro"/>
+                <a:ea typeface="Verdana Pro"/>
+                <a:cs typeface="Verdana Pro"/>
+                <a:sym typeface="Verdana Pro"/>
+              </a:rPr>
+              <a:t>projetos</a:t>
+            </a:r>
+            <a:r>
+              <a:rPr lang="en-US" sz="2236" spc="-107" dirty="0">
+                <a:solidFill>
+                  <a:srgbClr val="FFFFFF"/>
+                </a:solidFill>
+                <a:latin typeface="Verdana Pro"/>
+                <a:ea typeface="Verdana Pro"/>
+                <a:cs typeface="Verdana Pro"/>
+                <a:sym typeface="Verdana Pro"/>
+              </a:rPr>
+              <a:t> no RJ e interior</a:t>
+            </a:r>
+          </a:p>
+          <a:p>
+            <a:pPr algn="ctr">
+              <a:lnSpc>
+                <a:spcPts val="3131"/>
+              </a:lnSpc>
+            </a:pPr>
+            <a:endParaRPr lang="en-US" sz="2236" spc="-107" dirty="0">
+              <a:solidFill>
+                <a:srgbClr val="FFFFFF"/>
+              </a:solidFill>
+              <a:latin typeface="Verdana Pro"/>
+              <a:ea typeface="Verdana Pro"/>
+              <a:cs typeface="Verdana Pro"/>
+              <a:sym typeface="Verdana Pro"/>
+            </a:endParaRPr>
+          </a:p>
+        </p:txBody>
+      </p:sp>
+      <p:sp>
+        <p:nvSpPr>
+          <p:cNvPr id="7" name="Freeform 7"/>
+          <p:cNvSpPr/>
+          <p:nvPr/>
+        </p:nvSpPr>
+        <p:spPr>
+          <a:xfrm>
+            <a:off x="14895451" y="282059"/>
+            <a:ext cx="2831428" cy="1068083"/>
+          </a:xfrm>
+          <a:custGeom>
+            <a:avLst/>
+            <a:gdLst/>
+            <a:ahLst/>
+            <a:cxnLst/>
+            <a:rect l="l" t="t" r="r" b="b"/>
+            <a:pathLst>
+              <a:path w="2831428" h="1068083">
+                <a:moveTo>
+                  <a:pt x="0" y="0"/>
+                </a:moveTo>
+                <a:lnTo>
+                  <a:pt x="2831428" y="0"/>
+                </a:lnTo>
+                <a:lnTo>
+                  <a:pt x="2831428" y="1068084"/>
+                </a:lnTo>
+                <a:lnTo>
+                  <a:pt x="0" y="1068084"/>
+                </a:lnTo>
+                <a:lnTo>
+                  <a:pt x="0" y="0"/>
+                </a:lnTo>
+                <a:close/>
+              </a:path>
+            </a:pathLst>
+          </a:custGeom>
+          <a:blipFill>
+            <a:blip r:embed="rId5">
+              <a:alphaModFix amt="81000"/>
+            </a:blip>
+            <a:stretch>
+              <a:fillRect/>
+            </a:stretch>
+          </a:blipFill>
+        </p:spPr>
+        <p:txBody>
+          <a:bodyPr/>
+          <a:lstStyle/>
+          <a:p>
+            <a:endParaRPr lang="pt-BR"/>
+          </a:p>
+        </p:txBody>
+      </p:sp>
+    </p:spTree>
+  </p:cSld>
+  <p:clrMapOvr>
+    <a:masterClrMapping/>
+  </p:clrMapOvr>
+</p:sld>
+</file>
+
+<file path=ppt/slides/slide13.xml><?xml version="1.0" encoding="utf-8"?>
+<p:sld xmlns:a="http://schemas.openxmlformats.org/drawingml/2006/main" xmlns:r="http://schemas.openxmlformats.org/officeDocument/2006/relationships" xmlns:p="http://schemas.openxmlformats.org/presentationml/2006/main">
+  <p:cSld>
+    <p:bg>
+      <p:bgPr>
+        <a:solidFill>
+          <a:srgbClr val="006B3F"/>
+        </a:solidFill>
+        <a:effectLst/>
+      </p:bgPr>
+    </p:bg>
+    <p:spTree>
+      <p:nvGrpSpPr>
+        <p:cNvPr id="1" name="">
+          <a:extLst>
+            <a:ext uri="{FF2B5EF4-FFF2-40B4-BE49-F238E27FC236}">
+              <a16:creationId xmlns:a16="http://schemas.microsoft.com/office/drawing/2014/main" id="{B712F0F6-49FA-01AA-D2BC-BEB518B7DB99}"/>
+            </a:ext>
+          </a:extLst>
+        </p:cNvPr>
+        <p:cNvGrpSpPr/>
+        <p:nvPr/>
+      </p:nvGrpSpPr>
+      <p:grpSpPr>
+        <a:xfrm>
+          <a:off x="0" y="0"/>
+          <a:ext cx="0" cy="0"/>
+          <a:chOff x="0" y="0"/>
+          <a:chExt cx="0" cy="0"/>
+        </a:xfrm>
+      </p:grpSpPr>
+      <p:sp>
+        <p:nvSpPr>
+          <p:cNvPr id="2" name="Freeform 2">
+            <a:extLst>
+              <a:ext uri="{FF2B5EF4-FFF2-40B4-BE49-F238E27FC236}">
+                <a16:creationId xmlns:a16="http://schemas.microsoft.com/office/drawing/2014/main" id="{FF0A8ED2-E39A-0EAA-5728-81C7E7B54CA0}"/>
+              </a:ext>
+            </a:extLst>
+          </p:cNvPr>
+          <p:cNvSpPr/>
+          <p:nvPr/>
+        </p:nvSpPr>
+        <p:spPr>
+          <a:xfrm rot="-2700000">
+            <a:off x="16213252" y="7043585"/>
+            <a:ext cx="3526643" cy="3436874"/>
+          </a:xfrm>
+          <a:custGeom>
+            <a:avLst/>
+            <a:gdLst/>
+            <a:ahLst/>
+            <a:cxnLst/>
+            <a:rect l="l" t="t" r="r" b="b"/>
+            <a:pathLst>
+              <a:path w="3526643" h="3436874">
+                <a:moveTo>
+                  <a:pt x="0" y="0"/>
+                </a:moveTo>
+                <a:lnTo>
+                  <a:pt x="3526643" y="0"/>
+                </a:lnTo>
+                <a:lnTo>
+                  <a:pt x="3526643" y="3436874"/>
+                </a:lnTo>
+                <a:lnTo>
+                  <a:pt x="0" y="3436874"/>
+                </a:lnTo>
+                <a:lnTo>
+                  <a:pt x="0" y="0"/>
+                </a:lnTo>
+                <a:close/>
+              </a:path>
+            </a:pathLst>
+          </a:custGeom>
+          <a:blipFill>
+            <a:blip r:embed="rId2">
+              <a:extLst>
+                <a:ext uri="{96DAC541-7B7A-43D3-8B79-37D633B846F1}">
+                  <asvg:svgBlip xmlns:asvg="http://schemas.microsoft.com/office/drawing/2016/SVG/main" r:embed="rId3"/>
+                </a:ext>
+              </a:extLst>
+            </a:blip>
+            <a:stretch>
+              <a:fillRect/>
+            </a:stretch>
+          </a:blipFill>
+        </p:spPr>
+        <p:txBody>
+          <a:bodyPr/>
+          <a:lstStyle/>
+          <a:p>
+            <a:endParaRPr lang="pt-BR"/>
+          </a:p>
+        </p:txBody>
+      </p:sp>
+      <p:sp>
+        <p:nvSpPr>
+          <p:cNvPr id="3" name="TextBox 3">
+            <a:extLst>
+              <a:ext uri="{FF2B5EF4-FFF2-40B4-BE49-F238E27FC236}">
+                <a16:creationId xmlns:a16="http://schemas.microsoft.com/office/drawing/2014/main" id="{085B07B3-DDB6-50F0-A817-25D03362F872}"/>
+              </a:ext>
+            </a:extLst>
+          </p:cNvPr>
+          <p:cNvSpPr txBox="1"/>
+          <p:nvPr/>
+        </p:nvSpPr>
+        <p:spPr>
+          <a:xfrm>
+            <a:off x="1745337" y="1790700"/>
+            <a:ext cx="14797325" cy="806183"/>
+          </a:xfrm>
+          <a:prstGeom prst="rect">
+            <a:avLst/>
+          </a:prstGeom>
+        </p:spPr>
+        <p:txBody>
+          <a:bodyPr lIns="0" tIns="0" rIns="0" bIns="0" rtlCol="0" anchor="t">
+            <a:spAutoFit/>
+          </a:bodyPr>
+          <a:lstStyle/>
+          <a:p>
+            <a:pPr marL="0" lvl="0" indent="0" algn="ctr">
+              <a:lnSpc>
+                <a:spcPts val="7000"/>
+              </a:lnSpc>
+              <a:spcBef>
+                <a:spcPct val="0"/>
+              </a:spcBef>
+            </a:pPr>
+            <a:r>
+              <a:rPr lang="en-US" sz="5000" spc="-240" dirty="0">
+                <a:solidFill>
+                  <a:srgbClr val="FFFFFF"/>
+                </a:solidFill>
+                <a:latin typeface="Verdana Pro"/>
+                <a:ea typeface="Verdana Pro"/>
+                <a:cs typeface="Verdana Pro"/>
+                <a:sym typeface="Verdana Pro"/>
+              </a:rPr>
+              <a:t>CONCLUSÃO</a:t>
+            </a:r>
+          </a:p>
+        </p:txBody>
+      </p:sp>
+      <p:sp>
+        <p:nvSpPr>
+          <p:cNvPr id="4" name="Freeform 4">
+            <a:extLst>
+              <a:ext uri="{FF2B5EF4-FFF2-40B4-BE49-F238E27FC236}">
+                <a16:creationId xmlns:a16="http://schemas.microsoft.com/office/drawing/2014/main" id="{409D12BC-3581-3043-E6D2-C0180D6A5E42}"/>
+              </a:ext>
+            </a:extLst>
+          </p:cNvPr>
+          <p:cNvSpPr/>
+          <p:nvPr/>
+        </p:nvSpPr>
+        <p:spPr>
+          <a:xfrm rot="-2700000">
+            <a:off x="-1763322" y="-681241"/>
+            <a:ext cx="3526643" cy="3436874"/>
+          </a:xfrm>
+          <a:custGeom>
+            <a:avLst/>
+            <a:gdLst/>
+            <a:ahLst/>
+            <a:cxnLst/>
+            <a:rect l="l" t="t" r="r" b="b"/>
+            <a:pathLst>
+              <a:path w="3526643" h="3436874">
+                <a:moveTo>
+                  <a:pt x="0" y="0"/>
+                </a:moveTo>
+                <a:lnTo>
+                  <a:pt x="3526644" y="0"/>
+                </a:lnTo>
+                <a:lnTo>
+                  <a:pt x="3526644" y="3436874"/>
+                </a:lnTo>
+                <a:lnTo>
+                  <a:pt x="0" y="3436874"/>
+                </a:lnTo>
+                <a:lnTo>
+                  <a:pt x="0" y="0"/>
+                </a:lnTo>
+                <a:close/>
+              </a:path>
+            </a:pathLst>
+          </a:custGeom>
+          <a:blipFill>
+            <a:blip r:embed="rId2">
+              <a:extLst>
+                <a:ext uri="{96DAC541-7B7A-43D3-8B79-37D633B846F1}">
+                  <asvg:svgBlip xmlns:asvg="http://schemas.microsoft.com/office/drawing/2016/SVG/main" r:embed="rId3"/>
+                </a:ext>
+              </a:extLst>
+            </a:blip>
+            <a:stretch>
+              <a:fillRect/>
+            </a:stretch>
+          </a:blipFill>
+        </p:spPr>
+        <p:txBody>
+          <a:bodyPr/>
+          <a:lstStyle/>
+          <a:p>
+            <a:endParaRPr lang="pt-BR"/>
+          </a:p>
+        </p:txBody>
+      </p:sp>
+      <p:sp>
+        <p:nvSpPr>
+          <p:cNvPr id="7" name="Freeform 7">
+            <a:extLst>
+              <a:ext uri="{FF2B5EF4-FFF2-40B4-BE49-F238E27FC236}">
+                <a16:creationId xmlns:a16="http://schemas.microsoft.com/office/drawing/2014/main" id="{0040C794-D78B-EF4C-B04F-20A0295BFD6B}"/>
+              </a:ext>
+            </a:extLst>
+          </p:cNvPr>
+          <p:cNvSpPr/>
+          <p:nvPr/>
+        </p:nvSpPr>
+        <p:spPr>
+          <a:xfrm>
+            <a:off x="14895451" y="282059"/>
+            <a:ext cx="2831428" cy="1068083"/>
+          </a:xfrm>
+          <a:custGeom>
+            <a:avLst/>
+            <a:gdLst/>
+            <a:ahLst/>
+            <a:cxnLst/>
+            <a:rect l="l" t="t" r="r" b="b"/>
+            <a:pathLst>
+              <a:path w="2831428" h="1068083">
+                <a:moveTo>
+                  <a:pt x="0" y="0"/>
+                </a:moveTo>
+                <a:lnTo>
+                  <a:pt x="2831428" y="0"/>
+                </a:lnTo>
+                <a:lnTo>
+                  <a:pt x="2831428" y="1068084"/>
+                </a:lnTo>
+                <a:lnTo>
+                  <a:pt x="0" y="1068084"/>
+                </a:lnTo>
+                <a:lnTo>
+                  <a:pt x="0" y="0"/>
+                </a:lnTo>
+                <a:close/>
+              </a:path>
+            </a:pathLst>
+          </a:custGeom>
+          <a:blipFill>
+            <a:blip r:embed="rId4">
+              <a:alphaModFix amt="81000"/>
+            </a:blip>
+            <a:stretch>
+              <a:fillRect/>
+            </a:stretch>
+          </a:blipFill>
+        </p:spPr>
+        <p:txBody>
+          <a:bodyPr/>
+          <a:lstStyle/>
+          <a:p>
+            <a:endParaRPr lang="pt-BR"/>
+          </a:p>
+        </p:txBody>
+      </p:sp>
+      <p:sp>
+        <p:nvSpPr>
+          <p:cNvPr id="9" name="CaixaDeTexto 8">
+            <a:extLst>
+              <a:ext uri="{FF2B5EF4-FFF2-40B4-BE49-F238E27FC236}">
+                <a16:creationId xmlns:a16="http://schemas.microsoft.com/office/drawing/2014/main" id="{C5FD3EF9-8B8D-272B-8A77-C2551DE3E4F2}"/>
+              </a:ext>
+            </a:extLst>
+          </p:cNvPr>
+          <p:cNvSpPr txBox="1"/>
+          <p:nvPr/>
+        </p:nvSpPr>
+        <p:spPr>
+          <a:xfrm>
+            <a:off x="3416754" y="3419080"/>
+            <a:ext cx="11454492" cy="1745606"/>
+          </a:xfrm>
+          <a:prstGeom prst="rect">
+            <a:avLst/>
+          </a:prstGeom>
+          <a:noFill/>
+        </p:spPr>
+        <p:txBody>
+          <a:bodyPr wrap="square">
+            <a:spAutoFit/>
+          </a:bodyPr>
+          <a:lstStyle/>
+          <a:p>
+            <a:r>
+              <a:rPr lang="pt-BR" sz="2236" spc="-107" dirty="0">
+                <a:solidFill>
+                  <a:srgbClr val="FFFFFF"/>
+                </a:solidFill>
+                <a:latin typeface="Verdana Pro"/>
+              </a:rPr>
+              <a:t>• Direcional se destaca em percepção de valor</a:t>
+            </a:r>
+          </a:p>
+          <a:p>
+            <a:r>
+              <a:rPr lang="pt-BR" sz="2236" spc="-107" dirty="0">
+                <a:solidFill>
+                  <a:srgbClr val="FFFFFF"/>
+                </a:solidFill>
+                <a:latin typeface="Verdana Pro"/>
+              </a:rPr>
+              <a:t>• MRV precisa reforçar experiência do cliente</a:t>
+            </a:r>
+          </a:p>
+          <a:p>
+            <a:r>
+              <a:rPr lang="pt-BR" sz="2236" spc="-107" dirty="0">
+                <a:solidFill>
+                  <a:srgbClr val="FFFFFF"/>
+                </a:solidFill>
+                <a:latin typeface="Verdana Pro"/>
+              </a:rPr>
+              <a:t>• Cury tem boa colocação, mas pouca diferenciação</a:t>
+            </a:r>
+          </a:p>
+          <a:p>
+            <a:endParaRPr lang="pt-BR" dirty="0"/>
+          </a:p>
+          <a:p>
+            <a:r>
+              <a:rPr lang="pt-BR" sz="2236" spc="-107" dirty="0">
+                <a:solidFill>
+                  <a:srgbClr val="FFFFFF"/>
+                </a:solidFill>
+                <a:latin typeface="Verdana Pro"/>
+              </a:rPr>
+              <a:t>Recomenda-se: ouvir feedbacks, reforçar pós-venda e elevar percepção de qualidade</a:t>
+            </a:r>
+          </a:p>
+        </p:txBody>
+      </p:sp>
+    </p:spTree>
+    <p:extLst>
+      <p:ext uri="{BB962C8B-B14F-4D97-AF65-F5344CB8AC3E}">
+        <p14:creationId xmlns:p14="http://schemas.microsoft.com/office/powerpoint/2010/main" val="227259065"/>
+      </p:ext>
+    </p:extLst>
+  </p:cSld>
+  <p:clrMapOvr>
+    <a:masterClrMapping/>
+  </p:clrMapOvr>
+</p:sld>
+</file>
+
+<file path=ppt/slides/slide2.xml><?xml version="1.0" encoding="utf-8"?>
+<p:sld xmlns:a="http://schemas.openxmlformats.org/drawingml/2006/main" xmlns:r="http://schemas.openxmlformats.org/officeDocument/2006/relationships" xmlns:p="http://schemas.openxmlformats.org/presentationml/2006/main">
+  <p:cSld>
+    <p:bg>
+      <p:bgPr>
+        <a:solidFill>
+          <a:srgbClr val="006B3F"/>
+        </a:solidFill>
+        <a:effectLst/>
+      </p:bgPr>
+    </p:bg>
+    <p:spTree>
+      <p:nvGrpSpPr>
+        <p:cNvPr id="1" name=""/>
+        <p:cNvGrpSpPr/>
+        <p:nvPr/>
+      </p:nvGrpSpPr>
+      <p:grpSpPr>
+        <a:xfrm>
+          <a:off x="0" y="0"/>
+          <a:ext cx="0" cy="0"/>
+          <a:chOff x="0" y="0"/>
+          <a:chExt cx="0" cy="0"/>
+        </a:xfrm>
+      </p:grpSpPr>
+      <p:sp>
+        <p:nvSpPr>
+          <p:cNvPr id="2" name="Freeform 2"/>
+          <p:cNvSpPr/>
+          <p:nvPr/>
+        </p:nvSpPr>
+        <p:spPr>
+          <a:xfrm rot="-2700000">
+            <a:off x="16213252" y="7043585"/>
+            <a:ext cx="3526643" cy="3436874"/>
+          </a:xfrm>
+          <a:custGeom>
+            <a:avLst/>
+            <a:gdLst/>
+            <a:ahLst/>
+            <a:cxnLst/>
+            <a:rect l="l" t="t" r="r" b="b"/>
+            <a:pathLst>
+              <a:path w="3526643" h="3436874">
+                <a:moveTo>
+                  <a:pt x="0" y="0"/>
+                </a:moveTo>
+                <a:lnTo>
+                  <a:pt x="3526643" y="0"/>
+                </a:lnTo>
+                <a:lnTo>
+                  <a:pt x="3526643" y="3436874"/>
+                </a:lnTo>
+                <a:lnTo>
+                  <a:pt x="0" y="3436874"/>
+                </a:lnTo>
+                <a:lnTo>
+                  <a:pt x="0" y="0"/>
+                </a:lnTo>
+                <a:close/>
+              </a:path>
+            </a:pathLst>
+          </a:custGeom>
+          <a:blipFill>
+            <a:blip r:embed="rId2">
+              <a:extLst>
+                <a:ext uri="{96DAC541-7B7A-43D3-8B79-37D633B846F1}">
+                  <asvg:svgBlip xmlns:asvg="http://schemas.microsoft.com/office/drawing/2016/SVG/main" r:embed="rId3"/>
+                </a:ext>
+              </a:extLst>
+            </a:blip>
+            <a:stretch>
+              <a:fillRect/>
+            </a:stretch>
+          </a:blipFill>
+        </p:spPr>
+        <p:txBody>
+          <a:bodyPr/>
+          <a:lstStyle/>
+          <a:p>
+            <a:endParaRPr lang="pt-BR"/>
+          </a:p>
+        </p:txBody>
+      </p:sp>
+      <p:sp>
+        <p:nvSpPr>
+          <p:cNvPr id="3" name="TextBox 3"/>
+          <p:cNvSpPr txBox="1"/>
+          <p:nvPr/>
+        </p:nvSpPr>
+        <p:spPr>
+          <a:xfrm>
+            <a:off x="7370819" y="1382593"/>
+            <a:ext cx="3546362" cy="854075"/>
+          </a:xfrm>
+          <a:prstGeom prst="rect">
+            <a:avLst/>
+          </a:prstGeom>
+        </p:spPr>
+        <p:txBody>
+          <a:bodyPr lIns="0" tIns="0" rIns="0" bIns="0" rtlCol="0" anchor="t">
+            <a:spAutoFit/>
+          </a:bodyPr>
+          <a:lstStyle/>
+          <a:p>
+            <a:pPr marL="0" lvl="0" indent="0" algn="l">
+              <a:lnSpc>
+                <a:spcPts val="7000"/>
+              </a:lnSpc>
+              <a:spcBef>
+                <a:spcPct val="0"/>
+              </a:spcBef>
+            </a:pPr>
+            <a:r>
+              <a:rPr lang="en-US" sz="5000" spc="-240" dirty="0">
+                <a:solidFill>
+                  <a:srgbClr val="FFFFFF"/>
+                </a:solidFill>
+                <a:latin typeface="Verdana Pro"/>
+                <a:ea typeface="Verdana Pro"/>
+                <a:cs typeface="Verdana Pro"/>
+                <a:sym typeface="Verdana Pro"/>
+              </a:rPr>
+              <a:t>OBJETIVO</a:t>
+            </a:r>
+          </a:p>
+        </p:txBody>
+      </p:sp>
+      <p:sp>
+        <p:nvSpPr>
+          <p:cNvPr id="4" name="Freeform 4"/>
+          <p:cNvSpPr/>
+          <p:nvPr/>
+        </p:nvSpPr>
+        <p:spPr>
+          <a:xfrm rot="-2700000">
+            <a:off x="-1763322" y="-681241"/>
+            <a:ext cx="3526643" cy="3436874"/>
+          </a:xfrm>
+          <a:custGeom>
+            <a:avLst/>
+            <a:gdLst/>
+            <a:ahLst/>
+            <a:cxnLst/>
+            <a:rect l="l" t="t" r="r" b="b"/>
+            <a:pathLst>
+              <a:path w="3526643" h="3436874">
+                <a:moveTo>
+                  <a:pt x="0" y="0"/>
+                </a:moveTo>
+                <a:lnTo>
+                  <a:pt x="3526644" y="0"/>
+                </a:lnTo>
+                <a:lnTo>
+                  <a:pt x="3526644" y="3436874"/>
+                </a:lnTo>
+                <a:lnTo>
+                  <a:pt x="0" y="3436874"/>
+                </a:lnTo>
+                <a:lnTo>
+                  <a:pt x="0" y="0"/>
+                </a:lnTo>
+                <a:close/>
+              </a:path>
+            </a:pathLst>
+          </a:custGeom>
+          <a:blipFill>
+            <a:blip r:embed="rId2">
+              <a:extLst>
+                <a:ext uri="{96DAC541-7B7A-43D3-8B79-37D633B846F1}">
+                  <asvg:svgBlip xmlns:asvg="http://schemas.microsoft.com/office/drawing/2016/SVG/main" r:embed="rId3"/>
+                </a:ext>
+              </a:extLst>
+            </a:blip>
+            <a:stretch>
+              <a:fillRect/>
+            </a:stretch>
+          </a:blipFill>
+        </p:spPr>
+        <p:txBody>
+          <a:bodyPr/>
+          <a:lstStyle/>
+          <a:p>
+            <a:endParaRPr lang="pt-BR"/>
+          </a:p>
+        </p:txBody>
+      </p:sp>
+      <p:sp>
+        <p:nvSpPr>
+          <p:cNvPr id="5" name="TextBox 5"/>
+          <p:cNvSpPr txBox="1"/>
+          <p:nvPr/>
+        </p:nvSpPr>
+        <p:spPr>
+          <a:xfrm>
+            <a:off x="2152650" y="3848100"/>
+            <a:ext cx="13982700" cy="2308324"/>
+          </a:xfrm>
+          <a:prstGeom prst="rect">
+            <a:avLst/>
+          </a:prstGeom>
+        </p:spPr>
+        <p:txBody>
+          <a:bodyPr wrap="square" lIns="0" tIns="0" rIns="0" bIns="0" rtlCol="0" anchor="t">
+            <a:spAutoFit/>
+          </a:bodyPr>
+          <a:lstStyle/>
+          <a:p>
+            <a:pPr marL="0" marR="0" lvl="0" indent="0" algn="l" defTabSz="914400" rtl="0" eaLnBrk="0" fontAlgn="base" latinLnBrk="0" hangingPunct="0">
+              <a:lnSpc>
+                <a:spcPct val="100000"/>
+              </a:lnSpc>
+              <a:spcBef>
+                <a:spcPct val="0"/>
+              </a:spcBef>
+              <a:spcAft>
+                <a:spcPct val="0"/>
+              </a:spcAft>
+              <a:buClrTx/>
+              <a:buSzTx/>
+              <a:buFontTx/>
+              <a:buChar char="•"/>
+              <a:tabLst/>
+            </a:pPr>
+            <a:r>
+              <a:rPr lang="pt-BR" altLang="pt-BR" sz="2500" spc="-168" dirty="0">
+                <a:solidFill>
+                  <a:srgbClr val="FFFFFF"/>
+                </a:solidFill>
+                <a:latin typeface="Verdana Pro"/>
+              </a:rPr>
+              <a:t>ANALISAR OS COMENTÁRIOS DE NPS DA MRV PARA EXTRAIR FATORES CRÍTICOS DE SATISFAÇÃO E INSATISFAÇÃO.</a:t>
+            </a:r>
+          </a:p>
+          <a:p>
+            <a:pPr marL="0" marR="0" lvl="0" indent="0" algn="l" defTabSz="914400" rtl="0" eaLnBrk="0" fontAlgn="base" latinLnBrk="0" hangingPunct="0">
+              <a:lnSpc>
+                <a:spcPct val="100000"/>
+              </a:lnSpc>
+              <a:spcBef>
+                <a:spcPct val="0"/>
+              </a:spcBef>
+              <a:spcAft>
+                <a:spcPct val="0"/>
+              </a:spcAft>
+              <a:buClrTx/>
+              <a:buSzTx/>
+              <a:buFontTx/>
+              <a:buChar char="•"/>
+              <a:tabLst/>
+            </a:pPr>
+            <a:endParaRPr lang="pt-BR" altLang="pt-BR" sz="2500" spc="-168" dirty="0">
+              <a:solidFill>
+                <a:srgbClr val="FFFFFF"/>
+              </a:solidFill>
+              <a:latin typeface="Verdana Pro"/>
+            </a:endParaRPr>
+          </a:p>
+          <a:p>
+            <a:pPr marL="0" marR="0" lvl="0" indent="0" algn="l" defTabSz="914400" rtl="0" eaLnBrk="0" fontAlgn="base" latinLnBrk="0" hangingPunct="0">
+              <a:lnSpc>
+                <a:spcPct val="100000"/>
+              </a:lnSpc>
+              <a:spcBef>
+                <a:spcPct val="0"/>
+              </a:spcBef>
+              <a:spcAft>
+                <a:spcPct val="0"/>
+              </a:spcAft>
+              <a:buClrTx/>
+              <a:buSzTx/>
+              <a:buFontTx/>
+              <a:buChar char="•"/>
+              <a:tabLst/>
+            </a:pPr>
+            <a:r>
+              <a:rPr lang="pt-BR" altLang="pt-BR" sz="2500" spc="-168" dirty="0">
+                <a:solidFill>
+                  <a:srgbClr val="FFFFFF"/>
+                </a:solidFill>
+                <a:latin typeface="Verdana Pro"/>
+              </a:rPr>
+              <a:t>MAPEAR CONCORRENTES POR SCRAPING E COMPARAR PRODUTOS.</a:t>
+            </a:r>
+          </a:p>
+          <a:p>
+            <a:pPr marL="0" marR="0" lvl="0" indent="0" algn="l" defTabSz="914400" rtl="0" eaLnBrk="0" fontAlgn="base" latinLnBrk="0" hangingPunct="0">
+              <a:lnSpc>
+                <a:spcPct val="100000"/>
+              </a:lnSpc>
+              <a:spcBef>
+                <a:spcPct val="0"/>
+              </a:spcBef>
+              <a:spcAft>
+                <a:spcPct val="0"/>
+              </a:spcAft>
+              <a:buClrTx/>
+              <a:buSzTx/>
+              <a:buFontTx/>
+              <a:buChar char="•"/>
+              <a:tabLst/>
+            </a:pPr>
+            <a:endParaRPr lang="pt-BR" altLang="pt-BR" sz="2500" spc="-168" dirty="0">
+              <a:solidFill>
+                <a:srgbClr val="FFFFFF"/>
+              </a:solidFill>
+              <a:latin typeface="Verdana Pro"/>
+            </a:endParaRPr>
+          </a:p>
+          <a:p>
+            <a:pPr marL="0" marR="0" lvl="0" indent="0" algn="l" defTabSz="914400" rtl="0" eaLnBrk="0" fontAlgn="base" latinLnBrk="0" hangingPunct="0">
+              <a:lnSpc>
+                <a:spcPct val="100000"/>
+              </a:lnSpc>
+              <a:spcBef>
+                <a:spcPct val="0"/>
+              </a:spcBef>
+              <a:spcAft>
+                <a:spcPct val="0"/>
+              </a:spcAft>
+              <a:buClrTx/>
+              <a:buSzTx/>
+              <a:buFontTx/>
+              <a:buChar char="•"/>
+              <a:tabLst/>
+            </a:pPr>
+            <a:r>
+              <a:rPr lang="pt-BR" altLang="pt-BR" sz="2500" spc="-168" dirty="0">
+                <a:solidFill>
+                  <a:srgbClr val="FFFFFF"/>
+                </a:solidFill>
+                <a:latin typeface="Verdana Pro"/>
+              </a:rPr>
+              <a:t>GERAR RECOMENDAÇÕES DE POSICIONAMENTO PARA A EMPRESA.</a:t>
+            </a:r>
+          </a:p>
+        </p:txBody>
+      </p:sp>
+      <p:sp>
+        <p:nvSpPr>
+          <p:cNvPr id="6" name="Freeform 6"/>
+          <p:cNvSpPr/>
+          <p:nvPr/>
+        </p:nvSpPr>
+        <p:spPr>
+          <a:xfrm>
+            <a:off x="14653915" y="314510"/>
+            <a:ext cx="2831428" cy="1068083"/>
+          </a:xfrm>
+          <a:custGeom>
+            <a:avLst/>
+            <a:gdLst/>
+            <a:ahLst/>
+            <a:cxnLst/>
+            <a:rect l="l" t="t" r="r" b="b"/>
+            <a:pathLst>
+              <a:path w="2831428" h="1068083">
+                <a:moveTo>
+                  <a:pt x="0" y="0"/>
+                </a:moveTo>
+                <a:lnTo>
+                  <a:pt x="2831429" y="0"/>
+                </a:lnTo>
+                <a:lnTo>
+                  <a:pt x="2831429" y="1068084"/>
+                </a:lnTo>
+                <a:lnTo>
+                  <a:pt x="0" y="1068084"/>
+                </a:lnTo>
+                <a:lnTo>
+                  <a:pt x="0" y="0"/>
+                </a:lnTo>
+                <a:close/>
+              </a:path>
+            </a:pathLst>
+          </a:custGeom>
+          <a:blipFill>
+            <a:blip r:embed="rId4">
+              <a:alphaModFix amt="81000"/>
+            </a:blip>
+            <a:stretch>
+              <a:fillRect/>
+            </a:stretch>
+          </a:blipFill>
+        </p:spPr>
+        <p:txBody>
+          <a:bodyPr/>
+          <a:lstStyle/>
+          <a:p>
+            <a:endParaRPr lang="pt-BR"/>
+          </a:p>
+        </p:txBody>
+      </p:sp>
+    </p:spTree>
+  </p:cSld>
+  <p:clrMapOvr>
+    <a:masterClrMapping/>
+  </p:clrMapOvr>
+</p:sld>
+</file>
+
+<file path=ppt/slides/slide3.xml><?xml version="1.0" encoding="utf-8"?>
+<p:sld xmlns:a="http://schemas.openxmlformats.org/drawingml/2006/main" xmlns:r="http://schemas.openxmlformats.org/officeDocument/2006/relationships" xmlns:p="http://schemas.openxmlformats.org/presentationml/2006/main">
+  <p:cSld>
+    <p:bg>
+      <p:bgPr>
+        <a:solidFill>
+          <a:srgbClr val="006B3F"/>
+        </a:solidFill>
+        <a:effectLst/>
+      </p:bgPr>
+    </p:bg>
+    <p:spTree>
+      <p:nvGrpSpPr>
+        <p:cNvPr id="1" name="">
+          <a:extLst>
+            <a:ext uri="{FF2B5EF4-FFF2-40B4-BE49-F238E27FC236}">
+              <a16:creationId xmlns:a16="http://schemas.microsoft.com/office/drawing/2014/main" id="{FE08E14F-6EA2-2869-79EF-E737F679EE4B}"/>
+            </a:ext>
+          </a:extLst>
+        </p:cNvPr>
+        <p:cNvGrpSpPr/>
+        <p:nvPr/>
+      </p:nvGrpSpPr>
+      <p:grpSpPr>
+        <a:xfrm>
+          <a:off x="0" y="0"/>
+          <a:ext cx="0" cy="0"/>
+          <a:chOff x="0" y="0"/>
+          <a:chExt cx="0" cy="0"/>
+        </a:xfrm>
+      </p:grpSpPr>
+      <p:sp>
+        <p:nvSpPr>
+          <p:cNvPr id="2" name="Freeform 2">
+            <a:extLst>
+              <a:ext uri="{FF2B5EF4-FFF2-40B4-BE49-F238E27FC236}">
+                <a16:creationId xmlns:a16="http://schemas.microsoft.com/office/drawing/2014/main" id="{6B3B2382-D58E-820A-D6CD-A504CB402C44}"/>
+              </a:ext>
+            </a:extLst>
+          </p:cNvPr>
+          <p:cNvSpPr/>
+          <p:nvPr/>
+        </p:nvSpPr>
+        <p:spPr>
+          <a:xfrm rot="-2700000">
+            <a:off x="16213252" y="7043585"/>
+            <a:ext cx="3526643" cy="3436874"/>
+          </a:xfrm>
+          <a:custGeom>
+            <a:avLst/>
+            <a:gdLst/>
+            <a:ahLst/>
+            <a:cxnLst/>
+            <a:rect l="l" t="t" r="r" b="b"/>
+            <a:pathLst>
+              <a:path w="3526643" h="3436874">
+                <a:moveTo>
+                  <a:pt x="0" y="0"/>
+                </a:moveTo>
+                <a:lnTo>
+                  <a:pt x="3526643" y="0"/>
+                </a:lnTo>
+                <a:lnTo>
+                  <a:pt x="3526643" y="3436874"/>
+                </a:lnTo>
+                <a:lnTo>
+                  <a:pt x="0" y="3436874"/>
+                </a:lnTo>
+                <a:lnTo>
+                  <a:pt x="0" y="0"/>
+                </a:lnTo>
+                <a:close/>
+              </a:path>
+            </a:pathLst>
+          </a:custGeom>
+          <a:blipFill>
+            <a:blip r:embed="rId2">
+              <a:extLst>
+                <a:ext uri="{96DAC541-7B7A-43D3-8B79-37D633B846F1}">
+                  <asvg:svgBlip xmlns:asvg="http://schemas.microsoft.com/office/drawing/2016/SVG/main" r:embed="rId3"/>
+                </a:ext>
+              </a:extLst>
+            </a:blip>
+            <a:stretch>
+              <a:fillRect/>
+            </a:stretch>
+          </a:blipFill>
+        </p:spPr>
+        <p:txBody>
+          <a:bodyPr/>
+          <a:lstStyle/>
+          <a:p>
+            <a:endParaRPr lang="pt-BR"/>
+          </a:p>
+        </p:txBody>
+      </p:sp>
+      <p:sp>
+        <p:nvSpPr>
+          <p:cNvPr id="3" name="TextBox 3">
+            <a:extLst>
+              <a:ext uri="{FF2B5EF4-FFF2-40B4-BE49-F238E27FC236}">
+                <a16:creationId xmlns:a16="http://schemas.microsoft.com/office/drawing/2014/main" id="{7686C9FA-88F4-5C2E-443E-DBF5208368B6}"/>
+              </a:ext>
+            </a:extLst>
+          </p:cNvPr>
+          <p:cNvSpPr txBox="1"/>
+          <p:nvPr/>
+        </p:nvSpPr>
+        <p:spPr>
+          <a:xfrm>
+            <a:off x="3771900" y="1382593"/>
+            <a:ext cx="10744200" cy="806183"/>
+          </a:xfrm>
+          <a:prstGeom prst="rect">
+            <a:avLst/>
+          </a:prstGeom>
+        </p:spPr>
+        <p:txBody>
+          <a:bodyPr wrap="square" lIns="0" tIns="0" rIns="0" bIns="0" rtlCol="0" anchor="t">
+            <a:spAutoFit/>
+          </a:bodyPr>
+          <a:lstStyle/>
+          <a:p>
+            <a:pPr marL="0" lvl="0" indent="0" algn="l">
+              <a:lnSpc>
+                <a:spcPts val="7000"/>
+              </a:lnSpc>
+              <a:spcBef>
+                <a:spcPct val="0"/>
+              </a:spcBef>
+            </a:pPr>
+            <a:r>
+              <a:rPr lang="pt-BR" sz="5000" spc="-240" dirty="0">
+                <a:solidFill>
+                  <a:srgbClr val="FFFFFF"/>
+                </a:solidFill>
+                <a:latin typeface="Verdana Pro"/>
+              </a:rPr>
+              <a:t>DISTRIBUIÇÃO DOS SENTIMENTOS</a:t>
+            </a:r>
+            <a:endParaRPr lang="en-US" sz="5000" spc="-240" dirty="0">
+              <a:solidFill>
+                <a:srgbClr val="FFFFFF"/>
+              </a:solidFill>
+              <a:latin typeface="Verdana Pro"/>
+              <a:sym typeface="Verdana Pro"/>
+            </a:endParaRPr>
+          </a:p>
+        </p:txBody>
+      </p:sp>
+      <p:sp>
+        <p:nvSpPr>
+          <p:cNvPr id="4" name="Freeform 4">
+            <a:extLst>
+              <a:ext uri="{FF2B5EF4-FFF2-40B4-BE49-F238E27FC236}">
+                <a16:creationId xmlns:a16="http://schemas.microsoft.com/office/drawing/2014/main" id="{A50421B5-4841-849F-AD10-3D4E6BD0A817}"/>
+              </a:ext>
+            </a:extLst>
+          </p:cNvPr>
+          <p:cNvSpPr/>
+          <p:nvPr/>
+        </p:nvSpPr>
+        <p:spPr>
+          <a:xfrm rot="-2700000">
+            <a:off x="-1763322" y="-681241"/>
+            <a:ext cx="3526643" cy="3436874"/>
+          </a:xfrm>
+          <a:custGeom>
+            <a:avLst/>
+            <a:gdLst/>
+            <a:ahLst/>
+            <a:cxnLst/>
+            <a:rect l="l" t="t" r="r" b="b"/>
+            <a:pathLst>
+              <a:path w="3526643" h="3436874">
+                <a:moveTo>
+                  <a:pt x="0" y="0"/>
+                </a:moveTo>
+                <a:lnTo>
+                  <a:pt x="3526644" y="0"/>
+                </a:lnTo>
+                <a:lnTo>
+                  <a:pt x="3526644" y="3436874"/>
+                </a:lnTo>
+                <a:lnTo>
+                  <a:pt x="0" y="3436874"/>
+                </a:lnTo>
+                <a:lnTo>
+                  <a:pt x="0" y="0"/>
+                </a:lnTo>
+                <a:close/>
+              </a:path>
+            </a:pathLst>
+          </a:custGeom>
+          <a:blipFill>
+            <a:blip r:embed="rId2">
+              <a:extLst>
+                <a:ext uri="{96DAC541-7B7A-43D3-8B79-37D633B846F1}">
+                  <asvg:svgBlip xmlns:asvg="http://schemas.microsoft.com/office/drawing/2016/SVG/main" r:embed="rId3"/>
+                </a:ext>
+              </a:extLst>
+            </a:blip>
+            <a:stretch>
+              <a:fillRect/>
+            </a:stretch>
+          </a:blipFill>
+        </p:spPr>
+        <p:txBody>
+          <a:bodyPr/>
+          <a:lstStyle/>
+          <a:p>
+            <a:endParaRPr lang="pt-BR"/>
+          </a:p>
+        </p:txBody>
+      </p:sp>
+      <p:sp>
+        <p:nvSpPr>
+          <p:cNvPr id="5" name="TextBox 5">
+            <a:extLst>
+              <a:ext uri="{FF2B5EF4-FFF2-40B4-BE49-F238E27FC236}">
+                <a16:creationId xmlns:a16="http://schemas.microsoft.com/office/drawing/2014/main" id="{7F226644-693A-78FD-FE27-1E5EE2616CC9}"/>
+              </a:ext>
+            </a:extLst>
+          </p:cNvPr>
+          <p:cNvSpPr txBox="1"/>
+          <p:nvPr/>
+        </p:nvSpPr>
+        <p:spPr>
+          <a:xfrm>
+            <a:off x="2152650" y="2268066"/>
+            <a:ext cx="13982700" cy="1231106"/>
+          </a:xfrm>
+          <a:prstGeom prst="rect">
+            <a:avLst/>
+          </a:prstGeom>
+        </p:spPr>
+        <p:txBody>
+          <a:bodyPr wrap="square" lIns="0" tIns="0" rIns="0" bIns="0" rtlCol="0" anchor="t">
+            <a:spAutoFit/>
+          </a:bodyPr>
+          <a:lstStyle/>
+          <a:p>
+            <a:pPr marL="0" marR="0" lvl="0" indent="0" algn="ctr" defTabSz="914400" rtl="0" eaLnBrk="0" fontAlgn="base" latinLnBrk="0" hangingPunct="0">
+              <a:lnSpc>
+                <a:spcPct val="100000"/>
+              </a:lnSpc>
+              <a:spcBef>
+                <a:spcPct val="0"/>
+              </a:spcBef>
+              <a:spcAft>
+                <a:spcPct val="0"/>
+              </a:spcAft>
+              <a:buClrTx/>
+              <a:buSzTx/>
+              <a:tabLst/>
+            </a:pPr>
+            <a:r>
+              <a:rPr lang="pt-BR" sz="2000" dirty="0"/>
+              <a:t>💡 </a:t>
+            </a:r>
+            <a:r>
+              <a:rPr lang="pt-BR" sz="2000" spc="-168" dirty="0">
+                <a:solidFill>
+                  <a:srgbClr val="FFFFFF"/>
+                </a:solidFill>
+                <a:latin typeface="Verdana Pro"/>
+              </a:rPr>
+              <a:t>INSIGHT: </a:t>
+            </a:r>
+          </a:p>
+          <a:p>
+            <a:pPr marL="0" marR="0" lvl="0" indent="0" algn="just" defTabSz="914400" rtl="0" eaLnBrk="0" fontAlgn="base" latinLnBrk="0" hangingPunct="0">
+              <a:lnSpc>
+                <a:spcPct val="100000"/>
+              </a:lnSpc>
+              <a:spcBef>
+                <a:spcPct val="0"/>
+              </a:spcBef>
+              <a:spcAft>
+                <a:spcPct val="0"/>
+              </a:spcAft>
+              <a:buClrTx/>
+              <a:buSzTx/>
+              <a:tabLst/>
+            </a:pPr>
+            <a:endParaRPr lang="pt-BR" sz="2000" spc="-168" dirty="0">
+              <a:solidFill>
+                <a:srgbClr val="FFFFFF"/>
+              </a:solidFill>
+              <a:latin typeface="Verdana Pro"/>
+            </a:endParaRPr>
+          </a:p>
+          <a:p>
+            <a:pPr marL="342900" marR="0" lvl="0" indent="-342900" algn="just" defTabSz="914400" rtl="0" eaLnBrk="0" fontAlgn="base" latinLnBrk="0" hangingPunct="0">
+              <a:lnSpc>
+                <a:spcPct val="100000"/>
+              </a:lnSpc>
+              <a:spcBef>
+                <a:spcPct val="0"/>
+              </a:spcBef>
+              <a:spcAft>
+                <a:spcPct val="0"/>
+              </a:spcAft>
+              <a:buClrTx/>
+              <a:buSzTx/>
+              <a:buFont typeface="Arial" panose="020B0604020202020204" pitchFamily="34" charset="0"/>
+              <a:buChar char="•"/>
+              <a:tabLst/>
+            </a:pPr>
+            <a:r>
+              <a:rPr lang="pt-BR" sz="2000" spc="-168" dirty="0">
+                <a:solidFill>
+                  <a:srgbClr val="FFFFFF"/>
+                </a:solidFill>
+                <a:latin typeface="Verdana Pro"/>
+              </a:rPr>
+              <a:t>A MAIORIA DOS COMENTÁRIOS É POSITIVA (PROMOTORES), MAS AINDA HÁ DETRATORES RELEVANTES QUE IMPACTAM O NPS GERAL</a:t>
+            </a:r>
+            <a:endParaRPr lang="pt-BR" altLang="pt-BR" sz="2000" spc="-168" dirty="0">
+              <a:solidFill>
+                <a:srgbClr val="FFFFFF"/>
+              </a:solidFill>
+              <a:latin typeface="Verdana Pro"/>
+            </a:endParaRPr>
+          </a:p>
+        </p:txBody>
+      </p:sp>
+      <p:sp>
+        <p:nvSpPr>
+          <p:cNvPr id="6" name="Freeform 6">
+            <a:extLst>
+              <a:ext uri="{FF2B5EF4-FFF2-40B4-BE49-F238E27FC236}">
+                <a16:creationId xmlns:a16="http://schemas.microsoft.com/office/drawing/2014/main" id="{7121FF26-94FF-856E-5DDA-A955A1CEDAA2}"/>
+              </a:ext>
+            </a:extLst>
+          </p:cNvPr>
+          <p:cNvSpPr/>
+          <p:nvPr/>
+        </p:nvSpPr>
+        <p:spPr>
+          <a:xfrm>
+            <a:off x="14653915" y="314510"/>
+            <a:ext cx="2831428" cy="1068083"/>
+          </a:xfrm>
+          <a:custGeom>
+            <a:avLst/>
+            <a:gdLst/>
+            <a:ahLst/>
+            <a:cxnLst/>
+            <a:rect l="l" t="t" r="r" b="b"/>
+            <a:pathLst>
+              <a:path w="2831428" h="1068083">
+                <a:moveTo>
+                  <a:pt x="0" y="0"/>
+                </a:moveTo>
+                <a:lnTo>
+                  <a:pt x="2831429" y="0"/>
+                </a:lnTo>
+                <a:lnTo>
+                  <a:pt x="2831429" y="1068084"/>
+                </a:lnTo>
+                <a:lnTo>
+                  <a:pt x="0" y="1068084"/>
+                </a:lnTo>
+                <a:lnTo>
+                  <a:pt x="0" y="0"/>
+                </a:lnTo>
+                <a:close/>
+              </a:path>
+            </a:pathLst>
+          </a:custGeom>
+          <a:blipFill>
+            <a:blip r:embed="rId4">
+              <a:alphaModFix amt="81000"/>
+            </a:blip>
+            <a:stretch>
+              <a:fillRect/>
+            </a:stretch>
+          </a:blipFill>
+        </p:spPr>
+        <p:txBody>
+          <a:bodyPr/>
+          <a:lstStyle/>
+          <a:p>
+            <a:endParaRPr lang="pt-BR"/>
+          </a:p>
+        </p:txBody>
+      </p:sp>
+      <p:pic>
+        <p:nvPicPr>
+          <p:cNvPr id="8" name="Imagem 7" descr="Gráfico, Gráfico de barras&#10;&#10;O conteúdo gerado por IA pode estar incorreto.">
+            <a:extLst>
+              <a:ext uri="{FF2B5EF4-FFF2-40B4-BE49-F238E27FC236}">
+                <a16:creationId xmlns:a16="http://schemas.microsoft.com/office/drawing/2014/main" id="{B5AB1246-8496-3BC7-7ADE-352795B0C134}"/>
+              </a:ext>
+            </a:extLst>
+          </p:cNvPr>
+          <p:cNvPicPr>
+            <a:picLocks noChangeAspect="1"/>
+          </p:cNvPicPr>
+          <p:nvPr/>
+        </p:nvPicPr>
+        <p:blipFill>
+          <a:blip r:embed="rId5">
+            <a:extLst>
+              <a:ext uri="{28A0092B-C50C-407E-A947-70E740481C1C}">
+                <a14:useLocalDpi xmlns:a14="http://schemas.microsoft.com/office/drawing/2010/main" val="0"/>
+              </a:ext>
+            </a:extLst>
+          </a:blip>
+          <a:stretch>
+            <a:fillRect/>
+          </a:stretch>
+        </p:blipFill>
+        <p:spPr>
+          <a:xfrm>
+            <a:off x="4029549" y="3773830"/>
+            <a:ext cx="9381651" cy="6197417"/>
+          </a:xfrm>
+          <a:prstGeom prst="rect">
+            <a:avLst/>
+          </a:prstGeom>
+        </p:spPr>
+      </p:pic>
+    </p:spTree>
+    <p:extLst>
+      <p:ext uri="{BB962C8B-B14F-4D97-AF65-F5344CB8AC3E}">
+        <p14:creationId xmlns:p14="http://schemas.microsoft.com/office/powerpoint/2010/main" val="3749334102"/>
+      </p:ext>
+    </p:extLst>
+  </p:cSld>
+  <p:clrMapOvr>
+    <a:masterClrMapping/>
+  </p:clrMapOvr>
+</p:sld>
+</file>
+
+<file path=ppt/slides/slide4.xml><?xml version="1.0" encoding="utf-8"?>
+<p:sld xmlns:a="http://schemas.openxmlformats.org/drawingml/2006/main" xmlns:r="http://schemas.openxmlformats.org/officeDocument/2006/relationships" xmlns:p="http://schemas.openxmlformats.org/presentationml/2006/main">
+  <p:cSld>
+    <p:bg>
+      <p:bgPr>
+        <a:solidFill>
+          <a:srgbClr val="006B3F"/>
+        </a:solidFill>
+        <a:effectLst/>
+      </p:bgPr>
+    </p:bg>
+    <p:spTree>
+      <p:nvGrpSpPr>
+        <p:cNvPr id="1" name="">
+          <a:extLst>
+            <a:ext uri="{FF2B5EF4-FFF2-40B4-BE49-F238E27FC236}">
+              <a16:creationId xmlns:a16="http://schemas.microsoft.com/office/drawing/2014/main" id="{1FCE5F4A-183F-275D-3CCE-BDD203EF93BD}"/>
+            </a:ext>
+          </a:extLst>
+        </p:cNvPr>
+        <p:cNvGrpSpPr/>
+        <p:nvPr/>
+      </p:nvGrpSpPr>
+      <p:grpSpPr>
+        <a:xfrm>
+          <a:off x="0" y="0"/>
+          <a:ext cx="0" cy="0"/>
+          <a:chOff x="0" y="0"/>
+          <a:chExt cx="0" cy="0"/>
+        </a:xfrm>
+      </p:grpSpPr>
+      <p:sp>
+        <p:nvSpPr>
+          <p:cNvPr id="2" name="Freeform 2">
+            <a:extLst>
+              <a:ext uri="{FF2B5EF4-FFF2-40B4-BE49-F238E27FC236}">
+                <a16:creationId xmlns:a16="http://schemas.microsoft.com/office/drawing/2014/main" id="{CC320B68-D624-9B4A-CDEA-DDFAEE258D59}"/>
+              </a:ext>
+            </a:extLst>
+          </p:cNvPr>
+          <p:cNvSpPr/>
+          <p:nvPr/>
+        </p:nvSpPr>
+        <p:spPr>
+          <a:xfrm rot="-2700000">
+            <a:off x="16213252" y="7043585"/>
+            <a:ext cx="3526643" cy="3436874"/>
+          </a:xfrm>
+          <a:custGeom>
+            <a:avLst/>
+            <a:gdLst/>
+            <a:ahLst/>
+            <a:cxnLst/>
+            <a:rect l="l" t="t" r="r" b="b"/>
+            <a:pathLst>
+              <a:path w="3526643" h="3436874">
+                <a:moveTo>
+                  <a:pt x="0" y="0"/>
+                </a:moveTo>
+                <a:lnTo>
+                  <a:pt x="3526643" y="0"/>
+                </a:lnTo>
+                <a:lnTo>
+                  <a:pt x="3526643" y="3436874"/>
+                </a:lnTo>
+                <a:lnTo>
+                  <a:pt x="0" y="3436874"/>
+                </a:lnTo>
+                <a:lnTo>
+                  <a:pt x="0" y="0"/>
+                </a:lnTo>
+                <a:close/>
+              </a:path>
+            </a:pathLst>
+          </a:custGeom>
+          <a:blipFill>
+            <a:blip r:embed="rId2">
+              <a:extLst>
+                <a:ext uri="{96DAC541-7B7A-43D3-8B79-37D633B846F1}">
+                  <asvg:svgBlip xmlns:asvg="http://schemas.microsoft.com/office/drawing/2016/SVG/main" r:embed="rId3"/>
+                </a:ext>
+              </a:extLst>
+            </a:blip>
+            <a:stretch>
+              <a:fillRect/>
+            </a:stretch>
+          </a:blipFill>
+        </p:spPr>
+        <p:txBody>
+          <a:bodyPr/>
+          <a:lstStyle/>
+          <a:p>
+            <a:endParaRPr lang="pt-BR"/>
+          </a:p>
+        </p:txBody>
+      </p:sp>
+      <p:sp>
+        <p:nvSpPr>
+          <p:cNvPr id="3" name="TextBox 3">
+            <a:extLst>
+              <a:ext uri="{FF2B5EF4-FFF2-40B4-BE49-F238E27FC236}">
+                <a16:creationId xmlns:a16="http://schemas.microsoft.com/office/drawing/2014/main" id="{B6BDDAC6-82F7-0D29-7137-DCC0A8A44BD4}"/>
+              </a:ext>
+            </a:extLst>
+          </p:cNvPr>
+          <p:cNvSpPr txBox="1"/>
+          <p:nvPr/>
+        </p:nvSpPr>
+        <p:spPr>
+          <a:xfrm>
+            <a:off x="2514600" y="1376489"/>
+            <a:ext cx="13258800" cy="1703864"/>
+          </a:xfrm>
+          <a:prstGeom prst="rect">
+            <a:avLst/>
+          </a:prstGeom>
+        </p:spPr>
+        <p:txBody>
+          <a:bodyPr wrap="square" lIns="0" tIns="0" rIns="0" bIns="0" rtlCol="0" anchor="t">
+            <a:spAutoFit/>
+          </a:bodyPr>
+          <a:lstStyle/>
+          <a:p>
+            <a:pPr marL="0" lvl="0" indent="0" algn="l">
+              <a:lnSpc>
+                <a:spcPts val="7000"/>
+              </a:lnSpc>
+              <a:spcBef>
+                <a:spcPct val="0"/>
+              </a:spcBef>
+            </a:pPr>
+            <a:r>
+              <a:rPr lang="pt-BR" sz="5000" spc="-240" dirty="0">
+                <a:solidFill>
+                  <a:srgbClr val="FFFFFF"/>
+                </a:solidFill>
+                <a:latin typeface="Verdana Pro"/>
+              </a:rPr>
+              <a:t>VARIAÇÃO MENSAL DOS SENTIMENTOS</a:t>
+            </a:r>
+            <a:br>
+              <a:rPr lang="pt-BR" sz="5000" spc="-240" dirty="0">
+                <a:solidFill>
+                  <a:srgbClr val="FFFFFF"/>
+                </a:solidFill>
+                <a:latin typeface="Verdana Pro"/>
+              </a:rPr>
+            </a:br>
+            <a:endParaRPr lang="en-US" sz="5000" spc="-240" dirty="0">
+              <a:solidFill>
+                <a:srgbClr val="FFFFFF"/>
+              </a:solidFill>
+              <a:latin typeface="Verdana Pro"/>
+              <a:sym typeface="Verdana Pro"/>
+            </a:endParaRPr>
+          </a:p>
+        </p:txBody>
+      </p:sp>
+      <p:sp>
+        <p:nvSpPr>
+          <p:cNvPr id="4" name="Freeform 4">
+            <a:extLst>
+              <a:ext uri="{FF2B5EF4-FFF2-40B4-BE49-F238E27FC236}">
+                <a16:creationId xmlns:a16="http://schemas.microsoft.com/office/drawing/2014/main" id="{955BE178-3EBC-1A64-0233-92527766A48D}"/>
+              </a:ext>
+            </a:extLst>
+          </p:cNvPr>
+          <p:cNvSpPr/>
+          <p:nvPr/>
+        </p:nvSpPr>
+        <p:spPr>
+          <a:xfrm rot="-2700000">
+            <a:off x="-1763322" y="-681241"/>
+            <a:ext cx="3526643" cy="3436874"/>
+          </a:xfrm>
+          <a:custGeom>
+            <a:avLst/>
+            <a:gdLst/>
+            <a:ahLst/>
+            <a:cxnLst/>
+            <a:rect l="l" t="t" r="r" b="b"/>
+            <a:pathLst>
+              <a:path w="3526643" h="3436874">
+                <a:moveTo>
+                  <a:pt x="0" y="0"/>
+                </a:moveTo>
+                <a:lnTo>
+                  <a:pt x="3526644" y="0"/>
+                </a:lnTo>
+                <a:lnTo>
+                  <a:pt x="3526644" y="3436874"/>
+                </a:lnTo>
+                <a:lnTo>
+                  <a:pt x="0" y="3436874"/>
+                </a:lnTo>
+                <a:lnTo>
+                  <a:pt x="0" y="0"/>
+                </a:lnTo>
+                <a:close/>
+              </a:path>
+            </a:pathLst>
+          </a:custGeom>
+          <a:blipFill>
+            <a:blip r:embed="rId2">
+              <a:extLst>
+                <a:ext uri="{96DAC541-7B7A-43D3-8B79-37D633B846F1}">
+                  <asvg:svgBlip xmlns:asvg="http://schemas.microsoft.com/office/drawing/2016/SVG/main" r:embed="rId3"/>
+                </a:ext>
+              </a:extLst>
+            </a:blip>
+            <a:stretch>
+              <a:fillRect/>
+            </a:stretch>
+          </a:blipFill>
+        </p:spPr>
+        <p:txBody>
+          <a:bodyPr/>
+          <a:lstStyle/>
+          <a:p>
+            <a:endParaRPr lang="pt-BR"/>
+          </a:p>
+        </p:txBody>
+      </p:sp>
+      <p:sp>
+        <p:nvSpPr>
+          <p:cNvPr id="5" name="TextBox 5">
+            <a:extLst>
+              <a:ext uri="{FF2B5EF4-FFF2-40B4-BE49-F238E27FC236}">
+                <a16:creationId xmlns:a16="http://schemas.microsoft.com/office/drawing/2014/main" id="{2D793FC8-A467-1F81-F74F-428FF3061C65}"/>
+              </a:ext>
+            </a:extLst>
+          </p:cNvPr>
+          <p:cNvSpPr txBox="1"/>
+          <p:nvPr/>
+        </p:nvSpPr>
+        <p:spPr>
+          <a:xfrm>
+            <a:off x="2152650" y="2376886"/>
+            <a:ext cx="13982700" cy="923330"/>
+          </a:xfrm>
+          <a:prstGeom prst="rect">
+            <a:avLst/>
+          </a:prstGeom>
+        </p:spPr>
+        <p:txBody>
+          <a:bodyPr wrap="square" lIns="0" tIns="0" rIns="0" bIns="0" rtlCol="0" anchor="t">
+            <a:spAutoFit/>
+          </a:bodyPr>
+          <a:lstStyle/>
+          <a:p>
+            <a:pPr marL="0" marR="0" lvl="0" indent="0" algn="ctr" defTabSz="914400" rtl="0" eaLnBrk="0" fontAlgn="base" latinLnBrk="0" hangingPunct="0">
+              <a:lnSpc>
+                <a:spcPct val="100000"/>
+              </a:lnSpc>
+              <a:spcBef>
+                <a:spcPct val="0"/>
+              </a:spcBef>
+              <a:spcAft>
+                <a:spcPct val="0"/>
+              </a:spcAft>
+              <a:buClrTx/>
+              <a:buSzTx/>
+              <a:tabLst/>
+            </a:pPr>
+            <a:r>
+              <a:rPr lang="pt-BR" sz="2000" dirty="0"/>
+              <a:t>💡 </a:t>
+            </a:r>
+            <a:r>
+              <a:rPr lang="pt-BR" sz="2000" spc="-168" dirty="0">
+                <a:solidFill>
+                  <a:srgbClr val="FFFFFF"/>
+                </a:solidFill>
+                <a:latin typeface="Verdana Pro"/>
+              </a:rPr>
+              <a:t>INSIGHT: </a:t>
+            </a:r>
+          </a:p>
+          <a:p>
+            <a:pPr marL="0" marR="0" lvl="0" indent="0" algn="just" defTabSz="914400" rtl="0" eaLnBrk="0" fontAlgn="base" latinLnBrk="0" hangingPunct="0">
+              <a:lnSpc>
+                <a:spcPct val="100000"/>
+              </a:lnSpc>
+              <a:spcBef>
+                <a:spcPct val="0"/>
+              </a:spcBef>
+              <a:spcAft>
+                <a:spcPct val="0"/>
+              </a:spcAft>
+              <a:buClrTx/>
+              <a:buSzTx/>
+              <a:tabLst/>
+            </a:pPr>
+            <a:endParaRPr lang="pt-BR" sz="2000" spc="-168" dirty="0">
+              <a:solidFill>
+                <a:srgbClr val="FFFFFF"/>
+              </a:solidFill>
+              <a:latin typeface="Verdana Pro"/>
+            </a:endParaRPr>
+          </a:p>
+          <a:p>
+            <a:pPr marL="342900" marR="0" lvl="0" indent="-342900" algn="just" defTabSz="914400" rtl="0" eaLnBrk="0" fontAlgn="base" latinLnBrk="0" hangingPunct="0">
+              <a:lnSpc>
+                <a:spcPct val="100000"/>
+              </a:lnSpc>
+              <a:spcBef>
+                <a:spcPct val="0"/>
+              </a:spcBef>
+              <a:spcAft>
+                <a:spcPct val="0"/>
+              </a:spcAft>
+              <a:buClrTx/>
+              <a:buSzTx/>
+              <a:buFont typeface="Arial" panose="020B0604020202020204" pitchFamily="34" charset="0"/>
+              <a:buChar char="•"/>
+              <a:tabLst/>
+            </a:pPr>
+            <a:r>
+              <a:rPr lang="pt-BR" sz="2000" spc="-168" dirty="0">
+                <a:solidFill>
+                  <a:srgbClr val="FFFFFF"/>
+                </a:solidFill>
+                <a:latin typeface="Verdana Pro"/>
+              </a:rPr>
+              <a:t>FLUTUAÇÕES AO LONGO DO ANO INDICAM EVENTOS SAZONAIS QUE AFETAM A EXPERIÊNCIA DOS CLIENTES.</a:t>
+            </a:r>
+            <a:endParaRPr lang="pt-BR" altLang="pt-BR" sz="2000" spc="-168" dirty="0">
+              <a:solidFill>
+                <a:srgbClr val="FFFFFF"/>
+              </a:solidFill>
+              <a:latin typeface="Verdana Pro"/>
+            </a:endParaRPr>
+          </a:p>
+        </p:txBody>
+      </p:sp>
+      <p:sp>
+        <p:nvSpPr>
+          <p:cNvPr id="6" name="Freeform 6">
+            <a:extLst>
+              <a:ext uri="{FF2B5EF4-FFF2-40B4-BE49-F238E27FC236}">
+                <a16:creationId xmlns:a16="http://schemas.microsoft.com/office/drawing/2014/main" id="{FEA8834C-D514-3E64-808A-227C0EB1672B}"/>
+              </a:ext>
+            </a:extLst>
+          </p:cNvPr>
+          <p:cNvSpPr/>
+          <p:nvPr/>
+        </p:nvSpPr>
+        <p:spPr>
+          <a:xfrm>
+            <a:off x="14653915" y="314510"/>
+            <a:ext cx="2831428" cy="1068083"/>
+          </a:xfrm>
+          <a:custGeom>
+            <a:avLst/>
+            <a:gdLst/>
+            <a:ahLst/>
+            <a:cxnLst/>
+            <a:rect l="l" t="t" r="r" b="b"/>
+            <a:pathLst>
+              <a:path w="2831428" h="1068083">
+                <a:moveTo>
+                  <a:pt x="0" y="0"/>
+                </a:moveTo>
+                <a:lnTo>
+                  <a:pt x="2831429" y="0"/>
+                </a:lnTo>
+                <a:lnTo>
+                  <a:pt x="2831429" y="1068084"/>
+                </a:lnTo>
+                <a:lnTo>
+                  <a:pt x="0" y="1068084"/>
+                </a:lnTo>
+                <a:lnTo>
+                  <a:pt x="0" y="0"/>
+                </a:lnTo>
+                <a:close/>
+              </a:path>
+            </a:pathLst>
+          </a:custGeom>
+          <a:blipFill>
+            <a:blip r:embed="rId4">
+              <a:alphaModFix amt="81000"/>
+            </a:blip>
+            <a:stretch>
+              <a:fillRect/>
+            </a:stretch>
+          </a:blipFill>
+        </p:spPr>
+        <p:txBody>
+          <a:bodyPr/>
+          <a:lstStyle/>
+          <a:p>
+            <a:endParaRPr lang="pt-BR"/>
+          </a:p>
+        </p:txBody>
+      </p:sp>
+      <p:pic>
+        <p:nvPicPr>
+          <p:cNvPr id="9" name="Imagem 8" descr="Gráfico, Gráfico de linhas&#10;&#10;O conteúdo gerado por IA pode estar incorreto.">
+            <a:extLst>
+              <a:ext uri="{FF2B5EF4-FFF2-40B4-BE49-F238E27FC236}">
+                <a16:creationId xmlns:a16="http://schemas.microsoft.com/office/drawing/2014/main" id="{BACF0129-4DCC-0950-D783-E350825D3387}"/>
+              </a:ext>
+            </a:extLst>
+          </p:cNvPr>
+          <p:cNvPicPr>
+            <a:picLocks noChangeAspect="1"/>
+          </p:cNvPicPr>
+          <p:nvPr/>
+        </p:nvPicPr>
+        <p:blipFill>
+          <a:blip r:embed="rId5">
+            <a:extLst>
+              <a:ext uri="{28A0092B-C50C-407E-A947-70E740481C1C}">
+                <a14:useLocalDpi xmlns:a14="http://schemas.microsoft.com/office/drawing/2010/main" val="0"/>
+              </a:ext>
+            </a:extLst>
+          </a:blip>
+          <a:stretch>
+            <a:fillRect/>
+          </a:stretch>
+        </p:blipFill>
+        <p:spPr>
+          <a:xfrm>
+            <a:off x="3707881" y="4074646"/>
+            <a:ext cx="10872238" cy="5394971"/>
+          </a:xfrm>
+          <a:prstGeom prst="rect">
+            <a:avLst/>
+          </a:prstGeom>
+        </p:spPr>
+      </p:pic>
+    </p:spTree>
+    <p:extLst>
+      <p:ext uri="{BB962C8B-B14F-4D97-AF65-F5344CB8AC3E}">
+        <p14:creationId xmlns:p14="http://schemas.microsoft.com/office/powerpoint/2010/main" val="3606013115"/>
+      </p:ext>
+    </p:extLst>
+  </p:cSld>
+  <p:clrMapOvr>
+    <a:masterClrMapping/>
+  </p:clrMapOvr>
+</p:sld>
+</file>
+
+<file path=ppt/slides/slide5.xml><?xml version="1.0" encoding="utf-8"?>
+<p:sld xmlns:a="http://schemas.openxmlformats.org/drawingml/2006/main" xmlns:r="http://schemas.openxmlformats.org/officeDocument/2006/relationships" xmlns:p="http://schemas.openxmlformats.org/presentationml/2006/main">
+  <p:cSld>
+    <p:bg>
+      <p:bgPr>
+        <a:solidFill>
+          <a:srgbClr val="006B3F"/>
+        </a:solidFill>
+        <a:effectLst/>
+      </p:bgPr>
+    </p:bg>
+    <p:spTree>
+      <p:nvGrpSpPr>
+        <p:cNvPr id="1" name="">
+          <a:extLst>
+            <a:ext uri="{FF2B5EF4-FFF2-40B4-BE49-F238E27FC236}">
+              <a16:creationId xmlns:a16="http://schemas.microsoft.com/office/drawing/2014/main" id="{62CFF442-9A80-CECB-02D9-9632108E4D5D}"/>
+            </a:ext>
+          </a:extLst>
+        </p:cNvPr>
+        <p:cNvGrpSpPr/>
+        <p:nvPr/>
+      </p:nvGrpSpPr>
+      <p:grpSpPr>
+        <a:xfrm>
+          <a:off x="0" y="0"/>
+          <a:ext cx="0" cy="0"/>
+          <a:chOff x="0" y="0"/>
+          <a:chExt cx="0" cy="0"/>
+        </a:xfrm>
+      </p:grpSpPr>
+      <p:sp>
+        <p:nvSpPr>
+          <p:cNvPr id="2" name="Freeform 2">
+            <a:extLst>
+              <a:ext uri="{FF2B5EF4-FFF2-40B4-BE49-F238E27FC236}">
+                <a16:creationId xmlns:a16="http://schemas.microsoft.com/office/drawing/2014/main" id="{D354CE1A-8200-2C00-5366-53FB5B343015}"/>
+              </a:ext>
+            </a:extLst>
+          </p:cNvPr>
+          <p:cNvSpPr/>
+          <p:nvPr/>
+        </p:nvSpPr>
+        <p:spPr>
+          <a:xfrm rot="-2700000">
+            <a:off x="16213252" y="7043585"/>
+            <a:ext cx="3526643" cy="3436874"/>
+          </a:xfrm>
+          <a:custGeom>
+            <a:avLst/>
+            <a:gdLst/>
+            <a:ahLst/>
+            <a:cxnLst/>
+            <a:rect l="l" t="t" r="r" b="b"/>
+            <a:pathLst>
+              <a:path w="3526643" h="3436874">
+                <a:moveTo>
+                  <a:pt x="0" y="0"/>
+                </a:moveTo>
+                <a:lnTo>
+                  <a:pt x="3526643" y="0"/>
+                </a:lnTo>
+                <a:lnTo>
+                  <a:pt x="3526643" y="3436874"/>
+                </a:lnTo>
+                <a:lnTo>
+                  <a:pt x="0" y="3436874"/>
+                </a:lnTo>
+                <a:lnTo>
+                  <a:pt x="0" y="0"/>
+                </a:lnTo>
+                <a:close/>
+              </a:path>
+            </a:pathLst>
+          </a:custGeom>
+          <a:blipFill>
+            <a:blip r:embed="rId2">
+              <a:extLst>
+                <a:ext uri="{96DAC541-7B7A-43D3-8B79-37D633B846F1}">
+                  <asvg:svgBlip xmlns:asvg="http://schemas.microsoft.com/office/drawing/2016/SVG/main" r:embed="rId3"/>
+                </a:ext>
+              </a:extLst>
+            </a:blip>
+            <a:stretch>
+              <a:fillRect/>
+            </a:stretch>
+          </a:blipFill>
+        </p:spPr>
+        <p:txBody>
+          <a:bodyPr/>
+          <a:lstStyle/>
+          <a:p>
+            <a:endParaRPr lang="pt-BR"/>
+          </a:p>
+        </p:txBody>
+      </p:sp>
+      <p:sp>
+        <p:nvSpPr>
+          <p:cNvPr id="3" name="TextBox 3">
+            <a:extLst>
+              <a:ext uri="{FF2B5EF4-FFF2-40B4-BE49-F238E27FC236}">
+                <a16:creationId xmlns:a16="http://schemas.microsoft.com/office/drawing/2014/main" id="{9A99D0B4-4717-C629-F24F-CB616517AD0B}"/>
+              </a:ext>
+            </a:extLst>
+          </p:cNvPr>
+          <p:cNvSpPr txBox="1"/>
+          <p:nvPr/>
+        </p:nvSpPr>
+        <p:spPr>
+          <a:xfrm>
+            <a:off x="4000500" y="1325998"/>
+            <a:ext cx="10287000" cy="1703864"/>
+          </a:xfrm>
+          <a:prstGeom prst="rect">
+            <a:avLst/>
+          </a:prstGeom>
+        </p:spPr>
+        <p:txBody>
+          <a:bodyPr wrap="square" lIns="0" tIns="0" rIns="0" bIns="0" rtlCol="0" anchor="t">
+            <a:spAutoFit/>
+          </a:bodyPr>
+          <a:lstStyle/>
+          <a:p>
+            <a:pPr marL="0" lvl="0" indent="0" algn="l">
+              <a:lnSpc>
+                <a:spcPts val="7000"/>
+              </a:lnSpc>
+              <a:spcBef>
+                <a:spcPct val="0"/>
+              </a:spcBef>
+            </a:pPr>
+            <a:r>
+              <a:rPr lang="pt-BR" sz="5000" spc="-240" dirty="0">
+                <a:solidFill>
+                  <a:srgbClr val="FFFFFF"/>
+                </a:solidFill>
+                <a:latin typeface="Verdana Pro"/>
+              </a:rPr>
+              <a:t>DISTRIBUIÇÃO POR CIDADE</a:t>
+            </a:r>
+            <a:br>
+              <a:rPr lang="pt-BR" sz="5000" spc="-240" dirty="0">
+                <a:solidFill>
+                  <a:srgbClr val="FFFFFF"/>
+                </a:solidFill>
+                <a:latin typeface="Verdana Pro"/>
+              </a:rPr>
+            </a:br>
+            <a:endParaRPr lang="en-US" sz="5000" spc="-240" dirty="0">
+              <a:solidFill>
+                <a:srgbClr val="FFFFFF"/>
+              </a:solidFill>
+              <a:latin typeface="Verdana Pro"/>
+              <a:sym typeface="Verdana Pro"/>
+            </a:endParaRPr>
+          </a:p>
+        </p:txBody>
+      </p:sp>
+      <p:sp>
+        <p:nvSpPr>
+          <p:cNvPr id="4" name="Freeform 4">
+            <a:extLst>
+              <a:ext uri="{FF2B5EF4-FFF2-40B4-BE49-F238E27FC236}">
+                <a16:creationId xmlns:a16="http://schemas.microsoft.com/office/drawing/2014/main" id="{BAFB83AE-A1E1-2490-E7FC-546CF0203F58}"/>
+              </a:ext>
+            </a:extLst>
+          </p:cNvPr>
+          <p:cNvSpPr/>
+          <p:nvPr/>
+        </p:nvSpPr>
+        <p:spPr>
+          <a:xfrm rot="-2700000">
+            <a:off x="-1763322" y="-681241"/>
+            <a:ext cx="3526643" cy="3436874"/>
+          </a:xfrm>
+          <a:custGeom>
+            <a:avLst/>
+            <a:gdLst/>
+            <a:ahLst/>
+            <a:cxnLst/>
+            <a:rect l="l" t="t" r="r" b="b"/>
+            <a:pathLst>
+              <a:path w="3526643" h="3436874">
+                <a:moveTo>
+                  <a:pt x="0" y="0"/>
+                </a:moveTo>
+                <a:lnTo>
+                  <a:pt x="3526644" y="0"/>
+                </a:lnTo>
+                <a:lnTo>
+                  <a:pt x="3526644" y="3436874"/>
+                </a:lnTo>
+                <a:lnTo>
+                  <a:pt x="0" y="3436874"/>
+                </a:lnTo>
+                <a:lnTo>
+                  <a:pt x="0" y="0"/>
+                </a:lnTo>
+                <a:close/>
+              </a:path>
+            </a:pathLst>
+          </a:custGeom>
+          <a:blipFill>
+            <a:blip r:embed="rId2">
+              <a:extLst>
+                <a:ext uri="{96DAC541-7B7A-43D3-8B79-37D633B846F1}">
+                  <asvg:svgBlip xmlns:asvg="http://schemas.microsoft.com/office/drawing/2016/SVG/main" r:embed="rId3"/>
+                </a:ext>
+              </a:extLst>
+            </a:blip>
+            <a:stretch>
+              <a:fillRect/>
+            </a:stretch>
+          </a:blipFill>
+        </p:spPr>
+        <p:txBody>
+          <a:bodyPr/>
+          <a:lstStyle/>
+          <a:p>
+            <a:endParaRPr lang="pt-BR"/>
+          </a:p>
+        </p:txBody>
+      </p:sp>
+      <p:sp>
+        <p:nvSpPr>
+          <p:cNvPr id="5" name="TextBox 5">
+            <a:extLst>
+              <a:ext uri="{FF2B5EF4-FFF2-40B4-BE49-F238E27FC236}">
+                <a16:creationId xmlns:a16="http://schemas.microsoft.com/office/drawing/2014/main" id="{0FC82C29-200D-59D4-D8F3-53720390F537}"/>
+              </a:ext>
+            </a:extLst>
+          </p:cNvPr>
+          <p:cNvSpPr txBox="1"/>
+          <p:nvPr/>
+        </p:nvSpPr>
+        <p:spPr>
+          <a:xfrm>
+            <a:off x="2152650" y="2376886"/>
+            <a:ext cx="13982700" cy="1231106"/>
+          </a:xfrm>
+          <a:prstGeom prst="rect">
+            <a:avLst/>
+          </a:prstGeom>
+        </p:spPr>
+        <p:txBody>
+          <a:bodyPr wrap="square" lIns="0" tIns="0" rIns="0" bIns="0" rtlCol="0" anchor="t">
+            <a:spAutoFit/>
+          </a:bodyPr>
+          <a:lstStyle/>
+          <a:p>
+            <a:pPr marL="0" marR="0" lvl="0" indent="0" algn="ctr" defTabSz="914400" rtl="0" eaLnBrk="0" fontAlgn="base" latinLnBrk="0" hangingPunct="0">
+              <a:lnSpc>
+                <a:spcPct val="100000"/>
+              </a:lnSpc>
+              <a:spcBef>
+                <a:spcPct val="0"/>
+              </a:spcBef>
+              <a:spcAft>
+                <a:spcPct val="0"/>
+              </a:spcAft>
+              <a:buClrTx/>
+              <a:buSzTx/>
+              <a:tabLst/>
+            </a:pPr>
+            <a:r>
+              <a:rPr lang="pt-BR" sz="2000" dirty="0"/>
+              <a:t>💡 </a:t>
+            </a:r>
+            <a:r>
+              <a:rPr lang="pt-BR" sz="2000" spc="-168" dirty="0">
+                <a:solidFill>
+                  <a:srgbClr val="FFFFFF"/>
+                </a:solidFill>
+                <a:latin typeface="Verdana Pro"/>
+              </a:rPr>
+              <a:t>INSIGHT: </a:t>
+            </a:r>
+          </a:p>
+          <a:p>
+            <a:pPr marL="0" marR="0" lvl="0" indent="0" algn="just" defTabSz="914400" rtl="0" eaLnBrk="0" fontAlgn="base" latinLnBrk="0" hangingPunct="0">
+              <a:lnSpc>
+                <a:spcPct val="100000"/>
+              </a:lnSpc>
+              <a:spcBef>
+                <a:spcPct val="0"/>
+              </a:spcBef>
+              <a:spcAft>
+                <a:spcPct val="0"/>
+              </a:spcAft>
+              <a:buClrTx/>
+              <a:buSzTx/>
+              <a:tabLst/>
+            </a:pPr>
+            <a:endParaRPr lang="pt-BR" sz="2000" spc="-168" dirty="0">
+              <a:solidFill>
+                <a:srgbClr val="FFFFFF"/>
+              </a:solidFill>
+              <a:latin typeface="Verdana Pro"/>
+            </a:endParaRPr>
+          </a:p>
+          <a:p>
+            <a:pPr marL="342900" marR="0" lvl="0" indent="-342900" algn="just" defTabSz="914400" rtl="0" eaLnBrk="0" fontAlgn="base" latinLnBrk="0" hangingPunct="0">
+              <a:lnSpc>
+                <a:spcPct val="100000"/>
+              </a:lnSpc>
+              <a:spcBef>
+                <a:spcPct val="0"/>
+              </a:spcBef>
+              <a:spcAft>
+                <a:spcPct val="0"/>
+              </a:spcAft>
+              <a:buClrTx/>
+              <a:buSzTx/>
+              <a:buFont typeface="Arial" panose="020B0604020202020204" pitchFamily="34" charset="0"/>
+              <a:buChar char="•"/>
+              <a:tabLst/>
+            </a:pPr>
+            <a:r>
+              <a:rPr lang="pt-BR" sz="2000" spc="-168" dirty="0">
+                <a:solidFill>
+                  <a:srgbClr val="FFFFFF"/>
+                </a:solidFill>
+                <a:latin typeface="Verdana Pro"/>
+              </a:rPr>
+              <a:t>SÃO PAULO E BELO HORIZONTE CONCENTRAM OS MAIORES VOLUMES DE FEEDBACKS, EXIGINDO AÇÕES DIRECIONADAS.</a:t>
+            </a:r>
+            <a:endParaRPr lang="pt-BR" altLang="pt-BR" sz="2000" spc="-168" dirty="0">
+              <a:solidFill>
+                <a:srgbClr val="FFFFFF"/>
+              </a:solidFill>
+              <a:latin typeface="Verdana Pro"/>
+            </a:endParaRPr>
+          </a:p>
+        </p:txBody>
+      </p:sp>
+      <p:sp>
+        <p:nvSpPr>
+          <p:cNvPr id="6" name="Freeform 6">
+            <a:extLst>
+              <a:ext uri="{FF2B5EF4-FFF2-40B4-BE49-F238E27FC236}">
+                <a16:creationId xmlns:a16="http://schemas.microsoft.com/office/drawing/2014/main" id="{7EA5E037-BA21-67B1-BFD9-4940EDB61640}"/>
+              </a:ext>
+            </a:extLst>
+          </p:cNvPr>
+          <p:cNvSpPr/>
+          <p:nvPr/>
+        </p:nvSpPr>
+        <p:spPr>
+          <a:xfrm>
+            <a:off x="14653915" y="314510"/>
+            <a:ext cx="2831428" cy="1068083"/>
+          </a:xfrm>
+          <a:custGeom>
+            <a:avLst/>
+            <a:gdLst/>
+            <a:ahLst/>
+            <a:cxnLst/>
+            <a:rect l="l" t="t" r="r" b="b"/>
+            <a:pathLst>
+              <a:path w="2831428" h="1068083">
+                <a:moveTo>
+                  <a:pt x="0" y="0"/>
+                </a:moveTo>
+                <a:lnTo>
+                  <a:pt x="2831429" y="0"/>
+                </a:lnTo>
+                <a:lnTo>
+                  <a:pt x="2831429" y="1068084"/>
+                </a:lnTo>
+                <a:lnTo>
+                  <a:pt x="0" y="1068084"/>
+                </a:lnTo>
+                <a:lnTo>
+                  <a:pt x="0" y="0"/>
+                </a:lnTo>
+                <a:close/>
+              </a:path>
+            </a:pathLst>
+          </a:custGeom>
+          <a:blipFill>
+            <a:blip r:embed="rId4">
+              <a:alphaModFix amt="81000"/>
+            </a:blip>
+            <a:stretch>
+              <a:fillRect/>
+            </a:stretch>
+          </a:blipFill>
+        </p:spPr>
+        <p:txBody>
+          <a:bodyPr/>
+          <a:lstStyle/>
+          <a:p>
+            <a:endParaRPr lang="pt-BR"/>
+          </a:p>
+        </p:txBody>
+      </p:sp>
+      <p:pic>
+        <p:nvPicPr>
+          <p:cNvPr id="8" name="Imagem 7" descr="Gráfico, Gráfico de barras&#10;&#10;O conteúdo gerado por IA pode estar incorreto.">
+            <a:extLst>
+              <a:ext uri="{FF2B5EF4-FFF2-40B4-BE49-F238E27FC236}">
+                <a16:creationId xmlns:a16="http://schemas.microsoft.com/office/drawing/2014/main" id="{65208B34-5915-D66C-CB2A-DB0087FE7C32}"/>
+              </a:ext>
+            </a:extLst>
+          </p:cNvPr>
+          <p:cNvPicPr>
+            <a:picLocks noChangeAspect="1"/>
+          </p:cNvPicPr>
+          <p:nvPr/>
+        </p:nvPicPr>
+        <p:blipFill>
+          <a:blip r:embed="rId5">
+            <a:extLst>
+              <a:ext uri="{28A0092B-C50C-407E-A947-70E740481C1C}">
+                <a14:useLocalDpi xmlns:a14="http://schemas.microsoft.com/office/drawing/2010/main" val="0"/>
+              </a:ext>
+            </a:extLst>
+          </a:blip>
+          <a:stretch>
+            <a:fillRect/>
+          </a:stretch>
+        </p:blipFill>
+        <p:spPr>
+          <a:xfrm>
+            <a:off x="3857999" y="4186611"/>
+            <a:ext cx="10572001" cy="5289834"/>
+          </a:xfrm>
+          <a:prstGeom prst="rect">
+            <a:avLst/>
+          </a:prstGeom>
+        </p:spPr>
+      </p:pic>
+    </p:spTree>
+    <p:extLst>
+      <p:ext uri="{BB962C8B-B14F-4D97-AF65-F5344CB8AC3E}">
+        <p14:creationId xmlns:p14="http://schemas.microsoft.com/office/powerpoint/2010/main" val="3040441447"/>
+      </p:ext>
+    </p:extLst>
+  </p:cSld>
+  <p:clrMapOvr>
+    <a:masterClrMapping/>
+  </p:clrMapOvr>
+</p:sld>
+</file>
+
+<file path=ppt/slides/slide6.xml><?xml version="1.0" encoding="utf-8"?>
+<p:sld xmlns:a="http://schemas.openxmlformats.org/drawingml/2006/main" xmlns:r="http://schemas.openxmlformats.org/officeDocument/2006/relationships" xmlns:p="http://schemas.openxmlformats.org/presentationml/2006/main">
+  <p:cSld>
+    <p:bg>
+      <p:bgPr>
+        <a:solidFill>
+          <a:srgbClr val="006B3F"/>
+        </a:solidFill>
+        <a:effectLst/>
+      </p:bgPr>
+    </p:bg>
+    <p:spTree>
+      <p:nvGrpSpPr>
+        <p:cNvPr id="1" name="">
+          <a:extLst>
+            <a:ext uri="{FF2B5EF4-FFF2-40B4-BE49-F238E27FC236}">
+              <a16:creationId xmlns:a16="http://schemas.microsoft.com/office/drawing/2014/main" id="{903FE872-138C-CE5B-048A-4E2CE595EA96}"/>
+            </a:ext>
+          </a:extLst>
+        </p:cNvPr>
+        <p:cNvGrpSpPr/>
+        <p:nvPr/>
+      </p:nvGrpSpPr>
+      <p:grpSpPr>
+        <a:xfrm>
+          <a:off x="0" y="0"/>
+          <a:ext cx="0" cy="0"/>
+          <a:chOff x="0" y="0"/>
+          <a:chExt cx="0" cy="0"/>
+        </a:xfrm>
+      </p:grpSpPr>
+      <p:sp>
+        <p:nvSpPr>
+          <p:cNvPr id="2" name="Freeform 2">
+            <a:extLst>
+              <a:ext uri="{FF2B5EF4-FFF2-40B4-BE49-F238E27FC236}">
+                <a16:creationId xmlns:a16="http://schemas.microsoft.com/office/drawing/2014/main" id="{EAEFB08C-EE22-0804-B998-200CFF711DFD}"/>
+              </a:ext>
+            </a:extLst>
+          </p:cNvPr>
+          <p:cNvSpPr/>
+          <p:nvPr/>
+        </p:nvSpPr>
+        <p:spPr>
+          <a:xfrm rot="-2700000">
+            <a:off x="16213252" y="7043585"/>
+            <a:ext cx="3526643" cy="3436874"/>
+          </a:xfrm>
+          <a:custGeom>
+            <a:avLst/>
+            <a:gdLst/>
+            <a:ahLst/>
+            <a:cxnLst/>
+            <a:rect l="l" t="t" r="r" b="b"/>
+            <a:pathLst>
+              <a:path w="3526643" h="3436874">
+                <a:moveTo>
+                  <a:pt x="0" y="0"/>
+                </a:moveTo>
+                <a:lnTo>
+                  <a:pt x="3526643" y="0"/>
+                </a:lnTo>
+                <a:lnTo>
+                  <a:pt x="3526643" y="3436874"/>
+                </a:lnTo>
+                <a:lnTo>
+                  <a:pt x="0" y="3436874"/>
+                </a:lnTo>
+                <a:lnTo>
+                  <a:pt x="0" y="0"/>
+                </a:lnTo>
+                <a:close/>
+              </a:path>
+            </a:pathLst>
+          </a:custGeom>
+          <a:blipFill>
+            <a:blip r:embed="rId2">
+              <a:extLst>
+                <a:ext uri="{96DAC541-7B7A-43D3-8B79-37D633B846F1}">
+                  <asvg:svgBlip xmlns:asvg="http://schemas.microsoft.com/office/drawing/2016/SVG/main" r:embed="rId3"/>
+                </a:ext>
+              </a:extLst>
+            </a:blip>
+            <a:stretch>
+              <a:fillRect/>
+            </a:stretch>
+          </a:blipFill>
+        </p:spPr>
+        <p:txBody>
+          <a:bodyPr/>
+          <a:lstStyle/>
+          <a:p>
+            <a:endParaRPr lang="pt-BR"/>
+          </a:p>
+        </p:txBody>
+      </p:sp>
+      <p:sp>
+        <p:nvSpPr>
+          <p:cNvPr id="3" name="TextBox 3">
+            <a:extLst>
+              <a:ext uri="{FF2B5EF4-FFF2-40B4-BE49-F238E27FC236}">
+                <a16:creationId xmlns:a16="http://schemas.microsoft.com/office/drawing/2014/main" id="{6CA4D0AF-8713-6CB3-2F3C-FCD20C4C2E7F}"/>
+              </a:ext>
+            </a:extLst>
+          </p:cNvPr>
+          <p:cNvSpPr txBox="1"/>
+          <p:nvPr/>
+        </p:nvSpPr>
+        <p:spPr>
+          <a:xfrm>
+            <a:off x="4743449" y="1381211"/>
+            <a:ext cx="8801100" cy="1703864"/>
+          </a:xfrm>
+          <a:prstGeom prst="rect">
+            <a:avLst/>
+          </a:prstGeom>
+        </p:spPr>
+        <p:txBody>
+          <a:bodyPr wrap="square" lIns="0" tIns="0" rIns="0" bIns="0" rtlCol="0" anchor="t">
+            <a:spAutoFit/>
+          </a:bodyPr>
+          <a:lstStyle/>
+          <a:p>
+            <a:pPr marL="0" lvl="0" indent="0" algn="l">
+              <a:lnSpc>
+                <a:spcPts val="7000"/>
+              </a:lnSpc>
+              <a:spcBef>
+                <a:spcPct val="0"/>
+              </a:spcBef>
+            </a:pPr>
+            <a:r>
+              <a:rPr lang="pt-BR" sz="5000" spc="-240" dirty="0">
+                <a:solidFill>
+                  <a:srgbClr val="FFFFFF"/>
+                </a:solidFill>
+                <a:latin typeface="Verdana Pro"/>
+              </a:rPr>
+              <a:t>NUVEM DE PALAVRAS GERAL</a:t>
+            </a:r>
+            <a:br>
+              <a:rPr lang="pt-BR" sz="5000" spc="-240" dirty="0">
+                <a:solidFill>
+                  <a:srgbClr val="FFFFFF"/>
+                </a:solidFill>
+                <a:latin typeface="Verdana Pro"/>
+              </a:rPr>
+            </a:br>
+            <a:endParaRPr lang="en-US" sz="5000" spc="-240" dirty="0">
+              <a:solidFill>
+                <a:srgbClr val="FFFFFF"/>
+              </a:solidFill>
+              <a:latin typeface="Verdana Pro"/>
+              <a:sym typeface="Verdana Pro"/>
+            </a:endParaRPr>
+          </a:p>
+        </p:txBody>
+      </p:sp>
+      <p:sp>
+        <p:nvSpPr>
+          <p:cNvPr id="4" name="Freeform 4">
+            <a:extLst>
+              <a:ext uri="{FF2B5EF4-FFF2-40B4-BE49-F238E27FC236}">
+                <a16:creationId xmlns:a16="http://schemas.microsoft.com/office/drawing/2014/main" id="{771804F5-D38A-14B1-7EEB-F33BBD1600CD}"/>
+              </a:ext>
+            </a:extLst>
+          </p:cNvPr>
+          <p:cNvSpPr/>
+          <p:nvPr/>
+        </p:nvSpPr>
+        <p:spPr>
+          <a:xfrm rot="-2700000">
+            <a:off x="-1763322" y="-681241"/>
+            <a:ext cx="3526643" cy="3436874"/>
+          </a:xfrm>
+          <a:custGeom>
+            <a:avLst/>
+            <a:gdLst/>
+            <a:ahLst/>
+            <a:cxnLst/>
+            <a:rect l="l" t="t" r="r" b="b"/>
+            <a:pathLst>
+              <a:path w="3526643" h="3436874">
+                <a:moveTo>
+                  <a:pt x="0" y="0"/>
+                </a:moveTo>
+                <a:lnTo>
+                  <a:pt x="3526644" y="0"/>
+                </a:lnTo>
+                <a:lnTo>
+                  <a:pt x="3526644" y="3436874"/>
+                </a:lnTo>
+                <a:lnTo>
+                  <a:pt x="0" y="3436874"/>
+                </a:lnTo>
+                <a:lnTo>
+                  <a:pt x="0" y="0"/>
+                </a:lnTo>
+                <a:close/>
+              </a:path>
+            </a:pathLst>
+          </a:custGeom>
+          <a:blipFill>
+            <a:blip r:embed="rId2">
+              <a:extLst>
+                <a:ext uri="{96DAC541-7B7A-43D3-8B79-37D633B846F1}">
+                  <asvg:svgBlip xmlns:asvg="http://schemas.microsoft.com/office/drawing/2016/SVG/main" r:embed="rId3"/>
+                </a:ext>
+              </a:extLst>
+            </a:blip>
+            <a:stretch>
+              <a:fillRect/>
+            </a:stretch>
+          </a:blipFill>
+        </p:spPr>
+        <p:txBody>
+          <a:bodyPr/>
+          <a:lstStyle/>
+          <a:p>
+            <a:endParaRPr lang="pt-BR"/>
+          </a:p>
+        </p:txBody>
+      </p:sp>
+      <p:sp>
+        <p:nvSpPr>
+          <p:cNvPr id="5" name="TextBox 5">
+            <a:extLst>
+              <a:ext uri="{FF2B5EF4-FFF2-40B4-BE49-F238E27FC236}">
+                <a16:creationId xmlns:a16="http://schemas.microsoft.com/office/drawing/2014/main" id="{BE33E043-2DC1-458E-79C7-651DFAF91584}"/>
+              </a:ext>
+            </a:extLst>
+          </p:cNvPr>
+          <p:cNvSpPr txBox="1"/>
+          <p:nvPr/>
+        </p:nvSpPr>
+        <p:spPr>
+          <a:xfrm>
+            <a:off x="2152650" y="2376886"/>
+            <a:ext cx="13982700" cy="1231106"/>
+          </a:xfrm>
+          <a:prstGeom prst="rect">
+            <a:avLst/>
+          </a:prstGeom>
+        </p:spPr>
+        <p:txBody>
+          <a:bodyPr wrap="square" lIns="0" tIns="0" rIns="0" bIns="0" rtlCol="0" anchor="t">
+            <a:spAutoFit/>
+          </a:bodyPr>
+          <a:lstStyle/>
+          <a:p>
+            <a:pPr marL="0" marR="0" lvl="0" indent="0" algn="ctr" defTabSz="914400" rtl="0" eaLnBrk="0" fontAlgn="base" latinLnBrk="0" hangingPunct="0">
+              <a:lnSpc>
+                <a:spcPct val="100000"/>
+              </a:lnSpc>
+              <a:spcBef>
+                <a:spcPct val="0"/>
+              </a:spcBef>
+              <a:spcAft>
+                <a:spcPct val="0"/>
+              </a:spcAft>
+              <a:buClrTx/>
+              <a:buSzTx/>
+              <a:tabLst/>
+            </a:pPr>
+            <a:r>
+              <a:rPr lang="pt-BR" sz="2000" dirty="0"/>
+              <a:t>💡 </a:t>
+            </a:r>
+            <a:r>
+              <a:rPr lang="pt-BR" sz="2000" spc="-168" dirty="0">
+                <a:solidFill>
+                  <a:srgbClr val="FFFFFF"/>
+                </a:solidFill>
+                <a:latin typeface="Verdana Pro"/>
+              </a:rPr>
+              <a:t>INSIGHT: </a:t>
+            </a:r>
+          </a:p>
+          <a:p>
+            <a:pPr marL="0" marR="0" lvl="0" indent="0" algn="just" defTabSz="914400" rtl="0" eaLnBrk="0" fontAlgn="base" latinLnBrk="0" hangingPunct="0">
+              <a:lnSpc>
+                <a:spcPct val="100000"/>
+              </a:lnSpc>
+              <a:spcBef>
+                <a:spcPct val="0"/>
+              </a:spcBef>
+              <a:spcAft>
+                <a:spcPct val="0"/>
+              </a:spcAft>
+              <a:buClrTx/>
+              <a:buSzTx/>
+              <a:tabLst/>
+            </a:pPr>
+            <a:endParaRPr lang="pt-BR" sz="2000" spc="-168" dirty="0">
+              <a:solidFill>
+                <a:srgbClr val="FFFFFF"/>
+              </a:solidFill>
+              <a:latin typeface="Verdana Pro"/>
+            </a:endParaRPr>
+          </a:p>
+          <a:p>
+            <a:pPr marL="342900" marR="0" lvl="0" indent="-342900" algn="just" defTabSz="914400" rtl="0" eaLnBrk="0" fontAlgn="base" latinLnBrk="0" hangingPunct="0">
+              <a:lnSpc>
+                <a:spcPct val="100000"/>
+              </a:lnSpc>
+              <a:spcBef>
+                <a:spcPct val="0"/>
+              </a:spcBef>
+              <a:spcAft>
+                <a:spcPct val="0"/>
+              </a:spcAft>
+              <a:buClrTx/>
+              <a:buSzTx/>
+              <a:buFont typeface="Arial" panose="020B0604020202020204" pitchFamily="34" charset="0"/>
+              <a:buChar char="•"/>
+              <a:tabLst/>
+            </a:pPr>
+            <a:r>
+              <a:rPr lang="pt-BR" sz="2000" spc="-168" dirty="0">
+                <a:solidFill>
+                  <a:srgbClr val="FFFFFF"/>
+                </a:solidFill>
+                <a:latin typeface="Verdana Pro"/>
+              </a:rPr>
+              <a:t>TERMOS COMO "ATENDIMENTO", "QUALIDADE" E "OBRA" SÃO OS MAIS MENCIONADOS NOS FEEDBACKS, TANTO POSITIVOS QUANTO NEGATIVOS.</a:t>
+            </a:r>
+            <a:endParaRPr lang="pt-BR" altLang="pt-BR" sz="2000" spc="-168" dirty="0">
+              <a:solidFill>
+                <a:srgbClr val="FFFFFF"/>
+              </a:solidFill>
+              <a:latin typeface="Verdana Pro"/>
+            </a:endParaRPr>
+          </a:p>
+        </p:txBody>
+      </p:sp>
+      <p:sp>
+        <p:nvSpPr>
+          <p:cNvPr id="6" name="Freeform 6">
+            <a:extLst>
+              <a:ext uri="{FF2B5EF4-FFF2-40B4-BE49-F238E27FC236}">
+                <a16:creationId xmlns:a16="http://schemas.microsoft.com/office/drawing/2014/main" id="{D8C47B63-AF0C-1AD7-12EA-D06726E77C8B}"/>
+              </a:ext>
+            </a:extLst>
+          </p:cNvPr>
+          <p:cNvSpPr/>
+          <p:nvPr/>
+        </p:nvSpPr>
+        <p:spPr>
+          <a:xfrm>
+            <a:off x="14653915" y="314510"/>
+            <a:ext cx="2831428" cy="1068083"/>
+          </a:xfrm>
+          <a:custGeom>
+            <a:avLst/>
+            <a:gdLst/>
+            <a:ahLst/>
+            <a:cxnLst/>
+            <a:rect l="l" t="t" r="r" b="b"/>
+            <a:pathLst>
+              <a:path w="2831428" h="1068083">
+                <a:moveTo>
+                  <a:pt x="0" y="0"/>
+                </a:moveTo>
+                <a:lnTo>
+                  <a:pt x="2831429" y="0"/>
+                </a:lnTo>
+                <a:lnTo>
+                  <a:pt x="2831429" y="1068084"/>
+                </a:lnTo>
+                <a:lnTo>
+                  <a:pt x="0" y="1068084"/>
+                </a:lnTo>
+                <a:lnTo>
+                  <a:pt x="0" y="0"/>
+                </a:lnTo>
+                <a:close/>
+              </a:path>
+            </a:pathLst>
+          </a:custGeom>
+          <a:blipFill>
+            <a:blip r:embed="rId4">
+              <a:alphaModFix amt="81000"/>
+            </a:blip>
+            <a:stretch>
+              <a:fillRect/>
+            </a:stretch>
+          </a:blipFill>
+        </p:spPr>
+        <p:txBody>
+          <a:bodyPr/>
+          <a:lstStyle/>
+          <a:p>
+            <a:endParaRPr lang="pt-BR"/>
+          </a:p>
+        </p:txBody>
+      </p:sp>
+      <p:pic>
+        <p:nvPicPr>
+          <p:cNvPr id="9" name="Imagem 8" descr="Uma imagem contendo Texto&#10;&#10;O conteúdo gerado por IA pode estar incorreto.">
+            <a:extLst>
+              <a:ext uri="{FF2B5EF4-FFF2-40B4-BE49-F238E27FC236}">
+                <a16:creationId xmlns:a16="http://schemas.microsoft.com/office/drawing/2014/main" id="{7F981F5D-34B8-4013-9173-5B46DE2F5588}"/>
+              </a:ext>
+            </a:extLst>
+          </p:cNvPr>
+          <p:cNvPicPr>
+            <a:picLocks noChangeAspect="1"/>
+          </p:cNvPicPr>
+          <p:nvPr/>
+        </p:nvPicPr>
+        <p:blipFill>
+          <a:blip r:embed="rId5">
+            <a:extLst>
+              <a:ext uri="{28A0092B-C50C-407E-A947-70E740481C1C}">
+                <a14:useLocalDpi xmlns:a14="http://schemas.microsoft.com/office/drawing/2010/main" val="0"/>
+              </a:ext>
+            </a:extLst>
+          </a:blip>
+          <a:stretch>
+            <a:fillRect/>
+          </a:stretch>
+        </p:blipFill>
+        <p:spPr>
+          <a:xfrm>
+            <a:off x="2042150" y="4726599"/>
+            <a:ext cx="14203698" cy="2612339"/>
+          </a:xfrm>
+          <a:prstGeom prst="rect">
+            <a:avLst/>
+          </a:prstGeom>
+        </p:spPr>
+      </p:pic>
+    </p:spTree>
+    <p:extLst>
+      <p:ext uri="{BB962C8B-B14F-4D97-AF65-F5344CB8AC3E}">
+        <p14:creationId xmlns:p14="http://schemas.microsoft.com/office/powerpoint/2010/main" val="281709735"/>
+      </p:ext>
+    </p:extLst>
+  </p:cSld>
+  <p:clrMapOvr>
+    <a:masterClrMapping/>
+  </p:clrMapOvr>
+</p:sld>
+</file>
+
+<file path=ppt/slides/slide7.xml><?xml version="1.0" encoding="utf-8"?>
+<p:sld xmlns:a="http://schemas.openxmlformats.org/drawingml/2006/main" xmlns:r="http://schemas.openxmlformats.org/officeDocument/2006/relationships" xmlns:p="http://schemas.openxmlformats.org/presentationml/2006/main">
+  <p:cSld>
+    <p:bg>
+      <p:bgPr>
+        <a:solidFill>
+          <a:srgbClr val="006B3F"/>
+        </a:solidFill>
+        <a:effectLst/>
+      </p:bgPr>
+    </p:bg>
+    <p:spTree>
+      <p:nvGrpSpPr>
+        <p:cNvPr id="1" name=""/>
+        <p:cNvGrpSpPr/>
+        <p:nvPr/>
+      </p:nvGrpSpPr>
+      <p:grpSpPr>
+        <a:xfrm>
+          <a:off x="0" y="0"/>
+          <a:ext cx="0" cy="0"/>
+          <a:chOff x="0" y="0"/>
+          <a:chExt cx="0" cy="0"/>
+        </a:xfrm>
+      </p:grpSpPr>
+      <p:sp>
+        <p:nvSpPr>
+          <p:cNvPr id="2" name="Freeform 2"/>
+          <p:cNvSpPr/>
+          <p:nvPr/>
+        </p:nvSpPr>
+        <p:spPr>
+          <a:xfrm rot="-2700000">
+            <a:off x="16213252" y="7043585"/>
+            <a:ext cx="3526643" cy="3436874"/>
+          </a:xfrm>
+          <a:custGeom>
+            <a:avLst/>
+            <a:gdLst/>
+            <a:ahLst/>
+            <a:cxnLst/>
+            <a:rect l="l" t="t" r="r" b="b"/>
+            <a:pathLst>
+              <a:path w="3526643" h="3436874">
+                <a:moveTo>
+                  <a:pt x="0" y="0"/>
+                </a:moveTo>
+                <a:lnTo>
+                  <a:pt x="3526643" y="0"/>
+                </a:lnTo>
+                <a:lnTo>
+                  <a:pt x="3526643" y="3436874"/>
+                </a:lnTo>
+                <a:lnTo>
+                  <a:pt x="0" y="3436874"/>
+                </a:lnTo>
+                <a:lnTo>
+                  <a:pt x="0" y="0"/>
+                </a:lnTo>
+                <a:close/>
+              </a:path>
+            </a:pathLst>
+          </a:custGeom>
+          <a:blipFill>
+            <a:blip r:embed="rId2">
+              <a:extLst>
+                <a:ext uri="{96DAC541-7B7A-43D3-8B79-37D633B846F1}">
+                  <asvg:svgBlip xmlns:asvg="http://schemas.microsoft.com/office/drawing/2016/SVG/main" r:embed="rId3"/>
+                </a:ext>
+              </a:extLst>
+            </a:blip>
+            <a:stretch>
+              <a:fillRect/>
+            </a:stretch>
+          </a:blipFill>
+        </p:spPr>
+        <p:txBody>
+          <a:bodyPr/>
+          <a:lstStyle/>
+          <a:p>
+            <a:endParaRPr lang="pt-BR"/>
+          </a:p>
+        </p:txBody>
+      </p:sp>
+      <p:sp>
+        <p:nvSpPr>
+          <p:cNvPr id="3" name="Freeform 3"/>
+          <p:cNvSpPr/>
+          <p:nvPr/>
+        </p:nvSpPr>
+        <p:spPr>
+          <a:xfrm rot="-2700000">
+            <a:off x="-1763322" y="-681241"/>
+            <a:ext cx="3526643" cy="3436874"/>
+          </a:xfrm>
+          <a:custGeom>
+            <a:avLst/>
+            <a:gdLst/>
+            <a:ahLst/>
+            <a:cxnLst/>
+            <a:rect l="l" t="t" r="r" b="b"/>
+            <a:pathLst>
+              <a:path w="3526643" h="3436874">
+                <a:moveTo>
+                  <a:pt x="0" y="0"/>
+                </a:moveTo>
+                <a:lnTo>
+                  <a:pt x="3526644" y="0"/>
+                </a:lnTo>
+                <a:lnTo>
+                  <a:pt x="3526644" y="3436874"/>
+                </a:lnTo>
+                <a:lnTo>
+                  <a:pt x="0" y="3436874"/>
+                </a:lnTo>
+                <a:lnTo>
+                  <a:pt x="0" y="0"/>
+                </a:lnTo>
+                <a:close/>
+              </a:path>
+            </a:pathLst>
+          </a:custGeom>
+          <a:blipFill>
+            <a:blip r:embed="rId2">
+              <a:extLst>
+                <a:ext uri="{96DAC541-7B7A-43D3-8B79-37D633B846F1}">
+                  <asvg:svgBlip xmlns:asvg="http://schemas.microsoft.com/office/drawing/2016/SVG/main" r:embed="rId3"/>
+                </a:ext>
+              </a:extLst>
+            </a:blip>
+            <a:stretch>
+              <a:fillRect/>
+            </a:stretch>
+          </a:blipFill>
+        </p:spPr>
+        <p:txBody>
+          <a:bodyPr/>
+          <a:lstStyle/>
+          <a:p>
+            <a:endParaRPr lang="pt-BR"/>
+          </a:p>
+        </p:txBody>
+      </p:sp>
+      <p:sp>
+        <p:nvSpPr>
+          <p:cNvPr id="4" name="Freeform 4"/>
+          <p:cNvSpPr/>
+          <p:nvPr/>
+        </p:nvSpPr>
+        <p:spPr>
+          <a:xfrm>
+            <a:off x="3196377" y="5143500"/>
+            <a:ext cx="11895247" cy="4044384"/>
+          </a:xfrm>
+          <a:custGeom>
+            <a:avLst/>
+            <a:gdLst/>
+            <a:ahLst/>
+            <a:cxnLst/>
+            <a:rect l="l" t="t" r="r" b="b"/>
+            <a:pathLst>
+              <a:path w="11895247" h="4044384">
+                <a:moveTo>
+                  <a:pt x="0" y="0"/>
+                </a:moveTo>
+                <a:lnTo>
+                  <a:pt x="11895246" y="0"/>
+                </a:lnTo>
+                <a:lnTo>
+                  <a:pt x="11895246" y="4044384"/>
+                </a:lnTo>
+                <a:lnTo>
+                  <a:pt x="0" y="4044384"/>
+                </a:lnTo>
+                <a:lnTo>
+                  <a:pt x="0" y="0"/>
+                </a:lnTo>
+                <a:close/>
+              </a:path>
+            </a:pathLst>
+          </a:custGeom>
+          <a:blipFill>
+            <a:blip r:embed="rId4"/>
+            <a:stretch>
+              <a:fillRect/>
+            </a:stretch>
+          </a:blipFill>
+        </p:spPr>
+        <p:txBody>
+          <a:bodyPr/>
+          <a:lstStyle/>
+          <a:p>
+            <a:endParaRPr lang="pt-BR"/>
+          </a:p>
+        </p:txBody>
+      </p:sp>
+      <p:sp>
+        <p:nvSpPr>
+          <p:cNvPr id="5" name="TextBox 5"/>
+          <p:cNvSpPr txBox="1"/>
+          <p:nvPr/>
+        </p:nvSpPr>
+        <p:spPr>
+          <a:xfrm>
+            <a:off x="4721126" y="2705100"/>
+            <a:ext cx="8994874" cy="2198422"/>
+          </a:xfrm>
+          <a:prstGeom prst="rect">
+            <a:avLst/>
+          </a:prstGeom>
+        </p:spPr>
+        <p:txBody>
+          <a:bodyPr wrap="square" lIns="0" tIns="0" rIns="0" bIns="0" rtlCol="0" anchor="t">
+            <a:spAutoFit/>
+          </a:bodyPr>
+          <a:lstStyle/>
+          <a:p>
+            <a:pPr algn="l">
+              <a:lnSpc>
+                <a:spcPts val="3499"/>
+              </a:lnSpc>
+              <a:spcBef>
+                <a:spcPct val="0"/>
+              </a:spcBef>
+            </a:pPr>
+            <a:r>
+              <a:rPr lang="en-US" sz="2499" spc="-119" dirty="0">
+                <a:solidFill>
+                  <a:srgbClr val="FFFFFF"/>
+                </a:solidFill>
+                <a:latin typeface="Verdana Pro"/>
+                <a:ea typeface="Verdana Pro"/>
+                <a:cs typeface="Verdana Pro"/>
+                <a:sym typeface="Verdana Pro"/>
+              </a:rPr>
+              <a:t>• 8 EMPREENDIMENTOS ANALISADOS</a:t>
+            </a:r>
+          </a:p>
+          <a:p>
+            <a:pPr algn="l">
+              <a:lnSpc>
+                <a:spcPts val="3499"/>
+              </a:lnSpc>
+              <a:spcBef>
+                <a:spcPct val="0"/>
+              </a:spcBef>
+            </a:pPr>
+            <a:r>
+              <a:rPr lang="en-US" sz="2499" spc="-119" dirty="0">
+                <a:solidFill>
+                  <a:srgbClr val="FFFFFF"/>
+                </a:solidFill>
+                <a:latin typeface="Verdana Pro"/>
+                <a:ea typeface="Verdana Pro"/>
+                <a:cs typeface="Verdana Pro"/>
+                <a:sym typeface="Verdana Pro"/>
+              </a:rPr>
+              <a:t>• GRÁFICOS:</a:t>
+            </a:r>
+          </a:p>
+          <a:p>
+            <a:pPr algn="l">
+              <a:lnSpc>
+                <a:spcPts val="3499"/>
+              </a:lnSpc>
+              <a:spcBef>
+                <a:spcPct val="0"/>
+              </a:spcBef>
+            </a:pPr>
+            <a:r>
+              <a:rPr lang="en-US" sz="2499" spc="-119" dirty="0">
+                <a:solidFill>
+                  <a:srgbClr val="FFFFFF"/>
+                </a:solidFill>
+                <a:latin typeface="Verdana Pro"/>
+                <a:ea typeface="Verdana Pro"/>
+                <a:cs typeface="Verdana Pro"/>
+                <a:sym typeface="Verdana Pro"/>
+              </a:rPr>
+              <a:t>• DISTRIBUIÇÃO DE QUARTOS (MAIORIA COM 2 QUARTOS)</a:t>
+            </a:r>
+          </a:p>
+          <a:p>
+            <a:pPr algn="l">
+              <a:lnSpc>
+                <a:spcPts val="3499"/>
+              </a:lnSpc>
+              <a:spcBef>
+                <a:spcPct val="0"/>
+              </a:spcBef>
+            </a:pPr>
+            <a:r>
+              <a:rPr lang="en-US" sz="2499" spc="-119" dirty="0">
+                <a:solidFill>
+                  <a:srgbClr val="FFFFFF"/>
+                </a:solidFill>
+                <a:latin typeface="Verdana Pro"/>
+                <a:ea typeface="Verdana Pro"/>
+                <a:cs typeface="Verdana Pro"/>
+                <a:sym typeface="Verdana Pro"/>
+              </a:rPr>
+              <a:t>• DISTRIBUIÇÃO DA ÁREA ÚTIL (MÉDIA DE 53,6 M²)</a:t>
+            </a:r>
+          </a:p>
+          <a:p>
+            <a:pPr algn="l">
+              <a:lnSpc>
+                <a:spcPts val="3499"/>
+              </a:lnSpc>
+              <a:spcBef>
+                <a:spcPct val="0"/>
+              </a:spcBef>
+            </a:pPr>
+            <a:endParaRPr lang="en-US" sz="2499" spc="-119" dirty="0">
+              <a:solidFill>
+                <a:srgbClr val="FFFFFF"/>
+              </a:solidFill>
+              <a:latin typeface="Verdana Pro"/>
+              <a:ea typeface="Verdana Pro"/>
+              <a:cs typeface="Verdana Pro"/>
+              <a:sym typeface="Verdana Pro"/>
+            </a:endParaRPr>
+          </a:p>
+        </p:txBody>
+      </p:sp>
+      <p:sp>
+        <p:nvSpPr>
+          <p:cNvPr id="6" name="TextBox 6"/>
+          <p:cNvSpPr txBox="1"/>
+          <p:nvPr/>
+        </p:nvSpPr>
+        <p:spPr>
+          <a:xfrm>
+            <a:off x="3733800" y="1382593"/>
+            <a:ext cx="10820399" cy="806183"/>
+          </a:xfrm>
+          <a:prstGeom prst="rect">
+            <a:avLst/>
+          </a:prstGeom>
+        </p:spPr>
+        <p:txBody>
+          <a:bodyPr wrap="square" lIns="0" tIns="0" rIns="0" bIns="0" rtlCol="0" anchor="t">
+            <a:spAutoFit/>
+          </a:bodyPr>
+          <a:lstStyle/>
+          <a:p>
+            <a:pPr algn="ctr">
+              <a:lnSpc>
+                <a:spcPts val="7000"/>
+              </a:lnSpc>
+              <a:spcBef>
+                <a:spcPct val="0"/>
+              </a:spcBef>
+            </a:pPr>
+            <a:r>
+              <a:rPr lang="en-US" sz="5000" spc="-240" dirty="0">
+                <a:solidFill>
+                  <a:srgbClr val="FFFFFF"/>
+                </a:solidFill>
+                <a:latin typeface="Verdana Pro"/>
+                <a:ea typeface="Verdana Pro"/>
+                <a:cs typeface="Verdana Pro"/>
+                <a:sym typeface="Verdana Pro"/>
+              </a:rPr>
+              <a:t>ANÁLISE NPS DA MRV</a:t>
+            </a:r>
+          </a:p>
+        </p:txBody>
+      </p:sp>
+      <p:sp>
+        <p:nvSpPr>
+          <p:cNvPr id="7" name="Freeform 7"/>
+          <p:cNvSpPr/>
+          <p:nvPr/>
+        </p:nvSpPr>
+        <p:spPr>
+          <a:xfrm>
+            <a:off x="14653915" y="314510"/>
+            <a:ext cx="2831428" cy="1068083"/>
+          </a:xfrm>
+          <a:custGeom>
+            <a:avLst/>
+            <a:gdLst/>
+            <a:ahLst/>
+            <a:cxnLst/>
+            <a:rect l="l" t="t" r="r" b="b"/>
+            <a:pathLst>
+              <a:path w="2831428" h="1068083">
+                <a:moveTo>
+                  <a:pt x="0" y="0"/>
+                </a:moveTo>
+                <a:lnTo>
+                  <a:pt x="2831429" y="0"/>
+                </a:lnTo>
+                <a:lnTo>
+                  <a:pt x="2831429" y="1068084"/>
+                </a:lnTo>
+                <a:lnTo>
+                  <a:pt x="0" y="1068084"/>
+                </a:lnTo>
+                <a:lnTo>
+                  <a:pt x="0" y="0"/>
+                </a:lnTo>
+                <a:close/>
+              </a:path>
+            </a:pathLst>
+          </a:custGeom>
+          <a:blipFill>
+            <a:blip r:embed="rId5">
+              <a:alphaModFix amt="81000"/>
+            </a:blip>
+            <a:stretch>
+              <a:fillRect/>
+            </a:stretch>
+          </a:blipFill>
+        </p:spPr>
+        <p:txBody>
+          <a:bodyPr/>
+          <a:lstStyle/>
+          <a:p>
+            <a:endParaRPr lang="pt-BR"/>
+          </a:p>
+        </p:txBody>
+      </p:sp>
+    </p:spTree>
+  </p:cSld>
+  <p:clrMapOvr>
+    <a:masterClrMapping/>
+  </p:clrMapOvr>
+</p:sld>
+</file>
+
 <file path=ppt/slides/slide8.xml><?xml version="1.0" encoding="utf-8"?>
 <p:sld xmlns:a="http://schemas.openxmlformats.org/drawingml/2006/main" xmlns:r="http://schemas.openxmlformats.org/officeDocument/2006/relationships" xmlns:p="http://schemas.openxmlformats.org/presentationml/2006/main">
   <p:cSld>
@@ -7475,51 +9220,7 @@
       </p:sp>
       <p:sp>
         <p:nvSpPr>
-          <p:cNvPr id="3" name="TextBox 3"/>
-          <p:cNvSpPr txBox="1"/>
-          <p:nvPr/>
-        </p:nvSpPr>
-        <p:spPr>
-          <a:xfrm>
-            <a:off x="1745338" y="1448687"/>
-            <a:ext cx="14797325" cy="854075"/>
-          </a:xfrm>
-          <a:prstGeom prst="rect">
-            <a:avLst/>
-          </a:prstGeom>
-        </p:spPr>
-        <p:txBody>
-          <a:bodyPr lIns="0" tIns="0" rIns="0" bIns="0" rtlCol="0" anchor="t">
-            <a:spAutoFit/>
-          </a:bodyPr>
-          <a:lstStyle/>
-          <a:p>
-            <a:pPr marL="0" lvl="0" indent="0" algn="ctr">
-              <a:lnSpc>
-                <a:spcPts val="7000"/>
-              </a:lnSpc>
-              <a:spcBef>
-                <a:spcPct val="0"/>
-              </a:spcBef>
-            </a:pPr>
-            <a:r>
-              <a:rPr lang="en-US" sz="5000" spc="-240">
-                <a:solidFill>
-                  <a:srgbClr val="FFFFFF"/>
-                </a:solidFill>
-                <a:latin typeface="Verdana Pro"/>
-                <a:ea typeface="Verdana Pro"/>
-                <a:cs typeface="Verdana Pro"/>
-                <a:sym typeface="Verdana Pro"/>
-              </a:rPr>
-              <a:t>DISTRIBUIÇÃO POR Nº DE QUARTOS</a:t>
-            </a:r>
-          </a:p>
-        </p:txBody>
-      </p:sp>
-      <p:sp>
-        <p:nvSpPr>
-          <p:cNvPr id="4" name="Freeform 4"/>
+          <p:cNvPr id="3" name="Freeform 3"/>
           <p:cNvSpPr/>
           <p:nvPr/>
         </p:nvSpPr>
@@ -7578,85 +9279,35 @@
       </p:sp>
       <p:sp>
         <p:nvSpPr>
-          <p:cNvPr id="5" name="Freeform 5"/>
-          <p:cNvSpPr/>
+          <p:cNvPr id="4" name="TextBox 4"/>
+          <p:cNvSpPr txBox="1"/>
           <p:nvPr/>
         </p:nvSpPr>
         <p:spPr>
           <a:xfrm>
-            <a:off x="4314542" y="4191206"/>
-            <a:ext cx="9658917" cy="5759129"/>
-          </a:xfrm>
-          <a:custGeom>
-            <a:avLst/>
-            <a:gdLst/>
-            <a:ahLst/>
-            <a:cxnLst/>
-            <a:rect l="l" t="t" r="r" b="b"/>
-            <a:pathLst>
-              <a:path w="9658917" h="5759129">
-                <a:moveTo>
-                  <a:pt x="0" y="0"/>
-                </a:moveTo>
-                <a:lnTo>
-                  <a:pt x="9658916" y="0"/>
-                </a:lnTo>
-                <a:lnTo>
-                  <a:pt x="9658916" y="5759129"/>
-                </a:lnTo>
-                <a:lnTo>
-                  <a:pt x="0" y="5759129"/>
-                </a:lnTo>
-                <a:lnTo>
-                  <a:pt x="0" y="0"/>
-                </a:lnTo>
-                <a:close/>
-              </a:path>
-            </a:pathLst>
-          </a:custGeom>
-          <a:blipFill>
-            <a:blip r:embed="rId4"/>
-            <a:stretch>
-              <a:fillRect/>
-            </a:stretch>
-          </a:blipFill>
-        </p:spPr>
-        <p:txBody>
-          <a:bodyPr/>
-          <a:lstStyle/>
-          <a:p>
-            <a:endParaRPr lang="pt-BR"/>
-          </a:p>
-        </p:txBody>
-      </p:sp>
-      <p:sp>
-        <p:nvSpPr>
-          <p:cNvPr id="6" name="TextBox 6"/>
-          <p:cNvSpPr txBox="1"/>
-          <p:nvPr/>
-        </p:nvSpPr>
-        <p:spPr>
-          <a:xfrm>
-            <a:off x="3392549" y="2416479"/>
-            <a:ext cx="11502902" cy="1567267"/>
+            <a:off x="1028700" y="1382593"/>
+            <a:ext cx="16230600" cy="806183"/>
           </a:xfrm>
           <a:prstGeom prst="rect">
             <a:avLst/>
           </a:prstGeom>
         </p:spPr>
         <p:txBody>
-          <a:bodyPr lIns="0" tIns="0" rIns="0" bIns="0" rtlCol="0" anchor="t">
+          <a:bodyPr wrap="square" lIns="0" tIns="0" rIns="0" bIns="0" rtlCol="0" anchor="t">
             <a:spAutoFit/>
           </a:bodyPr>
           <a:lstStyle/>
           <a:p>
             <a:pPr algn="ctr">
               <a:lnSpc>
-                <a:spcPts val="3131"/>
+                <a:spcPts val="7000"/>
               </a:lnSpc>
+              <a:spcBef>
+                <a:spcPct val="0"/>
+              </a:spcBef>
             </a:pPr>
             <a:r>
-              <a:rPr lang="en-US" sz="2236" spc="-107">
+              <a:rPr lang="en-US" sz="5000" spc="-240" dirty="0">
                 <a:solidFill>
                   <a:srgbClr val="FFFFFF"/>
                 </a:solidFill>
@@ -7665,83 +9316,20 @@
                 <a:cs typeface="Verdana Pro"/>
                 <a:sym typeface="Verdana Pro"/>
               </a:rPr>
-              <a:t>INSIGHT:</a:t>
-            </a:r>
-          </a:p>
-          <a:p>
-            <a:pPr marL="482883" lvl="1" indent="-241442" algn="just">
-              <a:lnSpc>
-                <a:spcPts val="3131"/>
-              </a:lnSpc>
-              <a:buFont typeface="Arial"/>
-              <a:buChar char="•"/>
-            </a:pPr>
-            <a:r>
-              <a:rPr lang="en-US" sz="2236" spc="-107">
-                <a:solidFill>
-                  <a:srgbClr val="FFFFFF"/>
-                </a:solidFill>
-                <a:latin typeface="Verdana Pro"/>
-                <a:ea typeface="Verdana Pro"/>
-                <a:cs typeface="Verdana Pro"/>
-                <a:sym typeface="Verdana Pro"/>
-              </a:rPr>
-              <a:t>A tipologiA DE 2 QUARTOS É PREDOMINANTE EM TODAS AS INCORPORADORAS.</a:t>
-            </a:r>
-          </a:p>
-          <a:p>
-            <a:pPr marL="482883" lvl="1" indent="-241442" algn="just">
-              <a:lnSpc>
-                <a:spcPts val="3131"/>
-              </a:lnSpc>
-              <a:buFont typeface="Arial"/>
-              <a:buChar char="•"/>
-            </a:pPr>
-            <a:r>
-              <a:rPr lang="en-US" sz="2236" spc="-107">
-                <a:solidFill>
-                  <a:srgbClr val="FFFFFF"/>
-                </a:solidFill>
-                <a:latin typeface="Verdana Pro"/>
-                <a:ea typeface="Verdana Pro"/>
-                <a:cs typeface="Verdana Pro"/>
-                <a:sym typeface="Verdana Pro"/>
-              </a:rPr>
-              <a:t>A MRV E DIRECIONAL OFERTAM COM FOCO EM 2Q COM 1 VAGA.</a:t>
-            </a:r>
-          </a:p>
-          <a:p>
-            <a:pPr marL="482883" lvl="1" indent="-241442" algn="just">
-              <a:lnSpc>
-                <a:spcPts val="3131"/>
-              </a:lnSpc>
-              <a:buFont typeface="Arial"/>
-              <a:buChar char="•"/>
-            </a:pPr>
-            <a:r>
-              <a:rPr lang="en-US" sz="2236" spc="-107">
-                <a:solidFill>
-                  <a:srgbClr val="FFFFFF"/>
-                </a:solidFill>
-                <a:latin typeface="Verdana Pro"/>
-                <a:ea typeface="Verdana Pro"/>
-                <a:cs typeface="Verdana Pro"/>
-                <a:sym typeface="Verdana Pro"/>
-              </a:rPr>
-              <a:t>A CURY TRAZ OPÇÕES COM E SEM VAGA, ATENDENDO PERFIS URBANOS.</a:t>
-            </a:r>
-          </a:p>
-        </p:txBody>
-      </p:sp>
-      <p:sp>
-        <p:nvSpPr>
-          <p:cNvPr id="7" name="Freeform 7"/>
+              <a:t>COMPARATIVO MRV X DIRECIONAL X CURY</a:t>
+            </a:r>
+          </a:p>
+        </p:txBody>
+      </p:sp>
+      <p:sp>
+        <p:nvSpPr>
+          <p:cNvPr id="6" name="Freeform 6"/>
           <p:cNvSpPr/>
           <p:nvPr/>
         </p:nvSpPr>
         <p:spPr>
           <a:xfrm>
-            <a:off x="14895451" y="282059"/>
+            <a:off x="14653915" y="314510"/>
             <a:ext cx="2831428" cy="1068083"/>
           </a:xfrm>
           <a:custGeom>
@@ -7756,10 +9344,10 @@
                   <a:pt x="0" y="0"/>
                 </a:moveTo>
                 <a:lnTo>
-                  <a:pt x="2831428" y="0"/>
-                </a:lnTo>
-                <a:lnTo>
-                  <a:pt x="2831428" y="1068084"/>
+                  <a:pt x="2831429" y="0"/>
+                </a:lnTo>
+                <a:lnTo>
+                  <a:pt x="2831429" y="1068084"/>
                 </a:lnTo>
                 <a:lnTo>
                   <a:pt x="0" y="1068084"/>
@@ -7772,7 +9360,7 @@
             </a:pathLst>
           </a:custGeom>
           <a:blipFill>
-            <a:blip r:embed="rId5">
+            <a:blip r:embed="rId4">
               <a:alphaModFix amt="81000"/>
             </a:blip>
             <a:stretch>
@@ -7785,6 +9373,135 @@
           <a:lstStyle/>
           <a:p>
             <a:endParaRPr lang="pt-BR"/>
+          </a:p>
+        </p:txBody>
+      </p:sp>
+      <p:pic>
+        <p:nvPicPr>
+          <p:cNvPr id="7" name="Imagem 6" descr="Gráfico, Gráfico de barras&#10;&#10;O conteúdo gerado por IA pode estar incorreto.">
+            <a:extLst>
+              <a:ext uri="{FF2B5EF4-FFF2-40B4-BE49-F238E27FC236}">
+                <a16:creationId xmlns:a16="http://schemas.microsoft.com/office/drawing/2014/main" id="{B41C763A-5D94-F39C-856A-84A630E32750}"/>
+              </a:ext>
+            </a:extLst>
+          </p:cNvPr>
+          <p:cNvPicPr>
+            <a:picLocks noChangeAspect="1"/>
+          </p:cNvPicPr>
+          <p:nvPr/>
+        </p:nvPicPr>
+        <p:blipFill>
+          <a:blip r:embed="rId5">
+            <a:extLst>
+              <a:ext uri="{28A0092B-C50C-407E-A947-70E740481C1C}">
+                <a14:useLocalDpi xmlns:a14="http://schemas.microsoft.com/office/drawing/2010/main" val="0"/>
+              </a:ext>
+            </a:extLst>
+          </a:blip>
+          <a:stretch>
+            <a:fillRect/>
+          </a:stretch>
+        </p:blipFill>
+        <p:spPr>
+          <a:xfrm>
+            <a:off x="4498977" y="4201684"/>
+            <a:ext cx="9290045" cy="5806278"/>
+          </a:xfrm>
+          <a:prstGeom prst="rect">
+            <a:avLst/>
+          </a:prstGeom>
+        </p:spPr>
+      </p:pic>
+      <p:sp>
+        <p:nvSpPr>
+          <p:cNvPr id="9" name="CaixaDeTexto 8">
+            <a:extLst>
+              <a:ext uri="{FF2B5EF4-FFF2-40B4-BE49-F238E27FC236}">
+                <a16:creationId xmlns:a16="http://schemas.microsoft.com/office/drawing/2014/main" id="{903C7B6D-D212-B029-965E-C0F1AB1C510A}"/>
+              </a:ext>
+            </a:extLst>
+          </p:cNvPr>
+          <p:cNvSpPr txBox="1"/>
+          <p:nvPr/>
+        </p:nvSpPr>
+        <p:spPr>
+          <a:xfrm>
+            <a:off x="2743200" y="2230374"/>
+            <a:ext cx="4923951" cy="477054"/>
+          </a:xfrm>
+          <a:prstGeom prst="rect">
+            <a:avLst/>
+          </a:prstGeom>
+          <a:noFill/>
+        </p:spPr>
+        <p:txBody>
+          <a:bodyPr wrap="square">
+            <a:spAutoFit/>
+          </a:bodyPr>
+          <a:lstStyle/>
+          <a:p>
+            <a:r>
+              <a:rPr lang="pt-BR" sz="2500" dirty="0">
+                <a:solidFill>
+                  <a:schemeClr val="bg1"/>
+                </a:solidFill>
+              </a:rPr>
+              <a:t>Área Média dos Empreendimentos</a:t>
+            </a:r>
+          </a:p>
+        </p:txBody>
+      </p:sp>
+      <p:sp>
+        <p:nvSpPr>
+          <p:cNvPr id="11" name="CaixaDeTexto 10">
+            <a:extLst>
+              <a:ext uri="{FF2B5EF4-FFF2-40B4-BE49-F238E27FC236}">
+                <a16:creationId xmlns:a16="http://schemas.microsoft.com/office/drawing/2014/main" id="{2FDA67E3-9314-80D9-DE3E-A2D0E28B345A}"/>
+              </a:ext>
+            </a:extLst>
+          </p:cNvPr>
+          <p:cNvSpPr txBox="1"/>
+          <p:nvPr/>
+        </p:nvSpPr>
+        <p:spPr>
+          <a:xfrm>
+            <a:off x="3416754" y="2930396"/>
+            <a:ext cx="11454492" cy="1015663"/>
+          </a:xfrm>
+          <a:prstGeom prst="rect">
+            <a:avLst/>
+          </a:prstGeom>
+          <a:noFill/>
+        </p:spPr>
+        <p:txBody>
+          <a:bodyPr wrap="square">
+            <a:spAutoFit/>
+          </a:bodyPr>
+          <a:lstStyle/>
+          <a:p>
+            <a:pPr algn="ctr"/>
+            <a:r>
+              <a:rPr lang="pt-BR" sz="2000" dirty="0">
+                <a:solidFill>
+                  <a:schemeClr val="bg1"/>
+                </a:solidFill>
+              </a:rPr>
+              <a:t>Insight: </a:t>
+            </a:r>
+          </a:p>
+          <a:p>
+            <a:pPr marL="285750" indent="-285750" algn="just">
+              <a:buFont typeface="Arial" panose="020B0604020202020204" pitchFamily="34" charset="0"/>
+              <a:buChar char="•"/>
+            </a:pPr>
+            <a:r>
+              <a:rPr lang="pt-BR" sz="2000" dirty="0">
+                <a:solidFill>
+                  <a:schemeClr val="bg1"/>
+                </a:solidFill>
+              </a:rPr>
+              <a:t>Direcional oferece unidades com metragem ligeiramente superior à MRV, enquanto a Cury equilibra espaço e localização em regiões urbanas.</a:t>
+            </a:r>
           </a:p>
         </p:txBody>
       </p:sp>
@@ -7809,7 +9526,13 @@
     </p:bg>
     <p:spTree>
       <p:nvGrpSpPr>
-        <p:cNvPr id="1" name=""/>
+        <p:cNvPr id="1" name="">
+          <a:extLst>
+            <a:ext uri="{FF2B5EF4-FFF2-40B4-BE49-F238E27FC236}">
+              <a16:creationId xmlns:a16="http://schemas.microsoft.com/office/drawing/2014/main" id="{F863C940-F94F-0F21-C706-3B9254B23D40}"/>
+            </a:ext>
+          </a:extLst>
+        </p:cNvPr>
         <p:cNvGrpSpPr/>
         <p:nvPr/>
       </p:nvGrpSpPr>
@@ -7823,7 +9546,13 @@
       </p:grpSpPr>
       <p:sp>
         <p:nvSpPr>
-          <p:cNvPr id="2" name="Freeform 2"/>
+          <p:cNvPr id="2" name="Freeform 2">
+            <a:extLst>
+              <a:ext uri="{FF2B5EF4-FFF2-40B4-BE49-F238E27FC236}">
+                <a16:creationId xmlns:a16="http://schemas.microsoft.com/office/drawing/2014/main" id="{E20F8399-37C1-787C-15C4-95295B148867}"/>
+              </a:ext>
+            </a:extLst>
+          </p:cNvPr>
           <p:cNvSpPr/>
           <p:nvPr/>
         </p:nvSpPr>
@@ -7882,51 +9611,13 @@
       </p:sp>
       <p:sp>
         <p:nvSpPr>
-          <p:cNvPr id="3" name="TextBox 3"/>
-          <p:cNvSpPr txBox="1"/>
-          <p:nvPr/>
-        </p:nvSpPr>
-        <p:spPr>
-          <a:xfrm>
-            <a:off x="1745337" y="1350142"/>
-            <a:ext cx="14797325" cy="854075"/>
-          </a:xfrm>
-          <a:prstGeom prst="rect">
-            <a:avLst/>
-          </a:prstGeom>
-        </p:spPr>
-        <p:txBody>
-          <a:bodyPr lIns="0" tIns="0" rIns="0" bIns="0" rtlCol="0" anchor="t">
-            <a:spAutoFit/>
-          </a:bodyPr>
-          <a:lstStyle/>
-          <a:p>
-            <a:pPr marL="0" lvl="0" indent="0" algn="ctr">
-              <a:lnSpc>
-                <a:spcPts val="7000"/>
-              </a:lnSpc>
-              <a:spcBef>
-                <a:spcPct val="0"/>
-              </a:spcBef>
-            </a:pPr>
-            <a:r>
-              <a:rPr lang="en-US" sz="5000" spc="-240" dirty="0">
-                <a:solidFill>
-                  <a:srgbClr val="FFFFFF"/>
-                </a:solidFill>
-                <a:latin typeface="Verdana Pro"/>
-                <a:ea typeface="Verdana Pro"/>
-                <a:cs typeface="Verdana Pro"/>
-                <a:sym typeface="Verdana Pro"/>
-              </a:rPr>
-              <a:t>PARCELAS INICIAIS MÉDIAS</a:t>
-            </a:r>
-          </a:p>
-        </p:txBody>
-      </p:sp>
-      <p:sp>
-        <p:nvSpPr>
-          <p:cNvPr id="4" name="Freeform 4"/>
+          <p:cNvPr id="3" name="Freeform 3">
+            <a:extLst>
+              <a:ext uri="{FF2B5EF4-FFF2-40B4-BE49-F238E27FC236}">
+                <a16:creationId xmlns:a16="http://schemas.microsoft.com/office/drawing/2014/main" id="{35B19CA6-D25E-43FB-02EC-02F4743A5C75}"/>
+              </a:ext>
+            </a:extLst>
+          </p:cNvPr>
           <p:cNvSpPr/>
           <p:nvPr/>
         </p:nvSpPr>
@@ -7985,85 +9676,41 @@
       </p:sp>
       <p:sp>
         <p:nvSpPr>
-          <p:cNvPr id="5" name="Freeform 5"/>
-          <p:cNvSpPr/>
+          <p:cNvPr id="4" name="TextBox 4">
+            <a:extLst>
+              <a:ext uri="{FF2B5EF4-FFF2-40B4-BE49-F238E27FC236}">
+                <a16:creationId xmlns:a16="http://schemas.microsoft.com/office/drawing/2014/main" id="{A152553C-8A28-D086-DA3E-2ED986F3F840}"/>
+              </a:ext>
+            </a:extLst>
+          </p:cNvPr>
+          <p:cNvSpPr txBox="1"/>
           <p:nvPr/>
         </p:nvSpPr>
         <p:spPr>
           <a:xfrm>
-            <a:off x="4018230" y="3943341"/>
-            <a:ext cx="10251537" cy="6112479"/>
-          </a:xfrm>
-          <a:custGeom>
-            <a:avLst/>
-            <a:gdLst/>
-            <a:ahLst/>
-            <a:cxnLst/>
-            <a:rect l="l" t="t" r="r" b="b"/>
-            <a:pathLst>
-              <a:path w="10251537" h="6112479">
-                <a:moveTo>
-                  <a:pt x="0" y="0"/>
-                </a:moveTo>
-                <a:lnTo>
-                  <a:pt x="10251536" y="0"/>
-                </a:lnTo>
-                <a:lnTo>
-                  <a:pt x="10251536" y="6112478"/>
-                </a:lnTo>
-                <a:lnTo>
-                  <a:pt x="0" y="6112478"/>
-                </a:lnTo>
-                <a:lnTo>
-                  <a:pt x="0" y="0"/>
-                </a:lnTo>
-                <a:close/>
-              </a:path>
-            </a:pathLst>
-          </a:custGeom>
-          <a:blipFill>
-            <a:blip r:embed="rId4"/>
-            <a:stretch>
-              <a:fillRect/>
-            </a:stretch>
-          </a:blipFill>
-        </p:spPr>
-        <p:txBody>
-          <a:bodyPr/>
-          <a:lstStyle/>
-          <a:p>
-            <a:endParaRPr lang="pt-BR"/>
-          </a:p>
-        </p:txBody>
-      </p:sp>
-      <p:sp>
-        <p:nvSpPr>
-          <p:cNvPr id="6" name="TextBox 6"/>
-          <p:cNvSpPr txBox="1"/>
-          <p:nvPr/>
-        </p:nvSpPr>
-        <p:spPr>
-          <a:xfrm>
-            <a:off x="1028698" y="2434039"/>
-            <a:ext cx="16230600" cy="1552915"/>
+            <a:off x="1028700" y="1382593"/>
+            <a:ext cx="16230600" cy="806183"/>
           </a:xfrm>
           <a:prstGeom prst="rect">
             <a:avLst/>
           </a:prstGeom>
         </p:spPr>
         <p:txBody>
-          <a:bodyPr lIns="0" tIns="0" rIns="0" bIns="0" rtlCol="0" anchor="t">
+          <a:bodyPr wrap="square" lIns="0" tIns="0" rIns="0" bIns="0" rtlCol="0" anchor="t">
             <a:spAutoFit/>
           </a:bodyPr>
           <a:lstStyle/>
           <a:p>
             <a:pPr algn="ctr">
               <a:lnSpc>
-                <a:spcPts val="3131"/>
+                <a:spcPts val="7000"/>
               </a:lnSpc>
+              <a:spcBef>
+                <a:spcPct val="0"/>
+              </a:spcBef>
             </a:pPr>
             <a:r>
-              <a:rPr lang="en-US" sz="2236" spc="-107" dirty="0">
+              <a:rPr lang="en-US" sz="5000" spc="-240" dirty="0">
                 <a:solidFill>
                   <a:srgbClr val="FFFFFF"/>
                 </a:solidFill>
@@ -8072,294 +9719,26 @@
                 <a:cs typeface="Verdana Pro"/>
                 <a:sym typeface="Verdana Pro"/>
               </a:rPr>
-              <a:t>INSIGHT:</a:t>
-            </a:r>
-          </a:p>
-          <a:p>
-            <a:pPr marL="482883" lvl="1" indent="-241442">
-              <a:lnSpc>
-                <a:spcPts val="3131"/>
-              </a:lnSpc>
-              <a:buFont typeface="Arial"/>
-              <a:buChar char="•"/>
-            </a:pPr>
-            <a:r>
-              <a:rPr lang="en-US" sz="2236" spc="-107" dirty="0">
-                <a:solidFill>
-                  <a:srgbClr val="FFFFFF"/>
-                </a:solidFill>
-                <a:latin typeface="Verdana Pro"/>
-                <a:ea typeface="Verdana Pro"/>
-                <a:cs typeface="Verdana Pro"/>
-                <a:sym typeface="Verdana Pro"/>
-              </a:rPr>
-              <a:t>MRV e </a:t>
-            </a:r>
-            <a:r>
-              <a:rPr lang="en-US" sz="2236" spc="-107" dirty="0" err="1">
-                <a:solidFill>
-                  <a:srgbClr val="FFFFFF"/>
-                </a:solidFill>
-                <a:latin typeface="Verdana Pro"/>
-                <a:ea typeface="Verdana Pro"/>
-                <a:cs typeface="Verdana Pro"/>
-                <a:sym typeface="Verdana Pro"/>
-              </a:rPr>
-              <a:t>Direcional</a:t>
-            </a:r>
-            <a:r>
-              <a:rPr lang="en-US" sz="2236" spc="-107" dirty="0">
-                <a:solidFill>
-                  <a:srgbClr val="FFFFFF"/>
-                </a:solidFill>
-                <a:latin typeface="Verdana Pro"/>
-                <a:ea typeface="Verdana Pro"/>
-                <a:cs typeface="Verdana Pro"/>
-                <a:sym typeface="Verdana Pro"/>
-              </a:rPr>
-              <a:t> </a:t>
-            </a:r>
-            <a:r>
-              <a:rPr lang="en-US" sz="2236" spc="-107" dirty="0" err="1">
-                <a:solidFill>
-                  <a:srgbClr val="FFFFFF"/>
-                </a:solidFill>
-                <a:latin typeface="Verdana Pro"/>
-                <a:ea typeface="Verdana Pro"/>
-                <a:cs typeface="Verdana Pro"/>
-                <a:sym typeface="Verdana Pro"/>
-              </a:rPr>
-              <a:t>têm</a:t>
-            </a:r>
-            <a:r>
-              <a:rPr lang="en-US" sz="2236" spc="-107" dirty="0">
-                <a:solidFill>
-                  <a:srgbClr val="FFFFFF"/>
-                </a:solidFill>
-                <a:latin typeface="Verdana Pro"/>
-                <a:ea typeface="Verdana Pro"/>
-                <a:cs typeface="Verdana Pro"/>
-                <a:sym typeface="Verdana Pro"/>
-              </a:rPr>
-              <a:t> </a:t>
-            </a:r>
-            <a:r>
-              <a:rPr lang="en-US" sz="2236" spc="-107" dirty="0" err="1">
-                <a:solidFill>
-                  <a:srgbClr val="FFFFFF"/>
-                </a:solidFill>
-                <a:latin typeface="Verdana Pro"/>
-                <a:ea typeface="Verdana Pro"/>
-                <a:cs typeface="Verdana Pro"/>
-                <a:sym typeface="Verdana Pro"/>
-              </a:rPr>
-              <a:t>presença</a:t>
-            </a:r>
-            <a:r>
-              <a:rPr lang="en-US" sz="2236" spc="-107" dirty="0">
-                <a:solidFill>
-                  <a:srgbClr val="FFFFFF"/>
-                </a:solidFill>
-                <a:latin typeface="Verdana Pro"/>
-                <a:ea typeface="Verdana Pro"/>
-                <a:cs typeface="Verdana Pro"/>
-                <a:sym typeface="Verdana Pro"/>
-              </a:rPr>
-              <a:t> forte </a:t>
-            </a:r>
-            <a:r>
-              <a:rPr lang="en-US" sz="2236" spc="-107" dirty="0" err="1">
-                <a:solidFill>
-                  <a:srgbClr val="FFFFFF"/>
-                </a:solidFill>
-                <a:latin typeface="Verdana Pro"/>
-                <a:ea typeface="Verdana Pro"/>
-                <a:cs typeface="Verdana Pro"/>
-                <a:sym typeface="Verdana Pro"/>
-              </a:rPr>
-              <a:t>na</a:t>
-            </a:r>
-            <a:r>
-              <a:rPr lang="en-US" sz="2236" spc="-107" dirty="0">
-                <a:solidFill>
-                  <a:srgbClr val="FFFFFF"/>
-                </a:solidFill>
-                <a:latin typeface="Verdana Pro"/>
-                <a:ea typeface="Verdana Pro"/>
-                <a:cs typeface="Verdana Pro"/>
-                <a:sym typeface="Verdana Pro"/>
-              </a:rPr>
-              <a:t> Grande BH</a:t>
-            </a:r>
-          </a:p>
-          <a:p>
-            <a:pPr marL="482883" lvl="1" indent="-241442">
-              <a:lnSpc>
-                <a:spcPts val="3131"/>
-              </a:lnSpc>
-              <a:buFont typeface="Arial"/>
-              <a:buChar char="•"/>
-            </a:pPr>
-            <a:r>
-              <a:rPr lang="en-US" sz="2236" spc="-107" dirty="0">
-                <a:solidFill>
-                  <a:srgbClr val="FFFFFF"/>
-                </a:solidFill>
-                <a:latin typeface="Verdana Pro"/>
-                <a:ea typeface="Verdana Pro"/>
-                <a:cs typeface="Verdana Pro"/>
-                <a:sym typeface="Verdana Pro"/>
-              </a:rPr>
-              <a:t>Cury </a:t>
-            </a:r>
-            <a:r>
-              <a:rPr lang="en-US" sz="2236" spc="-107" dirty="0" err="1">
-                <a:solidFill>
-                  <a:srgbClr val="FFFFFF"/>
-                </a:solidFill>
-                <a:latin typeface="Verdana Pro"/>
-                <a:ea typeface="Verdana Pro"/>
-                <a:cs typeface="Verdana Pro"/>
-                <a:sym typeface="Verdana Pro"/>
-              </a:rPr>
-              <a:t>concentra</a:t>
-            </a:r>
-            <a:r>
-              <a:rPr lang="en-US" sz="2236" spc="-107" dirty="0">
-                <a:solidFill>
-                  <a:srgbClr val="FFFFFF"/>
-                </a:solidFill>
-                <a:latin typeface="Verdana Pro"/>
-                <a:ea typeface="Verdana Pro"/>
-                <a:cs typeface="Verdana Pro"/>
-                <a:sym typeface="Verdana Pro"/>
-              </a:rPr>
-              <a:t> </a:t>
-            </a:r>
-            <a:r>
-              <a:rPr lang="en-US" sz="2236" spc="-107" dirty="0" err="1">
-                <a:solidFill>
-                  <a:srgbClr val="FFFFFF"/>
-                </a:solidFill>
-                <a:latin typeface="Verdana Pro"/>
-                <a:ea typeface="Verdana Pro"/>
-                <a:cs typeface="Verdana Pro"/>
-                <a:sym typeface="Verdana Pro"/>
-              </a:rPr>
-              <a:t>atuação</a:t>
-            </a:r>
-            <a:r>
-              <a:rPr lang="en-US" sz="2236" spc="-107" dirty="0">
-                <a:solidFill>
-                  <a:srgbClr val="FFFFFF"/>
-                </a:solidFill>
-                <a:latin typeface="Verdana Pro"/>
-                <a:ea typeface="Verdana Pro"/>
-                <a:cs typeface="Verdana Pro"/>
-                <a:sym typeface="Verdana Pro"/>
-              </a:rPr>
-              <a:t> </a:t>
-            </a:r>
-            <a:r>
-              <a:rPr lang="en-US" sz="2236" spc="-107" dirty="0" err="1">
-                <a:solidFill>
-                  <a:srgbClr val="FFFFFF"/>
-                </a:solidFill>
-                <a:latin typeface="Verdana Pro"/>
-                <a:ea typeface="Verdana Pro"/>
-                <a:cs typeface="Verdana Pro"/>
-                <a:sym typeface="Verdana Pro"/>
-              </a:rPr>
-              <a:t>em</a:t>
-            </a:r>
-            <a:r>
-              <a:rPr lang="en-US" sz="2236" spc="-107" dirty="0">
-                <a:solidFill>
-                  <a:srgbClr val="FFFFFF"/>
-                </a:solidFill>
-                <a:latin typeface="Verdana Pro"/>
-                <a:ea typeface="Verdana Pro"/>
-                <a:cs typeface="Verdana Pro"/>
-                <a:sym typeface="Verdana Pro"/>
-              </a:rPr>
-              <a:t> SP, com </a:t>
-            </a:r>
-            <a:r>
-              <a:rPr lang="en-US" sz="2236" spc="-107" dirty="0" err="1">
-                <a:solidFill>
-                  <a:srgbClr val="FFFFFF"/>
-                </a:solidFill>
-                <a:latin typeface="Verdana Pro"/>
-                <a:ea typeface="Verdana Pro"/>
-                <a:cs typeface="Verdana Pro"/>
-                <a:sym typeface="Verdana Pro"/>
-              </a:rPr>
-              <a:t>alguns</a:t>
-            </a:r>
-            <a:r>
-              <a:rPr lang="en-US" sz="2236" spc="-107" dirty="0">
-                <a:solidFill>
-                  <a:srgbClr val="FFFFFF"/>
-                </a:solidFill>
-                <a:latin typeface="Verdana Pro"/>
-                <a:ea typeface="Verdana Pro"/>
-                <a:cs typeface="Verdana Pro"/>
-                <a:sym typeface="Verdana Pro"/>
-              </a:rPr>
-              <a:t> </a:t>
-            </a:r>
-            <a:r>
-              <a:rPr lang="en-US" sz="2236" spc="-107" dirty="0" err="1">
-                <a:solidFill>
-                  <a:srgbClr val="FFFFFF"/>
-                </a:solidFill>
-                <a:latin typeface="Verdana Pro"/>
-                <a:ea typeface="Verdana Pro"/>
-                <a:cs typeface="Verdana Pro"/>
-                <a:sym typeface="Verdana Pro"/>
-              </a:rPr>
-              <a:t>projetos</a:t>
-            </a:r>
-            <a:r>
-              <a:rPr lang="en-US" sz="2236" spc="-107" dirty="0">
-                <a:solidFill>
-                  <a:srgbClr val="FFFFFF"/>
-                </a:solidFill>
-                <a:latin typeface="Verdana Pro"/>
-                <a:ea typeface="Verdana Pro"/>
-                <a:cs typeface="Verdana Pro"/>
-                <a:sym typeface="Verdana Pro"/>
-              </a:rPr>
-              <a:t> no RJ e interior</a:t>
-            </a:r>
-          </a:p>
-          <a:p>
-            <a:pPr algn="ctr">
-              <a:lnSpc>
-                <a:spcPts val="3131"/>
-              </a:lnSpc>
-            </a:pPr>
-            <a:endParaRPr lang="en-US" sz="2236" spc="-107" dirty="0">
-              <a:solidFill>
-                <a:srgbClr val="FFFFFF"/>
-              </a:solidFill>
-              <a:latin typeface="Verdana Pro"/>
-              <a:ea typeface="Verdana Pro"/>
-              <a:cs typeface="Verdana Pro"/>
-              <a:sym typeface="Verdana Pro"/>
-            </a:endParaRPr>
-          </a:p>
-        </p:txBody>
-      </p:sp>
-      <p:sp>
-        <p:nvSpPr>
-          <p:cNvPr id="7" name="Freeform 7"/>
+              <a:t>COMPARATIVO MRV X DIRECIONAL X CURY</a:t>
+            </a:r>
+          </a:p>
+        </p:txBody>
+      </p:sp>
+      <p:sp>
+        <p:nvSpPr>
+          <p:cNvPr id="6" name="Freeform 6">
+            <a:extLst>
+              <a:ext uri="{FF2B5EF4-FFF2-40B4-BE49-F238E27FC236}">
+                <a16:creationId xmlns:a16="http://schemas.microsoft.com/office/drawing/2014/main" id="{005FD797-BB3B-DA4A-0E36-8345F179E0F6}"/>
+              </a:ext>
+            </a:extLst>
+          </p:cNvPr>
           <p:cNvSpPr/>
           <p:nvPr/>
         </p:nvSpPr>
         <p:spPr>
           <a:xfrm>
-            <a:off x="14895451" y="282059"/>
+            <a:off x="14653915" y="314510"/>
             <a:ext cx="2831428" cy="1068083"/>
           </a:xfrm>
           <a:custGeom>
@@ -8374,10 +9753,10 @@
                   <a:pt x="0" y="0"/>
                 </a:moveTo>
                 <a:lnTo>
-                  <a:pt x="2831428" y="0"/>
-                </a:lnTo>
-                <a:lnTo>
-                  <a:pt x="2831428" y="1068084"/>
+                  <a:pt x="2831429" y="0"/>
+                </a:lnTo>
+                <a:lnTo>
+                  <a:pt x="2831429" y="1068084"/>
                 </a:lnTo>
                 <a:lnTo>
                   <a:pt x="0" y="1068084"/>
@@ -8390,7 +9769,7 @@
             </a:pathLst>
           </a:custGeom>
           <a:blipFill>
-            <a:blip r:embed="rId5">
+            <a:blip r:embed="rId4">
               <a:alphaModFix amt="81000"/>
             </a:blip>
             <a:stretch>
@@ -8406,7 +9785,141 @@
           </a:p>
         </p:txBody>
       </p:sp>
+      <p:sp>
+        <p:nvSpPr>
+          <p:cNvPr id="9" name="CaixaDeTexto 8">
+            <a:extLst>
+              <a:ext uri="{FF2B5EF4-FFF2-40B4-BE49-F238E27FC236}">
+                <a16:creationId xmlns:a16="http://schemas.microsoft.com/office/drawing/2014/main" id="{396055B1-DAC2-0650-AD80-20C9D4AB7244}"/>
+              </a:ext>
+            </a:extLst>
+          </p:cNvPr>
+          <p:cNvSpPr txBox="1"/>
+          <p:nvPr/>
+        </p:nvSpPr>
+        <p:spPr>
+          <a:xfrm>
+            <a:off x="2743200" y="2230374"/>
+            <a:ext cx="4923951" cy="477054"/>
+          </a:xfrm>
+          <a:prstGeom prst="rect">
+            <a:avLst/>
+          </a:prstGeom>
+          <a:noFill/>
+        </p:spPr>
+        <p:txBody>
+          <a:bodyPr wrap="square">
+            <a:spAutoFit/>
+          </a:bodyPr>
+          <a:lstStyle/>
+          <a:p>
+            <a:r>
+              <a:rPr lang="pt-BR" sz="2500" dirty="0">
+                <a:solidFill>
+                  <a:schemeClr val="bg1"/>
+                </a:solidFill>
+              </a:rPr>
+              <a:t>Itens de Lazer por Empresa</a:t>
+            </a:r>
+          </a:p>
+        </p:txBody>
+      </p:sp>
+      <p:sp>
+        <p:nvSpPr>
+          <p:cNvPr id="11" name="CaixaDeTexto 10">
+            <a:extLst>
+              <a:ext uri="{FF2B5EF4-FFF2-40B4-BE49-F238E27FC236}">
+                <a16:creationId xmlns:a16="http://schemas.microsoft.com/office/drawing/2014/main" id="{3533DE87-CA4B-A17F-D5A1-57A3F19CE9EB}"/>
+              </a:ext>
+            </a:extLst>
+          </p:cNvPr>
+          <p:cNvSpPr txBox="1"/>
+          <p:nvPr/>
+        </p:nvSpPr>
+        <p:spPr>
+          <a:xfrm>
+            <a:off x="3416754" y="2930396"/>
+            <a:ext cx="11454492" cy="1015663"/>
+          </a:xfrm>
+          <a:prstGeom prst="rect">
+            <a:avLst/>
+          </a:prstGeom>
+          <a:noFill/>
+        </p:spPr>
+        <p:txBody>
+          <a:bodyPr wrap="square">
+            <a:spAutoFit/>
+          </a:bodyPr>
+          <a:lstStyle/>
+          <a:p>
+            <a:pPr algn="ctr"/>
+            <a:r>
+              <a:rPr lang="pt-BR" sz="2000" dirty="0">
+                <a:solidFill>
+                  <a:schemeClr val="bg1"/>
+                </a:solidFill>
+              </a:rPr>
+              <a:t>Insight: </a:t>
+            </a:r>
+          </a:p>
+          <a:p>
+            <a:pPr marL="342900" indent="-342900" algn="just">
+              <a:buFont typeface="Arial" panose="020B0604020202020204" pitchFamily="34" charset="0"/>
+              <a:buChar char="•"/>
+            </a:pPr>
+            <a:r>
+              <a:rPr lang="pt-BR" sz="2000" dirty="0">
+                <a:solidFill>
+                  <a:schemeClr val="bg1"/>
+                </a:solidFill>
+              </a:rPr>
+              <a:t>Cury e Direcional entregam conjuntos mais completos. MRV foca no essencial, com empreendimentos sem áreas comuns em muitos casos.</a:t>
+            </a:r>
+          </a:p>
+        </p:txBody>
+      </p:sp>
+      <p:pic>
+        <p:nvPicPr>
+          <p:cNvPr id="8" name="Imagem 7" descr="Gráfico&#10;&#10;O conteúdo gerado por IA pode estar incorreto.">
+            <a:extLst>
+              <a:ext uri="{FF2B5EF4-FFF2-40B4-BE49-F238E27FC236}">
+                <a16:creationId xmlns:a16="http://schemas.microsoft.com/office/drawing/2014/main" id="{713EC3D3-4A10-A3AC-472A-746F897A8767}"/>
+              </a:ext>
+            </a:extLst>
+          </p:cNvPr>
+          <p:cNvPicPr>
+            <a:picLocks noChangeAspect="1"/>
+          </p:cNvPicPr>
+          <p:nvPr/>
+        </p:nvPicPr>
+        <p:blipFill>
+          <a:blip r:embed="rId5">
+            <a:extLst>
+              <a:ext uri="{28A0092B-C50C-407E-A947-70E740481C1C}">
+                <a14:useLocalDpi xmlns:a14="http://schemas.microsoft.com/office/drawing/2010/main" val="0"/>
+              </a:ext>
+            </a:extLst>
+          </a:blip>
+          <a:stretch>
+            <a:fillRect/>
+          </a:stretch>
+        </p:blipFill>
+        <p:spPr>
+          <a:xfrm>
+            <a:off x="3657589" y="4185356"/>
+            <a:ext cx="10972822" cy="5486411"/>
+          </a:xfrm>
+          <a:prstGeom prst="rect">
+            <a:avLst/>
+          </a:prstGeom>
+        </p:spPr>
+      </p:pic>
     </p:spTree>
+    <p:extLst>
+      <p:ext uri="{BB962C8B-B14F-4D97-AF65-F5344CB8AC3E}">
+        <p14:creationId xmlns:p14="http://schemas.microsoft.com/office/powerpoint/2010/main" val="3046229598"/>
+      </p:ext>
+    </p:extLst>
   </p:cSld>
   <p:clrMapOvr>
     <a:masterClrMapping/>
